--- a/09 UML и проектирование.pptx
+++ b/09 UML и проектирование.pptx
@@ -331,7 +331,7 @@
           <a:p>
             <a:fld id="{6A810824-8AE5-4203-97D1-75A6D12A0842}" type="datetimeFigureOut">
               <a:rPr lang="en-US" smtClean="0"/>
-              <a:t>10/31/2017</a:t>
+              <a:t>3/2/2019</a:t>
             </a:fld>
             <a:endParaRPr lang="en-US"/>
           </a:p>
@@ -395,35 +395,35 @@
           <a:p>
             <a:pPr lvl="0"/>
             <a:r>
-              <a:rPr lang="ru-RU" smtClean="0"/>
+              <a:rPr lang="ru-RU"/>
               <a:t>Образец текста</a:t>
             </a:r>
           </a:p>
           <a:p>
             <a:pPr lvl="1"/>
             <a:r>
-              <a:rPr lang="ru-RU" smtClean="0"/>
+              <a:rPr lang="ru-RU"/>
               <a:t>Второй уровень</a:t>
             </a:r>
           </a:p>
           <a:p>
             <a:pPr lvl="2"/>
             <a:r>
-              <a:rPr lang="ru-RU" smtClean="0"/>
+              <a:rPr lang="ru-RU"/>
               <a:t>Третий уровень</a:t>
             </a:r>
           </a:p>
           <a:p>
             <a:pPr lvl="3"/>
             <a:r>
-              <a:rPr lang="ru-RU" smtClean="0"/>
+              <a:rPr lang="ru-RU"/>
               <a:t>Четвертый уровень</a:t>
             </a:r>
           </a:p>
           <a:p>
             <a:pPr lvl="4"/>
             <a:r>
-              <a:rPr lang="ru-RU" smtClean="0"/>
+              <a:rPr lang="ru-RU"/>
               <a:t>Пятый уровень</a:t>
             </a:r>
             <a:endParaRPr lang="en-US"/>
@@ -644,85 +644,85 @@
           <a:lstStyle/>
           <a:p>
             <a:r>
-              <a:rPr lang="ru-RU" sz="3500" dirty="0" smtClean="0"/>
+              <a:rPr lang="ru-RU" sz="3500" dirty="0"/>
               <a:t>Выделенные изначально классы</a:t>
             </a:r>
           </a:p>
           <a:p>
             <a:pPr lvl="1"/>
             <a:r>
-              <a:rPr lang="ru-RU" sz="3500" dirty="0" smtClean="0"/>
+              <a:rPr lang="ru-RU" sz="3500" dirty="0"/>
               <a:t>сотрудник,</a:t>
             </a:r>
           </a:p>
           <a:p>
             <a:pPr lvl="1"/>
             <a:r>
-              <a:rPr lang="ru-RU" sz="3500" dirty="0" smtClean="0"/>
+              <a:rPr lang="ru-RU" sz="3500" dirty="0"/>
               <a:t>подразделение;</a:t>
             </a:r>
           </a:p>
           <a:p>
             <a:pPr lvl="1"/>
             <a:r>
-              <a:rPr lang="ru-RU" sz="3500" dirty="0" smtClean="0"/>
+              <a:rPr lang="ru-RU" sz="3500" dirty="0"/>
               <a:t>вакансия;</a:t>
             </a:r>
           </a:p>
           <a:p>
             <a:pPr lvl="1"/>
             <a:r>
-              <a:rPr lang="ru-RU" sz="3500" dirty="0" smtClean="0"/>
+              <a:rPr lang="ru-RU" sz="3500" dirty="0"/>
               <a:t>должность.</a:t>
             </a:r>
           </a:p>
           <a:p>
             <a:r>
-              <a:rPr lang="ru-RU" sz="3500" dirty="0" smtClean="0"/>
+              <a:rPr lang="ru-RU" sz="3500" dirty="0"/>
               <a:t>За кадром осталась сама </a:t>
             </a:r>
             <a:r>
-              <a:rPr lang="ru-RU" sz="3500" b="1" dirty="0" smtClean="0"/>
+              <a:rPr lang="ru-RU" sz="3500" b="1" dirty="0"/>
               <a:t>компания</a:t>
             </a:r>
             <a:r>
-              <a:rPr lang="ru-RU" sz="3500" dirty="0" smtClean="0"/>
+              <a:rPr lang="ru-RU" sz="3500" dirty="0"/>
               <a:t>, для которой ведется разработка ИС</a:t>
             </a:r>
-            <a:endParaRPr lang="ru-RU" sz="3100" dirty="0" smtClean="0"/>
-          </a:p>
-          <a:p>
-            <a:r>
-              <a:rPr lang="ru-RU" sz="3500" b="1" dirty="0" smtClean="0"/>
+            <a:endParaRPr lang="ru-RU" sz="3100" dirty="0"/>
+          </a:p>
+          <a:p>
+            <a:r>
+              <a:rPr lang="ru-RU" sz="3500" b="1" dirty="0"/>
               <a:t>Вакансия </a:t>
             </a:r>
             <a:r>
-              <a:rPr lang="ru-RU" sz="3500" dirty="0" smtClean="0"/>
+              <a:rPr lang="ru-RU" sz="3500" dirty="0"/>
               <a:t>== вакантная </a:t>
             </a:r>
             <a:r>
-              <a:rPr lang="ru-RU" sz="3500" b="1" dirty="0" smtClean="0"/>
+              <a:rPr lang="ru-RU" sz="3500" b="1" dirty="0"/>
               <a:t>должность</a:t>
             </a:r>
             <a:r>
-              <a:rPr lang="ru-RU" sz="3500" dirty="0" smtClean="0"/>
+              <a:rPr lang="ru-RU" sz="3500" dirty="0"/>
               <a:t>, итого, оставим только </a:t>
             </a:r>
             <a:r>
-              <a:rPr lang="ru-RU" sz="3500" b="1" dirty="0" smtClean="0"/>
+              <a:rPr lang="ru-RU" sz="3500" b="1" dirty="0"/>
               <a:t>должность</a:t>
             </a:r>
           </a:p>
           <a:p>
             <a:pPr lvl="1"/>
             <a:r>
-              <a:rPr lang="ru-RU" sz="3100" dirty="0" smtClean="0"/>
+              <a:rPr lang="ru-RU" sz="3100" dirty="0"/>
               <a:t>Вакантность должности может стать атрибутом</a:t>
             </a:r>
           </a:p>
           <a:p>
             <a:pPr lvl="1"/>
-            <a:endParaRPr lang="ru-RU" dirty="0" smtClean="0"/>
+            <a:endParaRPr lang="ru-RU" dirty="0"/>
           </a:p>
           <a:p>
             <a:endParaRPr lang="en-US" dirty="0"/>
@@ -810,7 +810,7 @@
           <a:lstStyle/>
           <a:p>
             <a:r>
-              <a:rPr lang="ru-RU" dirty="0" smtClean="0"/>
+              <a:rPr lang="ru-RU" dirty="0"/>
               <a:t>Добавляем методы, которые реализуют ВИ «Играть»</a:t>
             </a:r>
           </a:p>
@@ -820,7 +820,7 @@
               <a:buChar char="•"/>
             </a:pPr>
             <a:r>
-              <a:rPr lang="ru-RU" dirty="0" smtClean="0"/>
+              <a:rPr lang="ru-RU" dirty="0"/>
               <a:t>Игра</a:t>
             </a:r>
           </a:p>
@@ -830,15 +830,15 @@
               <a:buChar char="•"/>
             </a:pPr>
             <a:r>
-              <a:rPr lang="ru-RU" dirty="0" err="1" smtClean="0"/>
+              <a:rPr lang="ru-RU" dirty="0" err="1"/>
               <a:t>НачатьИ</a:t>
             </a:r>
             <a:r>
-              <a:rPr lang="ru-RU" baseline="0" dirty="0" err="1" smtClean="0"/>
+              <a:rPr lang="ru-RU" baseline="0" dirty="0" err="1"/>
               <a:t>гру</a:t>
             </a:r>
             <a:r>
-              <a:rPr lang="ru-RU" baseline="0" dirty="0" smtClean="0"/>
+              <a:rPr lang="ru-RU" baseline="0" dirty="0"/>
               <a:t>()</a:t>
             </a:r>
           </a:p>
@@ -848,7 +848,7 @@
               <a:buChar char="•"/>
             </a:pPr>
             <a:r>
-              <a:rPr lang="ru-RU" dirty="0" smtClean="0"/>
+              <a:rPr lang="ru-RU" dirty="0"/>
               <a:t>Игрок</a:t>
             </a:r>
           </a:p>
@@ -858,15 +858,15 @@
               <a:buChar char="•"/>
             </a:pPr>
             <a:r>
-              <a:rPr lang="ru-RU" dirty="0" err="1" smtClean="0"/>
+              <a:rPr lang="ru-RU" dirty="0" err="1"/>
               <a:t>СделатьХод</a:t>
             </a:r>
             <a:r>
-              <a:rPr lang="ru-RU" dirty="0" smtClean="0"/>
+              <a:rPr lang="ru-RU" dirty="0"/>
               <a:t>()</a:t>
             </a:r>
             <a:r>
-              <a:rPr lang="ru-RU" baseline="0" dirty="0" smtClean="0"/>
+              <a:rPr lang="ru-RU" baseline="0" dirty="0"/>
               <a:t> </a:t>
             </a:r>
           </a:p>
@@ -876,11 +876,11 @@
               <a:buChar char="•"/>
             </a:pPr>
             <a:r>
-              <a:rPr lang="ru-RU" dirty="0" err="1" smtClean="0"/>
+              <a:rPr lang="ru-RU" dirty="0" err="1"/>
               <a:t>ПолучитьРезультат</a:t>
             </a:r>
             <a:r>
-              <a:rPr lang="ru-RU" dirty="0" smtClean="0"/>
+              <a:rPr lang="ru-RU" dirty="0"/>
               <a:t>()</a:t>
             </a:r>
           </a:p>
@@ -890,7 +890,7 @@
               <a:buChar char="•"/>
             </a:pPr>
             <a:r>
-              <a:rPr lang="ru-RU" dirty="0" smtClean="0"/>
+              <a:rPr lang="ru-RU" dirty="0"/>
               <a:t>Клетка</a:t>
             </a:r>
           </a:p>
@@ -900,11 +900,11 @@
               <a:buChar char="•"/>
             </a:pPr>
             <a:r>
-              <a:rPr lang="ru-RU" dirty="0" err="1" smtClean="0"/>
+              <a:rPr lang="ru-RU" dirty="0" err="1"/>
               <a:t>ПоставитьЗнак</a:t>
             </a:r>
             <a:r>
-              <a:rPr lang="ru-RU" dirty="0" smtClean="0"/>
+              <a:rPr lang="ru-RU" dirty="0"/>
               <a:t>()</a:t>
             </a:r>
           </a:p>
@@ -914,7 +914,7 @@
               <a:buChar char="•"/>
             </a:pPr>
             <a:r>
-              <a:rPr lang="ru-RU" dirty="0" smtClean="0"/>
+              <a:rPr lang="ru-RU" dirty="0"/>
               <a:t>приватный метод Проверить()- как часть сценария постановки знака</a:t>
             </a:r>
           </a:p>
@@ -924,19 +924,19 @@
               <a:buChar char="•"/>
             </a:pPr>
             <a:r>
-              <a:rPr lang="ru-RU" dirty="0" smtClean="0"/>
+              <a:rPr lang="ru-RU" dirty="0"/>
               <a:t>Т.к. клетка должна обновить поле (перерисовать его) – она</a:t>
             </a:r>
             <a:r>
-              <a:rPr lang="ru-RU" baseline="0" dirty="0" smtClean="0"/>
+              <a:rPr lang="ru-RU" baseline="0" dirty="0"/>
               <a:t> должна знать о нем (иметь ссылку). Добавляем </a:t>
             </a:r>
             <a:r>
-              <a:rPr lang="ru-RU" baseline="0" dirty="0" err="1" smtClean="0"/>
+              <a:rPr lang="ru-RU" baseline="0" dirty="0" err="1"/>
               <a:t>МоеПоле</a:t>
             </a:r>
             <a:r>
-              <a:rPr lang="ru-RU" baseline="0" dirty="0" smtClean="0"/>
+              <a:rPr lang="ru-RU" baseline="0" dirty="0"/>
               <a:t> и инициализируем в конструкторе</a:t>
             </a:r>
           </a:p>
@@ -946,7 +946,7 @@
               <a:buChar char="•"/>
             </a:pPr>
             <a:r>
-              <a:rPr lang="ru-RU" dirty="0" smtClean="0"/>
+              <a:rPr lang="ru-RU" dirty="0"/>
               <a:t>Поле</a:t>
             </a:r>
           </a:p>
@@ -956,25 +956,25 @@
               <a:buChar char="•"/>
             </a:pPr>
             <a:r>
-              <a:rPr lang="ru-RU" dirty="0" smtClean="0"/>
+              <a:rPr lang="ru-RU" dirty="0"/>
               <a:t>Добавляем метод Обновить() для перерисовки</a:t>
             </a:r>
             <a:r>
-              <a:rPr lang="ru-RU" baseline="0" dirty="0" smtClean="0"/>
+              <a:rPr lang="ru-RU" baseline="0" dirty="0"/>
               <a:t> поля-</a:t>
             </a:r>
             <a:r>
-              <a:rPr lang="ru-RU" b="1" baseline="0" dirty="0" smtClean="0"/>
+              <a:rPr lang="ru-RU" b="1" baseline="0" dirty="0"/>
               <a:t>все это начинает выглядеть не очень, надо думать об исправлении, но чуть позже.</a:t>
             </a:r>
-            <a:endParaRPr lang="ru-RU" b="1" dirty="0" smtClean="0"/>
+            <a:endParaRPr lang="ru-RU" b="1" dirty="0"/>
           </a:p>
           <a:p>
             <a:pPr marL="628650" lvl="1" indent="-171450">
               <a:buFont typeface="Arial" panose="020B0604020202020204" pitchFamily="34" charset="0"/>
               <a:buChar char="•"/>
             </a:pPr>
-            <a:endParaRPr lang="ru-RU" dirty="0" smtClean="0"/>
+            <a:endParaRPr lang="ru-RU" dirty="0"/>
           </a:p>
           <a:p>
             <a:pPr marL="171450" indent="-171450">
@@ -1066,7 +1066,7 @@
           <a:lstStyle/>
           <a:p>
             <a:r>
-              <a:rPr lang="ru-RU" dirty="0" smtClean="0"/>
+              <a:rPr lang="ru-RU" dirty="0"/>
               <a:t>Нарушение принципа Деметры</a:t>
             </a:r>
             <a:endParaRPr lang="en-US" dirty="0"/>
@@ -1154,7 +1154,7 @@
           <a:lstStyle/>
           <a:p>
             <a:r>
-              <a:rPr lang="ru-RU" dirty="0" smtClean="0"/>
+              <a:rPr lang="ru-RU" dirty="0"/>
               <a:t>Добавляется ВИ «Смотреть историю игры». Для этого ее надо сохранить как-то</a:t>
             </a:r>
             <a:endParaRPr lang="en-US" dirty="0"/>
@@ -1242,7 +1242,7 @@
           <a:lstStyle/>
           <a:p>
             <a:r>
-              <a:rPr lang="ru-RU" dirty="0" smtClean="0"/>
+              <a:rPr lang="ru-RU" dirty="0"/>
               <a:t>Видим «забытую» сущность Ход</a:t>
             </a:r>
             <a:endParaRPr lang="en-US" dirty="0"/>
@@ -1330,47 +1330,47 @@
           <a:lstStyle/>
           <a:p>
             <a:r>
-              <a:rPr lang="ru-RU" dirty="0" smtClean="0"/>
+              <a:rPr lang="ru-RU" dirty="0"/>
               <a:t>Добавляем Ход</a:t>
             </a:r>
             <a:r>
-              <a:rPr lang="ru-RU" baseline="0" dirty="0" smtClean="0"/>
+              <a:rPr lang="ru-RU" baseline="0" dirty="0"/>
               <a:t> в модель. </a:t>
             </a:r>
           </a:p>
           <a:p>
             <a:r>
-              <a:rPr lang="ru-RU" baseline="0" dirty="0" smtClean="0"/>
+              <a:rPr lang="ru-RU" baseline="0" dirty="0"/>
               <a:t>Добавляем в Игру хранение ходов в массиве История и его получение через </a:t>
             </a:r>
             <a:r>
-              <a:rPr lang="ru-RU" baseline="0" dirty="0" err="1" smtClean="0"/>
+              <a:rPr lang="ru-RU" baseline="0" dirty="0" err="1"/>
               <a:t>аксессор</a:t>
             </a:r>
             <a:r>
-              <a:rPr lang="ru-RU" baseline="0" dirty="0" smtClean="0"/>
+              <a:rPr lang="ru-RU" baseline="0" dirty="0"/>
               <a:t> </a:t>
             </a:r>
             <a:r>
-              <a:rPr lang="ru-RU" baseline="0" dirty="0" err="1" smtClean="0"/>
+              <a:rPr lang="ru-RU" baseline="0" dirty="0" err="1"/>
               <a:t>ПолучитьИсторию</a:t>
             </a:r>
             <a:r>
-              <a:rPr lang="ru-RU" baseline="0" dirty="0" smtClean="0"/>
+              <a:rPr lang="ru-RU" baseline="0" dirty="0"/>
               <a:t>()</a:t>
             </a:r>
           </a:p>
           <a:p>
             <a:r>
-              <a:rPr lang="ru-RU" baseline="0" dirty="0" smtClean="0"/>
+              <a:rPr lang="ru-RU" baseline="0" dirty="0"/>
               <a:t>Где брать Ход? У Игрока который его делает, конечно! Возвращаем его из метода </a:t>
             </a:r>
             <a:r>
-              <a:rPr lang="ru-RU" baseline="0" dirty="0" err="1" smtClean="0"/>
+              <a:rPr lang="ru-RU" baseline="0" dirty="0" err="1"/>
               <a:t>СделатьХод</a:t>
             </a:r>
             <a:r>
-              <a:rPr lang="ru-RU" baseline="0" dirty="0" smtClean="0"/>
+              <a:rPr lang="ru-RU" baseline="0" dirty="0"/>
               <a:t>()</a:t>
             </a:r>
             <a:endParaRPr lang="en-US" dirty="0"/>
@@ -1458,27 +1458,27 @@
           <a:lstStyle/>
           <a:p>
             <a:r>
-              <a:rPr lang="ru-RU" dirty="0" smtClean="0"/>
+              <a:rPr lang="ru-RU" dirty="0"/>
               <a:t>Может показаться, что</a:t>
             </a:r>
             <a:r>
-              <a:rPr lang="ru-RU" baseline="0" dirty="0" smtClean="0"/>
+              <a:rPr lang="ru-RU" baseline="0" dirty="0"/>
               <a:t> </a:t>
             </a:r>
             <a:r>
-              <a:rPr lang="ru-RU" baseline="0" dirty="0" err="1" smtClean="0"/>
+              <a:rPr lang="ru-RU" baseline="0" dirty="0" err="1"/>
               <a:t>ИгрокКрестиком</a:t>
             </a:r>
             <a:r>
-              <a:rPr lang="ru-RU" baseline="0" dirty="0" smtClean="0"/>
+              <a:rPr lang="ru-RU" baseline="0" dirty="0"/>
               <a:t> и </a:t>
             </a:r>
             <a:r>
-              <a:rPr lang="ru-RU" baseline="0" dirty="0" err="1" smtClean="0"/>
+              <a:rPr lang="ru-RU" baseline="0" dirty="0" err="1"/>
               <a:t>ИгрокНоликом</a:t>
             </a:r>
             <a:r>
-              <a:rPr lang="ru-RU" baseline="0" dirty="0" smtClean="0"/>
+              <a:rPr lang="ru-RU" baseline="0" dirty="0"/>
               <a:t> являются частными случаями Игрока, тогда модель примет вот такой вид</a:t>
             </a:r>
             <a:endParaRPr lang="en-US" dirty="0"/>
@@ -1566,15 +1566,15 @@
           <a:lstStyle/>
           <a:p>
             <a:r>
-              <a:rPr lang="ru-RU" dirty="0" smtClean="0"/>
+              <a:rPr lang="ru-RU" dirty="0"/>
               <a:t>Применим </a:t>
             </a:r>
             <a:r>
-              <a:rPr lang="ru-RU" dirty="0" err="1" smtClean="0"/>
+              <a:rPr lang="ru-RU" dirty="0" err="1"/>
               <a:t>рефакторинг</a:t>
             </a:r>
             <a:r>
-              <a:rPr lang="ru-RU" baseline="0" dirty="0" smtClean="0"/>
+              <a:rPr lang="ru-RU" baseline="0" dirty="0"/>
               <a:t> с применением шаблона проектирования «Шаблонный метод»</a:t>
             </a:r>
             <a:endParaRPr lang="en-US" dirty="0"/>
@@ -1662,7 +1662,7 @@
           <a:lstStyle/>
           <a:p>
             <a:r>
-              <a:rPr lang="ru-RU" dirty="0" smtClean="0"/>
+              <a:rPr lang="ru-RU" dirty="0"/>
               <a:t>На С++ переделать</a:t>
             </a:r>
             <a:endParaRPr lang="en-US" dirty="0"/>
@@ -1767,20 +1767,12 @@
               <a:defRPr/>
             </a:pPr>
             <a:r>
-              <a:rPr lang="ru-RU" dirty="0" smtClean="0"/>
+              <a:rPr lang="ru-RU" dirty="0"/>
               <a:t>Принцип Деметры: «объект должен иметь как можно меньше представления о структуре и свойствах чего угодно (включая собственные подкомпоненты)».</a:t>
             </a:r>
             <a:r>
-              <a:rPr lang="ru-RU" baseline="0" dirty="0" smtClean="0"/>
-              <a:t> Очевидно, Игрок, </a:t>
-            </a:r>
-            <a:r>
-              <a:rPr lang="ru-RU" baseline="0" dirty="0" err="1" smtClean="0"/>
-              <a:t>полчающий</a:t>
-            </a:r>
-            <a:r>
-              <a:rPr lang="ru-RU" baseline="0" dirty="0" smtClean="0"/>
-              <a:t> доступ к Клетке через Игру и Поле нарушает этот принцип (ему приходится знать о структуре Игры и Поля)</a:t>
+              <a:rPr lang="ru-RU" baseline="0" dirty="0"/>
+              <a:t> Очевидно, Игрок, получающий доступ к Клетке через Игру и Поле нарушает этот принцип (ему приходится знать о структуре Игры и Поля)</a:t>
             </a:r>
           </a:p>
           <a:p>
@@ -1801,7 +1793,7 @@
               <a:tabLst/>
               <a:defRPr/>
             </a:pPr>
-            <a:endParaRPr lang="ru-RU" dirty="0" smtClean="0"/>
+            <a:endParaRPr lang="ru-RU" dirty="0"/>
           </a:p>
           <a:p>
             <a:endParaRPr lang="en-US" dirty="0"/>
@@ -1906,23 +1898,23 @@
               <a:defRPr/>
             </a:pPr>
             <a:r>
-              <a:rPr lang="en-US" dirty="0" smtClean="0"/>
+              <a:rPr lang="en-US" dirty="0"/>
               <a:t>SRP – Single Responsibility Principle – </a:t>
             </a:r>
             <a:r>
-              <a:rPr lang="ru-RU" dirty="0" smtClean="0"/>
+              <a:rPr lang="ru-RU" dirty="0"/>
               <a:t>Принцип</a:t>
             </a:r>
             <a:r>
-              <a:rPr lang="ru-RU" baseline="0" dirty="0" smtClean="0"/>
+              <a:rPr lang="ru-RU" baseline="0" dirty="0"/>
               <a:t> Единой ответственности: «</a:t>
             </a:r>
             <a:r>
-              <a:rPr lang="ru-RU" sz="1200" dirty="0" smtClean="0"/>
+              <a:rPr lang="ru-RU" sz="1200" dirty="0"/>
               <a:t>На каждый класс должна быть возложена единственная обязанность.</a:t>
             </a:r>
             <a:r>
-              <a:rPr lang="ru-RU" baseline="0" dirty="0" smtClean="0"/>
+              <a:rPr lang="ru-RU" baseline="0" dirty="0"/>
               <a:t>»</a:t>
             </a:r>
           </a:p>
@@ -1945,15 +1937,15 @@
               <a:defRPr/>
             </a:pPr>
             <a:r>
-              <a:rPr lang="ru-RU" baseline="0" dirty="0" smtClean="0"/>
+              <a:rPr lang="ru-RU" baseline="0" dirty="0"/>
               <a:t>Сейчас Поле и Игрок взаимодействовали с вводом-выводом. Это – нарушение </a:t>
             </a:r>
             <a:r>
-              <a:rPr lang="en-US" baseline="0" dirty="0" smtClean="0"/>
+              <a:rPr lang="en-US" baseline="0" dirty="0"/>
               <a:t>SRP, </a:t>
             </a:r>
             <a:r>
-              <a:rPr lang="ru-RU" baseline="0" dirty="0" smtClean="0"/>
+              <a:rPr lang="ru-RU" baseline="0" dirty="0"/>
               <a:t>так как их основное назначение – быть классами модели, а не работать в вводом-выводом</a:t>
             </a:r>
           </a:p>
@@ -1976,15 +1968,15 @@
               <a:defRPr/>
             </a:pPr>
             <a:r>
-              <a:rPr lang="ru-RU" baseline="0" dirty="0" smtClean="0"/>
+              <a:rPr lang="ru-RU" baseline="0" dirty="0"/>
               <a:t>Для ликвидации нарушения вынесем всю работу в вводом выводом в отдельный класс – Контроллер</a:t>
             </a:r>
             <a:r>
-              <a:rPr lang="en-US" baseline="0" dirty="0" smtClean="0"/>
+              <a:rPr lang="en-US" baseline="0" dirty="0"/>
               <a:t>UI</a:t>
             </a:r>
             <a:r>
-              <a:rPr lang="ru-RU" baseline="0" dirty="0" smtClean="0"/>
+              <a:rPr lang="ru-RU" baseline="0" dirty="0"/>
               <a:t>, который:</a:t>
             </a:r>
           </a:p>
@@ -2007,15 +1999,15 @@
               <a:defRPr/>
             </a:pPr>
             <a:r>
-              <a:rPr lang="ru-RU" baseline="0" dirty="0" smtClean="0"/>
+              <a:rPr lang="ru-RU" baseline="0" dirty="0"/>
               <a:t>Знает о Поле, чтобы иметь возможность получить нужную для </a:t>
             </a:r>
             <a:r>
-              <a:rPr lang="ru-RU" baseline="0" dirty="0" err="1" smtClean="0"/>
+              <a:rPr lang="ru-RU" baseline="0" dirty="0" err="1"/>
               <a:t>отрисовки</a:t>
             </a:r>
             <a:r>
-              <a:rPr lang="ru-RU" baseline="0" dirty="0" smtClean="0"/>
+              <a:rPr lang="ru-RU" baseline="0" dirty="0"/>
               <a:t> информацию. Умеет устанавливать ссылку на новое Поле</a:t>
             </a:r>
           </a:p>
@@ -2038,23 +2030,23 @@
               <a:defRPr/>
             </a:pPr>
             <a:r>
-              <a:rPr lang="ru-RU" baseline="0" dirty="0" smtClean="0"/>
+              <a:rPr lang="ru-RU" baseline="0" dirty="0"/>
               <a:t>Умеет вводить от пользователя </a:t>
             </a:r>
             <a:r>
-              <a:rPr lang="en-US" baseline="0" dirty="0" smtClean="0"/>
+              <a:rPr lang="en-US" baseline="0" dirty="0"/>
               <a:t>X </a:t>
             </a:r>
             <a:r>
-              <a:rPr lang="ru-RU" baseline="0" dirty="0" smtClean="0"/>
+              <a:rPr lang="ru-RU" baseline="0" dirty="0"/>
               <a:t>и </a:t>
             </a:r>
             <a:r>
-              <a:rPr lang="en-US" baseline="0" dirty="0" smtClean="0"/>
+              <a:rPr lang="en-US" baseline="0" dirty="0"/>
               <a:t>Y </a:t>
             </a:r>
             <a:r>
-              <a:rPr lang="ru-RU" baseline="0" dirty="0" smtClean="0"/>
+              <a:rPr lang="ru-RU" baseline="0" dirty="0"/>
               <a:t>хода</a:t>
             </a:r>
           </a:p>
@@ -2077,15 +2069,15 @@
               <a:defRPr/>
             </a:pPr>
             <a:r>
-              <a:rPr lang="ru-RU" baseline="0" dirty="0" smtClean="0"/>
+              <a:rPr lang="ru-RU" baseline="0" dirty="0"/>
               <a:t>Умеет </a:t>
             </a:r>
             <a:r>
-              <a:rPr lang="ru-RU" baseline="0" dirty="0" err="1" smtClean="0"/>
+              <a:rPr lang="ru-RU" baseline="0" dirty="0" err="1"/>
               <a:t>отрисовывать</a:t>
             </a:r>
             <a:r>
-              <a:rPr lang="ru-RU" baseline="0" dirty="0" smtClean="0"/>
+              <a:rPr lang="ru-RU" baseline="0" dirty="0"/>
               <a:t> текущее состояние Поля</a:t>
             </a:r>
           </a:p>
@@ -2108,7 +2100,7 @@
               <a:defRPr/>
             </a:pPr>
             <a:r>
-              <a:rPr lang="ru-RU" baseline="0" dirty="0" smtClean="0"/>
+              <a:rPr lang="ru-RU" baseline="0" dirty="0"/>
               <a:t>Умеет выводить информацию о результате игры.</a:t>
             </a:r>
             <a:endParaRPr lang="en-US" dirty="0"/>
@@ -2196,30 +2188,34 @@
           <a:lstStyle/>
           <a:p>
             <a:r>
-              <a:rPr lang="ru-RU" dirty="0" smtClean="0"/>
+              <a:rPr lang="ru-RU" dirty="0"/>
               <a:t>Полная схема классов </a:t>
             </a:r>
             <a:r>
-              <a:rPr lang="ru-RU" b="1" dirty="0" smtClean="0"/>
+              <a:rPr lang="ru-RU" b="1" dirty="0"/>
               <a:t>предметной</a:t>
             </a:r>
             <a:r>
-              <a:rPr lang="ru-RU" b="1" baseline="0" dirty="0" smtClean="0"/>
+              <a:rPr lang="ru-RU" b="1" baseline="0" dirty="0"/>
               <a:t> области</a:t>
             </a:r>
           </a:p>
           <a:p>
             <a:r>
-              <a:rPr lang="ru-RU" b="0" baseline="0" dirty="0" smtClean="0"/>
+              <a:rPr lang="ru-RU" b="0" baseline="0" dirty="0"/>
               <a:t>Не факт, что все эти классы необходимо моделировать для реализации игры. </a:t>
             </a:r>
           </a:p>
           <a:p>
             <a:r>
-              <a:rPr lang="ru-RU" b="0" baseline="0" dirty="0" smtClean="0"/>
-              <a:t>Чтобы понять, какие именно классы нам понадобятся – разберемся с тем, как систему планируется использовать</a:t>
-            </a:r>
-            <a:endParaRPr lang="en-US" b="0" dirty="0"/>
+              <a:rPr lang="ru-RU" b="0" baseline="0" dirty="0"/>
+              <a:t>Чтобы понять, какие именно классы нам понадобятся – разберемся с тем, как систему </a:t>
+            </a:r>
+            <a:r>
+              <a:rPr lang="ru-RU" b="0" u="sng" baseline="0" dirty="0"/>
+              <a:t>планируется использовать</a:t>
+            </a:r>
+            <a:endParaRPr lang="en-US" b="0" u="sng" dirty="0"/>
           </a:p>
         </p:txBody>
       </p:sp>
@@ -2250,6 +2246,90 @@
     <p:extLst>
       <p:ext uri="{BB962C8B-B14F-4D97-AF65-F5344CB8AC3E}">
         <p14:creationId xmlns:p14="http://schemas.microsoft.com/office/powerpoint/2010/main" val="139789623"/>
+      </p:ext>
+    </p:extLst>
+  </p:cSld>
+  <p:clrMapOvr>
+    <a:masterClrMapping/>
+  </p:clrMapOvr>
+</p:notes>
+</file>
+
+<file path=ppt/notesSlides/notesSlide20.xml><?xml version="1.0" encoding="utf-8"?>
+<p:notes xmlns:a="http://schemas.openxmlformats.org/drawingml/2006/main" xmlns:r="http://schemas.openxmlformats.org/officeDocument/2006/relationships" xmlns:p="http://schemas.openxmlformats.org/presentationml/2006/main">
+  <p:cSld>
+    <p:spTree>
+      <p:nvGrpSpPr>
+        <p:cNvPr id="1" name=""/>
+        <p:cNvGrpSpPr/>
+        <p:nvPr/>
+      </p:nvGrpSpPr>
+      <p:grpSpPr>
+        <a:xfrm>
+          <a:off x="0" y="0"/>
+          <a:ext cx="0" cy="0"/>
+          <a:chOff x="0" y="0"/>
+          <a:chExt cx="0" cy="0"/>
+        </a:xfrm>
+      </p:grpSpPr>
+      <p:sp>
+        <p:nvSpPr>
+          <p:cNvPr id="2" name="Образ слайда 1"/>
+          <p:cNvSpPr>
+            <a:spLocks noGrp="1" noRot="1" noChangeAspect="1"/>
+          </p:cNvSpPr>
+          <p:nvPr>
+            <p:ph type="sldImg"/>
+          </p:nvPr>
+        </p:nvSpPr>
+        <p:spPr/>
+      </p:sp>
+      <p:sp>
+        <p:nvSpPr>
+          <p:cNvPr id="3" name="Заметки 2"/>
+          <p:cNvSpPr>
+            <a:spLocks noGrp="1"/>
+          </p:cNvSpPr>
+          <p:nvPr>
+            <p:ph type="body" idx="1"/>
+          </p:nvPr>
+        </p:nvSpPr>
+        <p:spPr/>
+        <p:txBody>
+          <a:bodyPr/>
+          <a:lstStyle/>
+          <a:p>
+            <a:endParaRPr lang="en-US" dirty="0"/>
+          </a:p>
+        </p:txBody>
+      </p:sp>
+      <p:sp>
+        <p:nvSpPr>
+          <p:cNvPr id="4" name="Номер слайда 3"/>
+          <p:cNvSpPr>
+            <a:spLocks noGrp="1"/>
+          </p:cNvSpPr>
+          <p:nvPr>
+            <p:ph type="sldNum" sz="quarter" idx="5"/>
+          </p:nvPr>
+        </p:nvSpPr>
+        <p:spPr/>
+        <p:txBody>
+          <a:bodyPr/>
+          <a:lstStyle/>
+          <a:p>
+            <a:fld id="{51A15FA7-5DF7-4BAE-AECA-BE131ADB4EB5}" type="slidenum">
+              <a:rPr lang="en-US" smtClean="0"/>
+              <a:t>56</a:t>
+            </a:fld>
+            <a:endParaRPr lang="en-US"/>
+          </a:p>
+        </p:txBody>
+      </p:sp>
+    </p:spTree>
+    <p:extLst>
+      <p:ext uri="{BB962C8B-B14F-4D97-AF65-F5344CB8AC3E}">
+        <p14:creationId xmlns:p14="http://schemas.microsoft.com/office/powerpoint/2010/main" val="1228388619"/>
       </p:ext>
     </p:extLst>
   </p:cSld>
@@ -2489,7 +2569,7 @@
               <a:defRPr/>
             </a:pPr>
             <a:r>
-              <a:rPr lang="ru-RU" b="0" dirty="0" smtClean="0">
+              <a:rPr lang="ru-RU" b="0" dirty="0">
                 <a:solidFill>
                   <a:srgbClr val="FF0000"/>
                 </a:solidFill>
@@ -2497,14 +2577,14 @@
               <a:t>Начинаем с отображения</a:t>
             </a:r>
             <a:r>
-              <a:rPr lang="ru-RU" b="0" baseline="0" dirty="0" smtClean="0">
+              <a:rPr lang="ru-RU" b="0" baseline="0" dirty="0">
                 <a:solidFill>
                   <a:srgbClr val="FF0000"/>
                 </a:solidFill>
               </a:rPr>
               <a:t> на диаграмме участников и вход в ВИ «Игра»:</a:t>
             </a:r>
-            <a:endParaRPr lang="ru-RU" b="0" dirty="0" smtClean="0">
+            <a:endParaRPr lang="ru-RU" b="0" dirty="0">
               <a:solidFill>
                 <a:srgbClr val="FF0000"/>
               </a:solidFill>
@@ -2529,7 +2609,7 @@
               <a:defRPr/>
             </a:pPr>
             <a:r>
-              <a:rPr lang="ru-RU" b="1" dirty="0" smtClean="0">
+              <a:rPr lang="ru-RU" b="1" dirty="0">
                 <a:solidFill>
                   <a:srgbClr val="FF0000"/>
                 </a:solidFill>
@@ -2537,11 +2617,11 @@
               <a:t>Игроки </a:t>
             </a:r>
             <a:r>
-              <a:rPr lang="ru-RU" b="0" dirty="0" smtClean="0"/>
+              <a:rPr lang="ru-RU" b="0" dirty="0"/>
               <a:t>поочередно </a:t>
             </a:r>
             <a:r>
-              <a:rPr lang="ru-RU" b="0" dirty="0" smtClean="0">
+              <a:rPr lang="ru-RU" b="0" dirty="0">
                 <a:solidFill>
                   <a:srgbClr val="00B050"/>
                 </a:solidFill>
@@ -2549,11 +2629,11 @@
               <a:t>ставят </a:t>
             </a:r>
             <a:r>
-              <a:rPr lang="ru-RU" b="0" dirty="0" smtClean="0"/>
+              <a:rPr lang="ru-RU" b="0" dirty="0"/>
               <a:t>на свободные </a:t>
             </a:r>
             <a:r>
-              <a:rPr lang="ru-RU" b="0" dirty="0" smtClean="0">
+              <a:rPr lang="ru-RU" b="0" dirty="0">
                 <a:solidFill>
                   <a:srgbClr val="FF0000"/>
                 </a:solidFill>
@@ -2561,7 +2641,7 @@
               <a:t>клетки </a:t>
             </a:r>
             <a:r>
-              <a:rPr lang="ru-RU" b="1" dirty="0" smtClean="0">
+              <a:rPr lang="ru-RU" b="1" dirty="0">
                 <a:solidFill>
                   <a:srgbClr val="FF0000"/>
                 </a:solidFill>
@@ -2569,11 +2649,11 @@
               <a:t>поля </a:t>
             </a:r>
             <a:r>
-              <a:rPr lang="ru-RU" b="0" dirty="0" smtClean="0"/>
+              <a:rPr lang="ru-RU" b="0" dirty="0"/>
               <a:t>3х3 </a:t>
             </a:r>
             <a:r>
-              <a:rPr lang="ru-RU" b="0" dirty="0" smtClean="0">
+              <a:rPr lang="ru-RU" b="0" dirty="0">
                 <a:solidFill>
                   <a:srgbClr val="FF0000"/>
                 </a:solidFill>
@@ -2581,11 +2661,11 @@
               <a:t>знаки </a:t>
             </a:r>
             <a:r>
-              <a:rPr lang="ru-RU" b="0" dirty="0" smtClean="0"/>
+              <a:rPr lang="ru-RU" b="0" dirty="0"/>
               <a:t>(один всегда </a:t>
             </a:r>
             <a:r>
-              <a:rPr lang="ru-RU" b="0" dirty="0" smtClean="0">
+              <a:rPr lang="ru-RU" b="0" dirty="0">
                 <a:solidFill>
                   <a:srgbClr val="FF0000"/>
                 </a:solidFill>
@@ -2593,11 +2673,11 @@
               <a:t>крестики</a:t>
             </a:r>
             <a:r>
-              <a:rPr lang="ru-RU" b="0" dirty="0" smtClean="0"/>
+              <a:rPr lang="ru-RU" b="0" dirty="0"/>
               <a:t>, другой всегда </a:t>
             </a:r>
             <a:r>
-              <a:rPr lang="ru-RU" b="0" dirty="0" smtClean="0">
+              <a:rPr lang="ru-RU" b="0" dirty="0">
                 <a:solidFill>
                   <a:srgbClr val="FF0000"/>
                 </a:solidFill>
@@ -2605,10 +2685,10 @@
               <a:t>нолики</a:t>
             </a:r>
             <a:r>
-              <a:rPr lang="ru-RU" b="0" dirty="0" smtClean="0"/>
+              <a:rPr lang="ru-RU" b="0" dirty="0"/>
               <a:t>). </a:t>
             </a:r>
-            <a:endParaRPr lang="en-US" b="0" dirty="0" smtClean="0"/>
+            <a:endParaRPr lang="en-US" b="0" dirty="0"/>
           </a:p>
           <a:p>
             <a:pPr marL="171450" marR="0" lvl="1" indent="-171450" algn="l" defTabSz="914400" rtl="0" eaLnBrk="1" fontAlgn="auto" latinLnBrk="0" hangingPunct="1">
@@ -2629,11 +2709,11 @@
               <a:defRPr/>
             </a:pPr>
             <a:r>
-              <a:rPr lang="ru-RU" b="0" dirty="0" smtClean="0"/>
+              <a:rPr lang="ru-RU" b="0" dirty="0"/>
               <a:t>Первый, выстроивший в ряд 3 своих </a:t>
             </a:r>
             <a:r>
-              <a:rPr lang="ru-RU" b="0" dirty="0" smtClean="0">
+              <a:rPr lang="ru-RU" b="0" dirty="0">
                 <a:solidFill>
                   <a:srgbClr val="FF0000"/>
                 </a:solidFill>
@@ -2641,11 +2721,11 @@
               <a:t>фигуры </a:t>
             </a:r>
             <a:r>
-              <a:rPr lang="ru-RU" b="0" dirty="0" smtClean="0"/>
+              <a:rPr lang="ru-RU" b="0" dirty="0"/>
               <a:t>вертикально, горизонтально или диагонально, </a:t>
             </a:r>
             <a:r>
-              <a:rPr lang="ru-RU" b="0" dirty="0" smtClean="0">
+              <a:rPr lang="ru-RU" b="0" dirty="0">
                 <a:solidFill>
                   <a:srgbClr val="00B050"/>
                 </a:solidFill>
@@ -2653,10 +2733,10 @@
               <a:t>выигрывает</a:t>
             </a:r>
             <a:r>
-              <a:rPr lang="ru-RU" b="0" dirty="0" smtClean="0"/>
+              <a:rPr lang="ru-RU" b="0" dirty="0"/>
               <a:t>. </a:t>
             </a:r>
-            <a:endParaRPr lang="en-US" b="0" dirty="0" smtClean="0"/>
+            <a:endParaRPr lang="en-US" b="0" dirty="0"/>
           </a:p>
           <a:p>
             <a:pPr marL="171450" marR="0" lvl="1" indent="-171450" algn="l" defTabSz="914400" rtl="0" eaLnBrk="1" fontAlgn="auto" latinLnBrk="0" hangingPunct="1">
@@ -2677,11 +2757,11 @@
               <a:defRPr/>
             </a:pPr>
             <a:r>
-              <a:rPr lang="ru-RU" b="0" dirty="0" smtClean="0"/>
+              <a:rPr lang="ru-RU" b="0" dirty="0"/>
               <a:t>Первый </a:t>
             </a:r>
             <a:r>
-              <a:rPr lang="ru-RU" b="0" dirty="0" smtClean="0">
+              <a:rPr lang="ru-RU" b="0" dirty="0">
                 <a:solidFill>
                   <a:srgbClr val="FF0000"/>
                 </a:solidFill>
@@ -2689,7 +2769,7 @@
               <a:t>ход </a:t>
             </a:r>
             <a:r>
-              <a:rPr lang="ru-RU" b="0" dirty="0" smtClean="0">
+              <a:rPr lang="ru-RU" b="0" dirty="0">
                 <a:solidFill>
                   <a:srgbClr val="00B050"/>
                 </a:solidFill>
@@ -2697,7 +2777,7 @@
               <a:t>делает </a:t>
             </a:r>
             <a:r>
-              <a:rPr lang="ru-RU" b="0" dirty="0" smtClean="0">
+              <a:rPr lang="ru-RU" b="0" dirty="0">
                 <a:solidFill>
                   <a:srgbClr val="FF0000"/>
                 </a:solidFill>
@@ -2705,11 +2785,11 @@
               <a:t>игрок</a:t>
             </a:r>
             <a:r>
-              <a:rPr lang="ru-RU" b="0" dirty="0" smtClean="0"/>
+              <a:rPr lang="ru-RU" b="0" dirty="0"/>
               <a:t>, ставящий </a:t>
             </a:r>
             <a:r>
-              <a:rPr lang="ru-RU" b="0" dirty="0" smtClean="0">
+              <a:rPr lang="ru-RU" b="0" dirty="0">
                 <a:solidFill>
                   <a:srgbClr val="FF0000"/>
                 </a:solidFill>
@@ -2717,34 +2797,34 @@
               <a:t>крестики</a:t>
             </a:r>
             <a:r>
-              <a:rPr lang="ru-RU" b="0" dirty="0" smtClean="0"/>
+              <a:rPr lang="ru-RU" b="0" dirty="0"/>
               <a:t>.</a:t>
             </a:r>
-            <a:endParaRPr lang="en-US" b="0" dirty="0" smtClean="0"/>
-          </a:p>
-          <a:p>
-            <a:r>
-              <a:rPr lang="ru-RU" dirty="0" err="1" smtClean="0"/>
+            <a:endParaRPr lang="en-US" b="0" dirty="0"/>
+          </a:p>
+          <a:p>
+            <a:r>
+              <a:rPr lang="ru-RU" dirty="0" err="1"/>
               <a:t>Видим,что</a:t>
             </a:r>
             <a:r>
-              <a:rPr lang="ru-RU" dirty="0" smtClean="0"/>
+              <a:rPr lang="ru-RU" dirty="0"/>
               <a:t> есть </a:t>
             </a:r>
             <a:r>
-              <a:rPr lang="ru-RU" dirty="0" err="1" smtClean="0"/>
+              <a:rPr lang="ru-RU" dirty="0" err="1"/>
               <a:t>игорки</a:t>
             </a:r>
             <a:r>
-              <a:rPr lang="ru-RU" dirty="0" smtClean="0"/>
+              <a:rPr lang="ru-RU" dirty="0"/>
               <a:t> и поле на </a:t>
             </a:r>
             <a:r>
-              <a:rPr lang="ru-RU" dirty="0" err="1" smtClean="0"/>
+              <a:rPr lang="ru-RU" dirty="0" err="1"/>
               <a:t>котром</a:t>
             </a:r>
             <a:r>
-              <a:rPr lang="ru-RU" dirty="0" smtClean="0"/>
+              <a:rPr lang="ru-RU" dirty="0"/>
               <a:t> они играют. Рисуем их.</a:t>
             </a:r>
             <a:endParaRPr lang="en-US" dirty="0"/>
@@ -2849,7 +2929,7 @@
               <a:defRPr/>
             </a:pPr>
             <a:r>
-              <a:rPr lang="ru-RU" b="0" dirty="0" smtClean="0">
+              <a:rPr lang="ru-RU" b="0" dirty="0">
                 <a:solidFill>
                   <a:srgbClr val="FF0000"/>
                 </a:solidFill>
@@ -2857,14 +2937,14 @@
               <a:t>Начинаем с отображения</a:t>
             </a:r>
             <a:r>
-              <a:rPr lang="ru-RU" b="0" baseline="0" dirty="0" smtClean="0">
+              <a:rPr lang="ru-RU" b="0" baseline="0" dirty="0">
                 <a:solidFill>
                   <a:srgbClr val="FF0000"/>
                 </a:solidFill>
               </a:rPr>
               <a:t> на диаграмме алгоритма игры:</a:t>
             </a:r>
-            <a:endParaRPr lang="ru-RU" b="0" dirty="0" smtClean="0">
+            <a:endParaRPr lang="ru-RU" b="0" dirty="0">
               <a:solidFill>
                 <a:srgbClr val="FF0000"/>
               </a:solidFill>
@@ -2889,7 +2969,7 @@
               <a:defRPr/>
             </a:pPr>
             <a:r>
-              <a:rPr lang="ru-RU" b="0" dirty="0" smtClean="0">
+              <a:rPr lang="ru-RU" b="0" dirty="0">
                 <a:solidFill>
                   <a:srgbClr val="FF0000"/>
                 </a:solidFill>
@@ -2897,15 +2977,15 @@
               <a:t>Игроки </a:t>
             </a:r>
             <a:r>
-              <a:rPr lang="ru-RU" b="1" dirty="0" smtClean="0"/>
+              <a:rPr lang="ru-RU" b="1" dirty="0"/>
               <a:t>поочередно</a:t>
             </a:r>
             <a:r>
-              <a:rPr lang="ru-RU" b="0" dirty="0" smtClean="0"/>
+              <a:rPr lang="ru-RU" b="0" dirty="0"/>
               <a:t> </a:t>
             </a:r>
             <a:r>
-              <a:rPr lang="ru-RU" b="1" dirty="0" smtClean="0">
+              <a:rPr lang="ru-RU" b="1" dirty="0">
                 <a:solidFill>
                   <a:srgbClr val="00B050"/>
                 </a:solidFill>
@@ -2913,7 +2993,7 @@
               <a:t>ставят</a:t>
             </a:r>
             <a:r>
-              <a:rPr lang="ru-RU" b="0" dirty="0" smtClean="0">
+              <a:rPr lang="ru-RU" b="0" dirty="0">
                 <a:solidFill>
                   <a:srgbClr val="00B050"/>
                 </a:solidFill>
@@ -2921,11 +3001,11 @@
               <a:t> </a:t>
             </a:r>
             <a:r>
-              <a:rPr lang="ru-RU" b="0" dirty="0" smtClean="0"/>
+              <a:rPr lang="ru-RU" b="0" dirty="0"/>
               <a:t>на свободные </a:t>
             </a:r>
             <a:r>
-              <a:rPr lang="ru-RU" b="0" dirty="0" smtClean="0">
+              <a:rPr lang="ru-RU" b="0" dirty="0">
                 <a:solidFill>
                   <a:srgbClr val="FF0000"/>
                 </a:solidFill>
@@ -2933,11 +3013,11 @@
               <a:t>клетки поля </a:t>
             </a:r>
             <a:r>
-              <a:rPr lang="ru-RU" b="0" dirty="0" smtClean="0"/>
+              <a:rPr lang="ru-RU" b="0" dirty="0"/>
               <a:t>3х3 </a:t>
             </a:r>
             <a:r>
-              <a:rPr lang="ru-RU" b="0" dirty="0" smtClean="0">
+              <a:rPr lang="ru-RU" b="0" dirty="0">
                 <a:solidFill>
                   <a:srgbClr val="FF0000"/>
                 </a:solidFill>
@@ -2945,11 +3025,11 @@
               <a:t>знаки </a:t>
             </a:r>
             <a:r>
-              <a:rPr lang="ru-RU" b="0" dirty="0" smtClean="0"/>
+              <a:rPr lang="ru-RU" b="0" dirty="0"/>
               <a:t>(один всегда </a:t>
             </a:r>
             <a:r>
-              <a:rPr lang="ru-RU" b="0" dirty="0" smtClean="0">
+              <a:rPr lang="ru-RU" b="0" dirty="0">
                 <a:solidFill>
                   <a:srgbClr val="FF0000"/>
                 </a:solidFill>
@@ -2957,11 +3037,11 @@
               <a:t>крестики</a:t>
             </a:r>
             <a:r>
-              <a:rPr lang="ru-RU" b="0" dirty="0" smtClean="0"/>
+              <a:rPr lang="ru-RU" b="0" dirty="0"/>
               <a:t>, другой всегда </a:t>
             </a:r>
             <a:r>
-              <a:rPr lang="ru-RU" b="0" dirty="0" smtClean="0">
+              <a:rPr lang="ru-RU" b="0" dirty="0">
                 <a:solidFill>
                   <a:srgbClr val="FF0000"/>
                 </a:solidFill>
@@ -2969,10 +3049,10 @@
               <a:t>нолики</a:t>
             </a:r>
             <a:r>
-              <a:rPr lang="ru-RU" b="0" dirty="0" smtClean="0"/>
+              <a:rPr lang="ru-RU" b="0" dirty="0"/>
               <a:t>). </a:t>
             </a:r>
-            <a:endParaRPr lang="en-US" b="0" dirty="0" smtClean="0"/>
+            <a:endParaRPr lang="en-US" b="0" dirty="0"/>
           </a:p>
           <a:p>
             <a:pPr marL="171450" marR="0" lvl="1" indent="-171450" algn="l" defTabSz="914400" rtl="0" eaLnBrk="1" fontAlgn="auto" latinLnBrk="0" hangingPunct="1">
@@ -2993,11 +3073,11 @@
               <a:defRPr/>
             </a:pPr>
             <a:r>
-              <a:rPr lang="ru-RU" b="0" dirty="0" smtClean="0"/>
+              <a:rPr lang="ru-RU" b="0" dirty="0"/>
               <a:t>Первый, выстроивший в ряд 3 своих </a:t>
             </a:r>
             <a:r>
-              <a:rPr lang="ru-RU" b="0" dirty="0" smtClean="0">
+              <a:rPr lang="ru-RU" b="0" dirty="0">
                 <a:solidFill>
                   <a:srgbClr val="FF0000"/>
                 </a:solidFill>
@@ -3005,11 +3085,11 @@
               <a:t>фигуры </a:t>
             </a:r>
             <a:r>
-              <a:rPr lang="ru-RU" b="0" dirty="0" smtClean="0"/>
+              <a:rPr lang="ru-RU" b="0" dirty="0"/>
               <a:t>вертикально, горизонтально или диагонально, </a:t>
             </a:r>
             <a:r>
-              <a:rPr lang="ru-RU" b="1" dirty="0" smtClean="0">
+              <a:rPr lang="ru-RU" b="1" dirty="0">
                 <a:solidFill>
                   <a:srgbClr val="00B050"/>
                 </a:solidFill>
@@ -3017,10 +3097,10 @@
               <a:t>выигрывает</a:t>
             </a:r>
             <a:r>
-              <a:rPr lang="ru-RU" b="0" dirty="0" smtClean="0"/>
+              <a:rPr lang="ru-RU" b="0" dirty="0"/>
               <a:t>. </a:t>
             </a:r>
-            <a:endParaRPr lang="en-US" b="0" dirty="0" smtClean="0"/>
+            <a:endParaRPr lang="en-US" b="0" dirty="0"/>
           </a:p>
           <a:p>
             <a:pPr marL="171450" marR="0" lvl="1" indent="-171450" algn="l" defTabSz="914400" rtl="0" eaLnBrk="1" fontAlgn="auto" latinLnBrk="0" hangingPunct="1">
@@ -3041,15 +3121,15 @@
               <a:defRPr/>
             </a:pPr>
             <a:r>
-              <a:rPr lang="ru-RU" b="1" dirty="0" smtClean="0"/>
+              <a:rPr lang="ru-RU" b="1" dirty="0"/>
               <a:t>Первый</a:t>
             </a:r>
             <a:r>
-              <a:rPr lang="ru-RU" b="0" dirty="0" smtClean="0"/>
+              <a:rPr lang="ru-RU" b="0" dirty="0"/>
               <a:t> </a:t>
             </a:r>
             <a:r>
-              <a:rPr lang="ru-RU" b="0" dirty="0" smtClean="0">
+              <a:rPr lang="ru-RU" b="0" dirty="0">
                 <a:solidFill>
                   <a:srgbClr val="FF0000"/>
                 </a:solidFill>
@@ -3057,7 +3137,7 @@
               <a:t>ход </a:t>
             </a:r>
             <a:r>
-              <a:rPr lang="ru-RU" b="0" dirty="0" smtClean="0">
+              <a:rPr lang="ru-RU" b="0" dirty="0">
                 <a:solidFill>
                   <a:srgbClr val="00B050"/>
                 </a:solidFill>
@@ -3065,7 +3145,7 @@
               <a:t>делает </a:t>
             </a:r>
             <a:r>
-              <a:rPr lang="ru-RU" b="0" dirty="0" smtClean="0">
+              <a:rPr lang="ru-RU" b="0" dirty="0">
                 <a:solidFill>
                   <a:srgbClr val="FF0000"/>
                 </a:solidFill>
@@ -3073,11 +3153,11 @@
               <a:t>игрок</a:t>
             </a:r>
             <a:r>
-              <a:rPr lang="ru-RU" b="0" dirty="0" smtClean="0"/>
+              <a:rPr lang="ru-RU" b="0" dirty="0"/>
               <a:t>, ставящий </a:t>
             </a:r>
             <a:r>
-              <a:rPr lang="ru-RU" b="0" dirty="0" smtClean="0">
+              <a:rPr lang="ru-RU" b="0" dirty="0">
                 <a:solidFill>
                   <a:srgbClr val="FF0000"/>
                 </a:solidFill>
@@ -3085,10 +3165,10 @@
               <a:t>крестики</a:t>
             </a:r>
             <a:r>
-              <a:rPr lang="ru-RU" b="0" dirty="0" smtClean="0"/>
+              <a:rPr lang="ru-RU" b="0" dirty="0"/>
               <a:t>.</a:t>
             </a:r>
-            <a:endParaRPr lang="en-US" b="0" dirty="0" smtClean="0"/>
+            <a:endParaRPr lang="en-US" b="0" dirty="0"/>
           </a:p>
           <a:p>
             <a:pPr marL="0" marR="0" lvl="1" indent="0" algn="l" defTabSz="914400" rtl="0" eaLnBrk="1" fontAlgn="auto" latinLnBrk="0" hangingPunct="1">
@@ -3108,7 +3188,7 @@
               <a:tabLst/>
               <a:defRPr/>
             </a:pPr>
-            <a:endParaRPr lang="en-US" b="0" dirty="0" smtClean="0"/>
+            <a:endParaRPr lang="en-US" b="0" dirty="0"/>
           </a:p>
         </p:txBody>
       </p:sp>
@@ -3193,11 +3273,11 @@
           <a:lstStyle/>
           <a:p>
             <a:r>
-              <a:rPr lang="ru-RU" dirty="0" smtClean="0"/>
+              <a:rPr lang="ru-RU" dirty="0"/>
               <a:t>Добавляем технические</a:t>
             </a:r>
             <a:r>
-              <a:rPr lang="ru-RU" baseline="0" dirty="0" smtClean="0"/>
+              <a:rPr lang="ru-RU" baseline="0" dirty="0"/>
               <a:t> детали - взаимодействие игроков с полем и клетками. </a:t>
             </a:r>
           </a:p>
@@ -3207,7 +3287,7 @@
               <a:buChar char="•"/>
             </a:pPr>
             <a:r>
-              <a:rPr lang="ru-RU" baseline="0" dirty="0" smtClean="0"/>
+              <a:rPr lang="ru-RU" baseline="0" dirty="0"/>
               <a:t>Поле проверяет, можно ли сделать ход в выбранную Клетку (пуста ли она-знает только она сама), если да – меняет ее состояние, нет – просит выбрать другую</a:t>
             </a:r>
           </a:p>
@@ -3217,13 +3297,13 @@
               <a:buChar char="•"/>
             </a:pPr>
             <a:r>
-              <a:rPr lang="ru-RU" baseline="0" dirty="0" smtClean="0"/>
+              <a:rPr lang="ru-RU" baseline="0" dirty="0"/>
               <a:t>Информацию о том, собралась ли линия – может вычислить только Поле, т.к. оно владеет всеми Клетками</a:t>
             </a:r>
           </a:p>
           <a:p>
             <a:r>
-              <a:rPr lang="ru-RU" baseline="0" dirty="0" smtClean="0"/>
+              <a:rPr lang="ru-RU" baseline="0" dirty="0"/>
               <a:t>Теперь диаграмма выглядит реализуемо.</a:t>
             </a:r>
             <a:endParaRPr lang="en-US" dirty="0"/>
@@ -3311,39 +3391,39 @@
           <a:lstStyle/>
           <a:p>
             <a:r>
-              <a:rPr lang="ru-RU" dirty="0" smtClean="0"/>
+              <a:rPr lang="ru-RU" dirty="0"/>
               <a:t>Для простоты модели, опустим классы,</a:t>
             </a:r>
             <a:r>
-              <a:rPr lang="ru-RU" baseline="0" dirty="0" smtClean="0"/>
+              <a:rPr lang="ru-RU" baseline="0" dirty="0"/>
               <a:t> реализующие интерфейс пользователя – различные контроллеры ввода-вывода. </a:t>
             </a:r>
           </a:p>
           <a:p>
             <a:r>
-              <a:rPr lang="ru-RU" baseline="0" dirty="0" smtClean="0"/>
+              <a:rPr lang="ru-RU" baseline="0" dirty="0"/>
               <a:t>Пока что представим, что сам классы модели задают вопросы пользователю получают ответы и </a:t>
             </a:r>
             <a:r>
-              <a:rPr lang="ru-RU" baseline="0" dirty="0" err="1" smtClean="0"/>
+              <a:rPr lang="ru-RU" baseline="0" dirty="0" err="1"/>
               <a:t>отрисовывают</a:t>
             </a:r>
             <a:r>
-              <a:rPr lang="ru-RU" baseline="0" dirty="0" smtClean="0"/>
+              <a:rPr lang="ru-RU" baseline="0" dirty="0"/>
               <a:t> результаты.</a:t>
             </a:r>
           </a:p>
           <a:p>
             <a:r>
-              <a:rPr lang="ru-RU" baseline="0" dirty="0" smtClean="0"/>
+              <a:rPr lang="ru-RU" baseline="0" dirty="0"/>
               <a:t>Так, в общем случае, делать не стоит (нарушение </a:t>
             </a:r>
             <a:r>
-              <a:rPr lang="en-US" baseline="0" dirty="0" smtClean="0"/>
+              <a:rPr lang="en-US" baseline="0" dirty="0"/>
               <a:t>SRP) </a:t>
             </a:r>
             <a:r>
-              <a:rPr lang="ru-RU" baseline="0" dirty="0" smtClean="0"/>
+              <a:rPr lang="ru-RU" baseline="0" dirty="0"/>
               <a:t>, но иначе у нас модель будет более громоздкой, чем в таком, упрощенном, варианте, временно оставляем так</a:t>
             </a:r>
             <a:endParaRPr lang="en-US" dirty="0"/>
@@ -3448,7 +3528,7 @@
               <a:defRPr/>
             </a:pPr>
             <a:r>
-              <a:rPr lang="ru-RU" baseline="0" dirty="0" smtClean="0"/>
+              <a:rPr lang="ru-RU" baseline="0" dirty="0"/>
               <a:t>Смотрим связям предметной области, а также по диаграмме последовательности, кто с кем связан в процессе игры:</a:t>
             </a:r>
           </a:p>
@@ -3471,7 +3551,7 @@
               <a:defRPr/>
             </a:pPr>
             <a:r>
-              <a:rPr lang="ru-RU" baseline="0" dirty="0" smtClean="0"/>
+              <a:rPr lang="ru-RU" baseline="0" dirty="0"/>
               <a:t>Игра </a:t>
             </a:r>
           </a:p>
@@ -3494,7 +3574,7 @@
               <a:defRPr/>
             </a:pPr>
             <a:r>
-              <a:rPr lang="ru-RU" baseline="0" dirty="0" smtClean="0"/>
+              <a:rPr lang="ru-RU" baseline="0" dirty="0"/>
               <a:t>должна знать обоих своих игроков, чтобы дать сделать ход и нотифицировать о конце игры</a:t>
             </a:r>
           </a:p>
@@ -3517,7 +3597,7 @@
               <a:defRPr/>
             </a:pPr>
             <a:r>
-              <a:rPr lang="ru-RU" baseline="0" dirty="0" smtClean="0"/>
+              <a:rPr lang="ru-RU" baseline="0" dirty="0"/>
               <a:t>должна знать о поле, на котором идет игра </a:t>
             </a:r>
           </a:p>
@@ -3540,7 +3620,7 @@
               <a:defRPr/>
             </a:pPr>
             <a:r>
-              <a:rPr lang="ru-RU" dirty="0" smtClean="0"/>
+              <a:rPr lang="ru-RU" dirty="0"/>
               <a:t>Игрок </a:t>
             </a:r>
           </a:p>
@@ -3563,11 +3643,11 @@
               <a:defRPr/>
             </a:pPr>
             <a:r>
-              <a:rPr lang="ru-RU" dirty="0" smtClean="0"/>
+              <a:rPr lang="ru-RU" dirty="0"/>
               <a:t>должен</a:t>
             </a:r>
             <a:r>
-              <a:rPr lang="ru-RU" baseline="0" dirty="0" smtClean="0"/>
+              <a:rPr lang="ru-RU" baseline="0" dirty="0"/>
               <a:t> знать свой знак, которым он играет, </a:t>
             </a:r>
           </a:p>
@@ -3590,16 +3670,12 @@
               <a:defRPr/>
             </a:pPr>
             <a:r>
-              <a:rPr lang="ru-RU" dirty="0" smtClean="0"/>
+              <a:rPr lang="ru-RU" dirty="0"/>
               <a:t>должен</a:t>
             </a:r>
             <a:r>
-              <a:rPr lang="ru-RU" baseline="0" dirty="0" smtClean="0"/>
-              <a:t> знать </a:t>
-            </a:r>
-            <a:r>
-              <a:rPr lang="ru-RU" baseline="0" dirty="0" smtClean="0"/>
-              <a:t>текущую игру </a:t>
+              <a:rPr lang="ru-RU" baseline="0" dirty="0"/>
+              <a:t> знать текущую игру </a:t>
             </a:r>
           </a:p>
           <a:p>
@@ -3621,7 +3697,7 @@
               <a:defRPr/>
             </a:pPr>
             <a:r>
-              <a:rPr lang="ru-RU" baseline="0" dirty="0" smtClean="0"/>
+              <a:rPr lang="ru-RU" baseline="0" dirty="0"/>
               <a:t>инициализация через конструктор.</a:t>
             </a:r>
           </a:p>
@@ -3644,50 +3720,45 @@
               <a:defRPr/>
             </a:pPr>
             <a:r>
-              <a:rPr lang="ru-RU" baseline="0" dirty="0" smtClean="0"/>
+              <a:rPr lang="ru-RU" baseline="0" dirty="0"/>
               <a:t>должен иметь доступ к клеткам поля игры (непосредственно в модели предметной области этого нет, но необходимо по алгоритму игры, см. диаграмму последовательности). Добавлять прямую ссылку смысла нет, т.к. они уже связаны транзитивно через Игру и Поле. Для доступа Игрока к Клетке добавляем Игре публичный метод-</a:t>
             </a:r>
             <a:r>
-              <a:rPr lang="ru-RU" baseline="0" dirty="0" err="1" smtClean="0"/>
+              <a:rPr lang="ru-RU" baseline="0" dirty="0" err="1"/>
               <a:t>аксессор</a:t>
             </a:r>
             <a:r>
-              <a:rPr lang="ru-RU" baseline="0" dirty="0" smtClean="0"/>
+              <a:rPr lang="ru-RU" baseline="0" dirty="0"/>
               <a:t> </a:t>
             </a:r>
             <a:r>
-              <a:rPr lang="ru-RU" baseline="0" dirty="0" err="1" smtClean="0"/>
+              <a:rPr lang="ru-RU" baseline="0" dirty="0" err="1"/>
               <a:t>ПолучитьПоле</a:t>
             </a:r>
             <a:r>
-              <a:rPr lang="ru-RU" baseline="0" dirty="0" smtClean="0"/>
-              <a:t>() и Полю добавляем </a:t>
-            </a:r>
-            <a:r>
-              <a:rPr lang="ru-RU" baseline="0" dirty="0" smtClean="0"/>
-              <a:t>публичный метод-</a:t>
-            </a:r>
-            <a:r>
-              <a:rPr lang="ru-RU" baseline="0" dirty="0" err="1" smtClean="0"/>
+              <a:rPr lang="ru-RU" baseline="0" dirty="0"/>
+              <a:t>() и Полю добавляем публичный метод-</a:t>
+            </a:r>
+            <a:r>
+              <a:rPr lang="ru-RU" baseline="0" dirty="0" err="1"/>
               <a:t>аксессор</a:t>
             </a:r>
             <a:r>
-              <a:rPr lang="ru-RU" baseline="0" dirty="0" smtClean="0"/>
+              <a:rPr lang="ru-RU" baseline="0" dirty="0"/>
               <a:t> </a:t>
             </a:r>
             <a:r>
-              <a:rPr lang="ru-RU" baseline="0" dirty="0" err="1" smtClean="0"/>
+              <a:rPr lang="ru-RU" baseline="0" dirty="0" err="1"/>
               <a:t>ПолучитьКлетку</a:t>
             </a:r>
             <a:r>
-              <a:rPr lang="ru-RU" baseline="0" dirty="0" smtClean="0"/>
+              <a:rPr lang="ru-RU" baseline="0" dirty="0"/>
               <a:t>(). –</a:t>
             </a:r>
             <a:r>
-              <a:rPr lang="ru-RU" b="1" baseline="0" dirty="0" smtClean="0"/>
+              <a:rPr lang="ru-RU" b="1" baseline="0" dirty="0"/>
               <a:t>это не очень хорошо – нарушение принципа Деметры, но об этом поговорим позже</a:t>
             </a:r>
-            <a:endParaRPr lang="ru-RU" b="1" baseline="0" dirty="0" smtClean="0"/>
           </a:p>
           <a:p>
             <a:pPr marL="171450" marR="0" lvl="0" indent="-171450" algn="l" defTabSz="914400" rtl="0" eaLnBrk="1" fontAlgn="auto" latinLnBrk="0" hangingPunct="1">
@@ -3708,7 +3779,7 @@
               <a:defRPr/>
             </a:pPr>
             <a:r>
-              <a:rPr lang="ru-RU" baseline="0" dirty="0" smtClean="0"/>
+              <a:rPr lang="ru-RU" baseline="0" dirty="0"/>
               <a:t>Поле </a:t>
             </a:r>
           </a:p>
@@ -3731,7 +3802,7 @@
               <a:defRPr/>
             </a:pPr>
             <a:r>
-              <a:rPr lang="ru-RU" baseline="0" dirty="0" smtClean="0"/>
+              <a:rPr lang="ru-RU" baseline="0" dirty="0"/>
               <a:t>должно знать свои клетки</a:t>
             </a:r>
           </a:p>
@@ -3754,7 +3825,7 @@
               <a:defRPr/>
             </a:pPr>
             <a:r>
-              <a:rPr lang="ru-RU" baseline="0" dirty="0" smtClean="0"/>
+              <a:rPr lang="ru-RU" baseline="0" dirty="0"/>
               <a:t>Клетка</a:t>
             </a:r>
           </a:p>
@@ -3777,7 +3848,7 @@
               <a:defRPr/>
             </a:pPr>
             <a:r>
-              <a:rPr lang="ru-RU" baseline="0" dirty="0" smtClean="0"/>
+              <a:rPr lang="ru-RU" baseline="0" dirty="0"/>
               <a:t>должна знать свое состояние</a:t>
             </a:r>
           </a:p>
@@ -3857,10 +3928,9 @@
           <a:lstStyle/>
           <a:p>
             <a:r>
-              <a:rPr lang="ru-RU" smtClean="0"/>
+              <a:rPr lang="ru-RU"/>
               <a:t>Образец заголовка</a:t>
             </a:r>
-            <a:endParaRPr lang="ru-RU"/>
           </a:p>
         </p:txBody>
       </p:sp>
@@ -3976,10 +4046,9 @@
           </a:lstStyle>
           <a:p>
             <a:r>
-              <a:rPr lang="ru-RU" smtClean="0"/>
+              <a:rPr lang="ru-RU"/>
               <a:t>Образец подзаголовка</a:t>
             </a:r>
-            <a:endParaRPr lang="ru-RU"/>
           </a:p>
         </p:txBody>
       </p:sp>
@@ -4000,7 +4069,7 @@
           <a:p>
             <a:fld id="{C075E9B6-261B-4B87-80CB-CFDF5710A7F4}" type="datetimeFigureOut">
               <a:rPr lang="ru-RU" smtClean="0"/>
-              <a:t>31.10.2017</a:t>
+              <a:t>02.03.2019</a:t>
             </a:fld>
             <a:endParaRPr lang="ru-RU"/>
           </a:p>
@@ -4094,10 +4163,9 @@
           <a:lstStyle/>
           <a:p>
             <a:r>
-              <a:rPr lang="ru-RU" smtClean="0"/>
+              <a:rPr lang="ru-RU"/>
               <a:t>Образец заголовка</a:t>
             </a:r>
-            <a:endParaRPr lang="ru-RU"/>
           </a:p>
         </p:txBody>
       </p:sp>
@@ -4118,38 +4186,37 @@
           <a:p>
             <a:pPr lvl="0"/>
             <a:r>
-              <a:rPr lang="ru-RU" smtClean="0"/>
+              <a:rPr lang="ru-RU"/>
               <a:t>Образец текста</a:t>
             </a:r>
           </a:p>
           <a:p>
             <a:pPr lvl="1"/>
             <a:r>
-              <a:rPr lang="ru-RU" smtClean="0"/>
+              <a:rPr lang="ru-RU"/>
               <a:t>Второй уровень</a:t>
             </a:r>
           </a:p>
           <a:p>
             <a:pPr lvl="2"/>
             <a:r>
-              <a:rPr lang="ru-RU" smtClean="0"/>
+              <a:rPr lang="ru-RU"/>
               <a:t>Третий уровень</a:t>
             </a:r>
           </a:p>
           <a:p>
             <a:pPr lvl="3"/>
             <a:r>
-              <a:rPr lang="ru-RU" smtClean="0"/>
+              <a:rPr lang="ru-RU"/>
               <a:t>Четвертый уровень</a:t>
             </a:r>
           </a:p>
           <a:p>
             <a:pPr lvl="4"/>
             <a:r>
-              <a:rPr lang="ru-RU" smtClean="0"/>
+              <a:rPr lang="ru-RU"/>
               <a:t>Пятый уровень</a:t>
             </a:r>
-            <a:endParaRPr lang="ru-RU"/>
           </a:p>
         </p:txBody>
       </p:sp>
@@ -4170,7 +4237,7 @@
           <a:p>
             <a:fld id="{C075E9B6-261B-4B87-80CB-CFDF5710A7F4}" type="datetimeFigureOut">
               <a:rPr lang="ru-RU" smtClean="0"/>
-              <a:t>31.10.2017</a:t>
+              <a:t>02.03.2019</a:t>
             </a:fld>
             <a:endParaRPr lang="ru-RU"/>
           </a:p>
@@ -4269,10 +4336,9 @@
           <a:lstStyle/>
           <a:p>
             <a:r>
-              <a:rPr lang="ru-RU" smtClean="0"/>
+              <a:rPr lang="ru-RU"/>
               <a:t>Образец заголовка</a:t>
             </a:r>
-            <a:endParaRPr lang="ru-RU"/>
           </a:p>
         </p:txBody>
       </p:sp>
@@ -4298,38 +4364,37 @@
           <a:p>
             <a:pPr lvl="0"/>
             <a:r>
-              <a:rPr lang="ru-RU" smtClean="0"/>
+              <a:rPr lang="ru-RU"/>
               <a:t>Образец текста</a:t>
             </a:r>
           </a:p>
           <a:p>
             <a:pPr lvl="1"/>
             <a:r>
-              <a:rPr lang="ru-RU" smtClean="0"/>
+              <a:rPr lang="ru-RU"/>
               <a:t>Второй уровень</a:t>
             </a:r>
           </a:p>
           <a:p>
             <a:pPr lvl="2"/>
             <a:r>
-              <a:rPr lang="ru-RU" smtClean="0"/>
+              <a:rPr lang="ru-RU"/>
               <a:t>Третий уровень</a:t>
             </a:r>
           </a:p>
           <a:p>
             <a:pPr lvl="3"/>
             <a:r>
-              <a:rPr lang="ru-RU" smtClean="0"/>
+              <a:rPr lang="ru-RU"/>
               <a:t>Четвертый уровень</a:t>
             </a:r>
           </a:p>
           <a:p>
             <a:pPr lvl="4"/>
             <a:r>
-              <a:rPr lang="ru-RU" smtClean="0"/>
+              <a:rPr lang="ru-RU"/>
               <a:t>Пятый уровень</a:t>
             </a:r>
-            <a:endParaRPr lang="ru-RU"/>
           </a:p>
         </p:txBody>
       </p:sp>
@@ -4350,7 +4415,7 @@
           <a:p>
             <a:fld id="{C075E9B6-261B-4B87-80CB-CFDF5710A7F4}" type="datetimeFigureOut">
               <a:rPr lang="ru-RU" smtClean="0"/>
-              <a:t>31.10.2017</a:t>
+              <a:t>02.03.2019</a:t>
             </a:fld>
             <a:endParaRPr lang="ru-RU"/>
           </a:p>
@@ -4444,10 +4509,9 @@
           <a:lstStyle/>
           <a:p>
             <a:r>
-              <a:rPr lang="ru-RU" smtClean="0"/>
+              <a:rPr lang="ru-RU"/>
               <a:t>Образец заголовка</a:t>
             </a:r>
-            <a:endParaRPr lang="ru-RU"/>
           </a:p>
         </p:txBody>
       </p:sp>
@@ -4468,38 +4532,37 @@
           <a:p>
             <a:pPr lvl="0"/>
             <a:r>
-              <a:rPr lang="ru-RU" smtClean="0"/>
+              <a:rPr lang="ru-RU"/>
               <a:t>Образец текста</a:t>
             </a:r>
           </a:p>
           <a:p>
             <a:pPr lvl="1"/>
             <a:r>
-              <a:rPr lang="ru-RU" smtClean="0"/>
+              <a:rPr lang="ru-RU"/>
               <a:t>Второй уровень</a:t>
             </a:r>
           </a:p>
           <a:p>
             <a:pPr lvl="2"/>
             <a:r>
-              <a:rPr lang="ru-RU" smtClean="0"/>
+              <a:rPr lang="ru-RU"/>
               <a:t>Третий уровень</a:t>
             </a:r>
           </a:p>
           <a:p>
             <a:pPr lvl="3"/>
             <a:r>
-              <a:rPr lang="ru-RU" smtClean="0"/>
+              <a:rPr lang="ru-RU"/>
               <a:t>Четвертый уровень</a:t>
             </a:r>
           </a:p>
           <a:p>
             <a:pPr lvl="4"/>
             <a:r>
-              <a:rPr lang="ru-RU" smtClean="0"/>
+              <a:rPr lang="ru-RU"/>
               <a:t>Пятый уровень</a:t>
             </a:r>
-            <a:endParaRPr lang="ru-RU"/>
           </a:p>
         </p:txBody>
       </p:sp>
@@ -4520,7 +4583,7 @@
           <a:p>
             <a:fld id="{C075E9B6-261B-4B87-80CB-CFDF5710A7F4}" type="datetimeFigureOut">
               <a:rPr lang="ru-RU" smtClean="0"/>
-              <a:t>31.10.2017</a:t>
+              <a:t>02.03.2019</a:t>
             </a:fld>
             <a:endParaRPr lang="ru-RU"/>
           </a:p>
@@ -4623,10 +4686,9 @@
           </a:lstStyle>
           <a:p>
             <a:r>
-              <a:rPr lang="ru-RU" smtClean="0"/>
+              <a:rPr lang="ru-RU"/>
               <a:t>Образец заголовка</a:t>
             </a:r>
-            <a:endParaRPr lang="ru-RU"/>
           </a:p>
         </p:txBody>
       </p:sp>
@@ -4743,7 +4805,7 @@
           <a:p>
             <a:pPr lvl="0"/>
             <a:r>
-              <a:rPr lang="ru-RU" smtClean="0"/>
+              <a:rPr lang="ru-RU"/>
               <a:t>Образец текста</a:t>
             </a:r>
           </a:p>
@@ -4766,7 +4828,7 @@
           <a:p>
             <a:fld id="{C075E9B6-261B-4B87-80CB-CFDF5710A7F4}" type="datetimeFigureOut">
               <a:rPr lang="ru-RU" smtClean="0"/>
-              <a:t>31.10.2017</a:t>
+              <a:t>02.03.2019</a:t>
             </a:fld>
             <a:endParaRPr lang="ru-RU"/>
           </a:p>
@@ -4860,10 +4922,9 @@
           <a:lstStyle/>
           <a:p>
             <a:r>
-              <a:rPr lang="ru-RU" smtClean="0"/>
+              <a:rPr lang="ru-RU"/>
               <a:t>Образец заголовка</a:t>
             </a:r>
-            <a:endParaRPr lang="ru-RU"/>
           </a:p>
         </p:txBody>
       </p:sp>
@@ -4917,38 +4978,37 @@
           <a:p>
             <a:pPr lvl="0"/>
             <a:r>
-              <a:rPr lang="ru-RU" smtClean="0"/>
+              <a:rPr lang="ru-RU"/>
               <a:t>Образец текста</a:t>
             </a:r>
           </a:p>
           <a:p>
             <a:pPr lvl="1"/>
             <a:r>
-              <a:rPr lang="ru-RU" smtClean="0"/>
+              <a:rPr lang="ru-RU"/>
               <a:t>Второй уровень</a:t>
             </a:r>
           </a:p>
           <a:p>
             <a:pPr lvl="2"/>
             <a:r>
-              <a:rPr lang="ru-RU" smtClean="0"/>
+              <a:rPr lang="ru-RU"/>
               <a:t>Третий уровень</a:t>
             </a:r>
           </a:p>
           <a:p>
             <a:pPr lvl="3"/>
             <a:r>
-              <a:rPr lang="ru-RU" smtClean="0"/>
+              <a:rPr lang="ru-RU"/>
               <a:t>Четвертый уровень</a:t>
             </a:r>
           </a:p>
           <a:p>
             <a:pPr lvl="4"/>
             <a:r>
-              <a:rPr lang="ru-RU" smtClean="0"/>
+              <a:rPr lang="ru-RU"/>
               <a:t>Пятый уровень</a:t>
             </a:r>
-            <a:endParaRPr lang="ru-RU"/>
           </a:p>
         </p:txBody>
       </p:sp>
@@ -5002,38 +5062,37 @@
           <a:p>
             <a:pPr lvl="0"/>
             <a:r>
-              <a:rPr lang="ru-RU" smtClean="0"/>
+              <a:rPr lang="ru-RU"/>
               <a:t>Образец текста</a:t>
             </a:r>
           </a:p>
           <a:p>
             <a:pPr lvl="1"/>
             <a:r>
-              <a:rPr lang="ru-RU" smtClean="0"/>
+              <a:rPr lang="ru-RU"/>
               <a:t>Второй уровень</a:t>
             </a:r>
           </a:p>
           <a:p>
             <a:pPr lvl="2"/>
             <a:r>
-              <a:rPr lang="ru-RU" smtClean="0"/>
+              <a:rPr lang="ru-RU"/>
               <a:t>Третий уровень</a:t>
             </a:r>
           </a:p>
           <a:p>
             <a:pPr lvl="3"/>
             <a:r>
-              <a:rPr lang="ru-RU" smtClean="0"/>
+              <a:rPr lang="ru-RU"/>
               <a:t>Четвертый уровень</a:t>
             </a:r>
           </a:p>
           <a:p>
             <a:pPr lvl="4"/>
             <a:r>
-              <a:rPr lang="ru-RU" smtClean="0"/>
+              <a:rPr lang="ru-RU"/>
               <a:t>Пятый уровень</a:t>
             </a:r>
-            <a:endParaRPr lang="ru-RU"/>
           </a:p>
         </p:txBody>
       </p:sp>
@@ -5054,7 +5113,7 @@
           <a:p>
             <a:fld id="{C075E9B6-261B-4B87-80CB-CFDF5710A7F4}" type="datetimeFigureOut">
               <a:rPr lang="ru-RU" smtClean="0"/>
-              <a:t>31.10.2017</a:t>
+              <a:t>02.03.2019</a:t>
             </a:fld>
             <a:endParaRPr lang="ru-RU"/>
           </a:p>
@@ -5152,10 +5211,9 @@
           </a:lstStyle>
           <a:p>
             <a:r>
-              <a:rPr lang="ru-RU" smtClean="0"/>
+              <a:rPr lang="ru-RU"/>
               <a:t>Образец заголовка</a:t>
             </a:r>
-            <a:endParaRPr lang="ru-RU"/>
           </a:p>
         </p:txBody>
       </p:sp>
@@ -5218,7 +5276,7 @@
           <a:p>
             <a:pPr lvl="0"/>
             <a:r>
-              <a:rPr lang="ru-RU" smtClean="0"/>
+              <a:rPr lang="ru-RU"/>
               <a:t>Образец текста</a:t>
             </a:r>
           </a:p>
@@ -5274,38 +5332,37 @@
           <a:p>
             <a:pPr lvl="0"/>
             <a:r>
-              <a:rPr lang="ru-RU" smtClean="0"/>
+              <a:rPr lang="ru-RU"/>
               <a:t>Образец текста</a:t>
             </a:r>
           </a:p>
           <a:p>
             <a:pPr lvl="1"/>
             <a:r>
-              <a:rPr lang="ru-RU" smtClean="0"/>
+              <a:rPr lang="ru-RU"/>
               <a:t>Второй уровень</a:t>
             </a:r>
           </a:p>
           <a:p>
             <a:pPr lvl="2"/>
             <a:r>
-              <a:rPr lang="ru-RU" smtClean="0"/>
+              <a:rPr lang="ru-RU"/>
               <a:t>Третий уровень</a:t>
             </a:r>
           </a:p>
           <a:p>
             <a:pPr lvl="3"/>
             <a:r>
-              <a:rPr lang="ru-RU" smtClean="0"/>
+              <a:rPr lang="ru-RU"/>
               <a:t>Четвертый уровень</a:t>
             </a:r>
           </a:p>
           <a:p>
             <a:pPr lvl="4"/>
             <a:r>
-              <a:rPr lang="ru-RU" smtClean="0"/>
+              <a:rPr lang="ru-RU"/>
               <a:t>Пятый уровень</a:t>
             </a:r>
-            <a:endParaRPr lang="ru-RU"/>
           </a:p>
         </p:txBody>
       </p:sp>
@@ -5368,7 +5425,7 @@
           <a:p>
             <a:pPr lvl="0"/>
             <a:r>
-              <a:rPr lang="ru-RU" smtClean="0"/>
+              <a:rPr lang="ru-RU"/>
               <a:t>Образец текста</a:t>
             </a:r>
           </a:p>
@@ -5424,38 +5481,37 @@
           <a:p>
             <a:pPr lvl="0"/>
             <a:r>
-              <a:rPr lang="ru-RU" smtClean="0"/>
+              <a:rPr lang="ru-RU"/>
               <a:t>Образец текста</a:t>
             </a:r>
           </a:p>
           <a:p>
             <a:pPr lvl="1"/>
             <a:r>
-              <a:rPr lang="ru-RU" smtClean="0"/>
+              <a:rPr lang="ru-RU"/>
               <a:t>Второй уровень</a:t>
             </a:r>
           </a:p>
           <a:p>
             <a:pPr lvl="2"/>
             <a:r>
-              <a:rPr lang="ru-RU" smtClean="0"/>
+              <a:rPr lang="ru-RU"/>
               <a:t>Третий уровень</a:t>
             </a:r>
           </a:p>
           <a:p>
             <a:pPr lvl="3"/>
             <a:r>
-              <a:rPr lang="ru-RU" smtClean="0"/>
+              <a:rPr lang="ru-RU"/>
               <a:t>Четвертый уровень</a:t>
             </a:r>
           </a:p>
           <a:p>
             <a:pPr lvl="4"/>
             <a:r>
-              <a:rPr lang="ru-RU" smtClean="0"/>
+              <a:rPr lang="ru-RU"/>
               <a:t>Пятый уровень</a:t>
             </a:r>
-            <a:endParaRPr lang="ru-RU"/>
           </a:p>
         </p:txBody>
       </p:sp>
@@ -5476,7 +5532,7 @@
           <a:p>
             <a:fld id="{C075E9B6-261B-4B87-80CB-CFDF5710A7F4}" type="datetimeFigureOut">
               <a:rPr lang="ru-RU" smtClean="0"/>
-              <a:t>31.10.2017</a:t>
+              <a:t>02.03.2019</a:t>
             </a:fld>
             <a:endParaRPr lang="ru-RU"/>
           </a:p>
@@ -5570,10 +5626,9 @@
           <a:lstStyle/>
           <a:p>
             <a:r>
-              <a:rPr lang="ru-RU" smtClean="0"/>
+              <a:rPr lang="ru-RU"/>
               <a:t>Образец заголовка</a:t>
             </a:r>
-            <a:endParaRPr lang="ru-RU"/>
           </a:p>
         </p:txBody>
       </p:sp>
@@ -5594,7 +5649,7 @@
           <a:p>
             <a:fld id="{C075E9B6-261B-4B87-80CB-CFDF5710A7F4}" type="datetimeFigureOut">
               <a:rPr lang="ru-RU" smtClean="0"/>
-              <a:t>31.10.2017</a:t>
+              <a:t>02.03.2019</a:t>
             </a:fld>
             <a:endParaRPr lang="ru-RU"/>
           </a:p>
@@ -5689,7 +5744,7 @@
           <a:p>
             <a:fld id="{C075E9B6-261B-4B87-80CB-CFDF5710A7F4}" type="datetimeFigureOut">
               <a:rPr lang="ru-RU" smtClean="0"/>
-              <a:t>31.10.2017</a:t>
+              <a:t>02.03.2019</a:t>
             </a:fld>
             <a:endParaRPr lang="ru-RU"/>
           </a:p>
@@ -5792,10 +5847,9 @@
           </a:lstStyle>
           <a:p>
             <a:r>
-              <a:rPr lang="ru-RU" smtClean="0"/>
+              <a:rPr lang="ru-RU"/>
               <a:t>Образец заголовка</a:t>
             </a:r>
-            <a:endParaRPr lang="ru-RU"/>
           </a:p>
         </p:txBody>
       </p:sp>
@@ -5849,38 +5903,37 @@
           <a:p>
             <a:pPr lvl="0"/>
             <a:r>
-              <a:rPr lang="ru-RU" smtClean="0"/>
+              <a:rPr lang="ru-RU"/>
               <a:t>Образец текста</a:t>
             </a:r>
           </a:p>
           <a:p>
             <a:pPr lvl="1"/>
             <a:r>
-              <a:rPr lang="ru-RU" smtClean="0"/>
+              <a:rPr lang="ru-RU"/>
               <a:t>Второй уровень</a:t>
             </a:r>
           </a:p>
           <a:p>
             <a:pPr lvl="2"/>
             <a:r>
-              <a:rPr lang="ru-RU" smtClean="0"/>
+              <a:rPr lang="ru-RU"/>
               <a:t>Третий уровень</a:t>
             </a:r>
           </a:p>
           <a:p>
             <a:pPr lvl="3"/>
             <a:r>
-              <a:rPr lang="ru-RU" smtClean="0"/>
+              <a:rPr lang="ru-RU"/>
               <a:t>Четвертый уровень</a:t>
             </a:r>
           </a:p>
           <a:p>
             <a:pPr lvl="4"/>
             <a:r>
-              <a:rPr lang="ru-RU" smtClean="0"/>
+              <a:rPr lang="ru-RU"/>
               <a:t>Пятый уровень</a:t>
             </a:r>
-            <a:endParaRPr lang="ru-RU"/>
           </a:p>
         </p:txBody>
       </p:sp>
@@ -5943,7 +5996,7 @@
           <a:p>
             <a:pPr lvl="0"/>
             <a:r>
-              <a:rPr lang="ru-RU" smtClean="0"/>
+              <a:rPr lang="ru-RU"/>
               <a:t>Образец текста</a:t>
             </a:r>
           </a:p>
@@ -5966,7 +6019,7 @@
           <a:p>
             <a:fld id="{C075E9B6-261B-4B87-80CB-CFDF5710A7F4}" type="datetimeFigureOut">
               <a:rPr lang="ru-RU" smtClean="0"/>
-              <a:t>31.10.2017</a:t>
+              <a:t>02.03.2019</a:t>
             </a:fld>
             <a:endParaRPr lang="ru-RU"/>
           </a:p>
@@ -6069,10 +6122,9 @@
           </a:lstStyle>
           <a:p>
             <a:r>
-              <a:rPr lang="ru-RU" smtClean="0"/>
+              <a:rPr lang="ru-RU"/>
               <a:t>Образец заголовка</a:t>
             </a:r>
-            <a:endParaRPr lang="ru-RU"/>
           </a:p>
         </p:txBody>
       </p:sp>
@@ -6196,7 +6248,7 @@
           <a:p>
             <a:pPr lvl="0"/>
             <a:r>
-              <a:rPr lang="ru-RU" smtClean="0"/>
+              <a:rPr lang="ru-RU"/>
               <a:t>Образец текста</a:t>
             </a:r>
           </a:p>
@@ -6219,7 +6271,7 @@
           <a:p>
             <a:fld id="{C075E9B6-261B-4B87-80CB-CFDF5710A7F4}" type="datetimeFigureOut">
               <a:rPr lang="ru-RU" smtClean="0"/>
-              <a:t>31.10.2017</a:t>
+              <a:t>02.03.2019</a:t>
             </a:fld>
             <a:endParaRPr lang="ru-RU"/>
           </a:p>
@@ -6328,10 +6380,9 @@
           <a:lstStyle/>
           <a:p>
             <a:r>
-              <a:rPr lang="ru-RU" smtClean="0"/>
+              <a:rPr lang="ru-RU"/>
               <a:t>Образец заголовка</a:t>
             </a:r>
-            <a:endParaRPr lang="ru-RU"/>
           </a:p>
         </p:txBody>
       </p:sp>
@@ -6362,38 +6413,37 @@
           <a:p>
             <a:pPr lvl="0"/>
             <a:r>
-              <a:rPr lang="ru-RU" smtClean="0"/>
+              <a:rPr lang="ru-RU"/>
               <a:t>Образец текста</a:t>
             </a:r>
           </a:p>
           <a:p>
             <a:pPr lvl="1"/>
             <a:r>
-              <a:rPr lang="ru-RU" smtClean="0"/>
+              <a:rPr lang="ru-RU"/>
               <a:t>Второй уровень</a:t>
             </a:r>
           </a:p>
           <a:p>
             <a:pPr lvl="2"/>
             <a:r>
-              <a:rPr lang="ru-RU" smtClean="0"/>
+              <a:rPr lang="ru-RU"/>
               <a:t>Третий уровень</a:t>
             </a:r>
           </a:p>
           <a:p>
             <a:pPr lvl="3"/>
             <a:r>
-              <a:rPr lang="ru-RU" smtClean="0"/>
+              <a:rPr lang="ru-RU"/>
               <a:t>Четвертый уровень</a:t>
             </a:r>
           </a:p>
           <a:p>
             <a:pPr lvl="4"/>
             <a:r>
-              <a:rPr lang="ru-RU" smtClean="0"/>
+              <a:rPr lang="ru-RU"/>
               <a:t>Пятый уровень</a:t>
             </a:r>
-            <a:endParaRPr lang="ru-RU"/>
           </a:p>
         </p:txBody>
       </p:sp>
@@ -6432,7 +6482,7 @@
           <a:p>
             <a:fld id="{C075E9B6-261B-4B87-80CB-CFDF5710A7F4}" type="datetimeFigureOut">
               <a:rPr lang="ru-RU" smtClean="0"/>
-              <a:t>31.10.2017</a:t>
+              <a:t>02.03.2019</a:t>
             </a:fld>
             <a:endParaRPr lang="ru-RU"/>
           </a:p>
@@ -6823,7 +6873,7 @@
           <a:lstStyle/>
           <a:p>
             <a:r>
-              <a:rPr lang="ru-RU" dirty="0" smtClean="0"/>
+              <a:rPr lang="ru-RU" dirty="0"/>
               <a:t>Что мы узнали к этому моменту?</a:t>
             </a:r>
             <a:endParaRPr lang="en-US" dirty="0"/>
@@ -6848,91 +6898,91 @@
           <a:lstStyle/>
           <a:p>
             <a:r>
-              <a:rPr lang="en-US" dirty="0" smtClean="0"/>
+              <a:rPr lang="en-US" dirty="0"/>
               <a:t>UML –</a:t>
             </a:r>
             <a:r>
-              <a:rPr lang="ru-RU" dirty="0" smtClean="0"/>
+              <a:rPr lang="ru-RU" dirty="0"/>
               <a:t>графический язык моделирования систем</a:t>
             </a:r>
           </a:p>
           <a:p>
             <a:pPr lvl="1"/>
             <a:r>
-              <a:rPr lang="ru-RU" dirty="0" smtClean="0"/>
+              <a:rPr lang="ru-RU" dirty="0"/>
               <a:t>Помогает описать модель какой либо системы в различных аспектах:</a:t>
             </a:r>
           </a:p>
           <a:p>
             <a:pPr lvl="2"/>
             <a:r>
-              <a:rPr lang="ru-RU" dirty="0" smtClean="0"/>
+              <a:rPr lang="ru-RU" dirty="0"/>
               <a:t>Использование системы (зачем?)</a:t>
             </a:r>
           </a:p>
           <a:p>
             <a:pPr lvl="2"/>
             <a:r>
-              <a:rPr lang="ru-RU" dirty="0" smtClean="0"/>
+              <a:rPr lang="ru-RU" dirty="0"/>
               <a:t>Структура системы (что?)</a:t>
             </a:r>
           </a:p>
           <a:p>
             <a:pPr lvl="2"/>
             <a:r>
-              <a:rPr lang="ru-RU" dirty="0" smtClean="0"/>
+              <a:rPr lang="ru-RU" dirty="0"/>
               <a:t>Поведение системы (как работает?)</a:t>
             </a:r>
           </a:p>
           <a:p>
             <a:r>
-              <a:rPr lang="ru-RU" dirty="0" smtClean="0"/>
+              <a:rPr lang="ru-RU" dirty="0"/>
               <a:t>Нотация языка:</a:t>
             </a:r>
           </a:p>
           <a:p>
             <a:pPr lvl="1"/>
             <a:r>
-              <a:rPr lang="ru-RU" dirty="0" smtClean="0"/>
+              <a:rPr lang="ru-RU" dirty="0"/>
               <a:t>Сущности</a:t>
             </a:r>
           </a:p>
           <a:p>
             <a:pPr lvl="1"/>
             <a:r>
-              <a:rPr lang="ru-RU" dirty="0" smtClean="0"/>
+              <a:rPr lang="ru-RU" dirty="0"/>
               <a:t>Связи</a:t>
             </a:r>
           </a:p>
           <a:p>
             <a:pPr lvl="1"/>
             <a:r>
-              <a:rPr lang="ru-RU" dirty="0" smtClean="0"/>
+              <a:rPr lang="ru-RU" dirty="0"/>
               <a:t>Диаграммы</a:t>
             </a:r>
           </a:p>
           <a:p>
             <a:r>
-              <a:rPr lang="ru-RU" dirty="0" smtClean="0"/>
+              <a:rPr lang="ru-RU" dirty="0"/>
               <a:t>Итого – научились </a:t>
             </a:r>
             <a:r>
-              <a:rPr lang="ru-RU" b="1" dirty="0" smtClean="0"/>
+              <a:rPr lang="ru-RU" b="1" dirty="0"/>
               <a:t>читать </a:t>
             </a:r>
             <a:r>
-              <a:rPr lang="ru-RU" dirty="0" smtClean="0"/>
+              <a:rPr lang="ru-RU" dirty="0"/>
               <a:t>диаграммы </a:t>
             </a:r>
             <a:r>
-              <a:rPr lang="en-US" dirty="0" smtClean="0"/>
+              <a:rPr lang="en-US" dirty="0"/>
               <a:t>UML</a:t>
             </a:r>
-            <a:endParaRPr lang="ru-RU" dirty="0" smtClean="0"/>
+            <a:endParaRPr lang="ru-RU" dirty="0"/>
           </a:p>
           <a:p>
             <a:pPr lvl="1"/>
-            <a:endParaRPr lang="ru-RU" dirty="0" smtClean="0"/>
+            <a:endParaRPr lang="ru-RU" dirty="0"/>
           </a:p>
           <a:p>
             <a:endParaRPr lang="en-US" dirty="0"/>
@@ -7021,13 +7071,6 @@
   <p:clrMapOvr>
     <a:masterClrMapping/>
   </p:clrMapOvr>
-  <p:timing>
-    <p:tnLst>
-      <p:par>
-        <p:cTn id="1" dur="indefinite" restart="never" nodeType="tmRoot"/>
-      </p:par>
-    </p:tnLst>
-  </p:timing>
 </p:sld>
 </file>
 
@@ -7093,11 +7136,7 @@
           <a:p>
             <a:r>
               <a:rPr lang="ru-RU" dirty="0"/>
-              <a:t>Обобщение между </a:t>
-            </a:r>
-            <a:r>
-              <a:rPr lang="ru-RU" dirty="0" smtClean="0"/>
-              <a:t>ДЛ</a:t>
+              <a:t>Обобщение между ДЛ</a:t>
             </a:r>
             <a:endParaRPr lang="en-US" dirty="0"/>
           </a:p>
@@ -7127,52 +7166,24 @@
           <a:p>
             <a:r>
               <a:rPr lang="ru-RU" b="1" dirty="0"/>
-              <a:t>Обобщение между </a:t>
-            </a:r>
-            <a:r>
-              <a:rPr lang="ru-RU" b="1" dirty="0" smtClean="0"/>
-              <a:t>ДЛ </a:t>
-            </a:r>
-            <a:r>
-              <a:rPr lang="ru-RU" dirty="0" smtClean="0"/>
-              <a:t>показывает</a:t>
-            </a:r>
-            <a:r>
-              <a:rPr lang="ru-RU" dirty="0"/>
-              <a:t>, что одно действующее лицо наследует все свойства (в частности, участие в ассоциациях) другого действующего лица</a:t>
-            </a:r>
-            <a:r>
-              <a:rPr lang="ru-RU" dirty="0" smtClean="0"/>
-              <a:t>.</a:t>
+              <a:t>Обобщение между ДЛ </a:t>
+            </a:r>
+            <a:r>
+              <a:rPr lang="ru-RU" dirty="0"/>
+              <a:t>показывает, что одно действующее лицо наследует все свойства (в частности, участие в ассоциациях) другого действующего лица.</a:t>
             </a:r>
           </a:p>
           <a:p>
             <a:pPr lvl="1"/>
             <a:r>
-              <a:rPr lang="ru-RU" dirty="0" smtClean="0"/>
-              <a:t>с </a:t>
-            </a:r>
-            <a:r>
-              <a:rPr lang="ru-RU" dirty="0"/>
-              <a:t>помощью обобщения между действующими лицами легко показать иерархию категорий пользователей </a:t>
-            </a:r>
-            <a:r>
-              <a:rPr lang="ru-RU" dirty="0" smtClean="0"/>
-              <a:t>системы (в </a:t>
-            </a:r>
-            <a:r>
-              <a:rPr lang="ru-RU" dirty="0"/>
-              <a:t>частности, иерархию прав доступа к выполняемым функциям и хранимым </a:t>
-            </a:r>
-            <a:r>
-              <a:rPr lang="ru-RU" dirty="0" smtClean="0"/>
-              <a:t>данным).</a:t>
+              <a:rPr lang="ru-RU" dirty="0"/>
+              <a:t>с помощью обобщения между действующими лицами легко показать иерархию категорий пользователей системы (в частности, иерархию прав доступа к выполняемым функциям и хранимым данным).</a:t>
             </a:r>
           </a:p>
           <a:p>
             <a:pPr lvl="1"/>
             <a:r>
-              <a:rPr lang="ru-RU" dirty="0" smtClean="0"/>
+              <a:rPr lang="ru-RU" dirty="0"/>
               <a:t>ДЛ может быть абстрактным, что позволяет сократить количество ассоциаций, делая модель лаконичнее и понятнее</a:t>
             </a:r>
           </a:p>
@@ -7182,28 +7193,15 @@
               <a:buChar char="•"/>
             </a:pPr>
             <a:r>
-              <a:rPr lang="ru-RU" dirty="0" smtClean="0"/>
-              <a:t>Пример - </a:t>
-            </a:r>
-            <a:r>
-              <a:rPr lang="ru-RU" dirty="0"/>
-              <a:t>ИЗМЕНЕНИЯ В ТЕХНИЧЕСКОМ ЗАДАНИИ: </a:t>
-            </a:r>
-            <a:endParaRPr lang="ru-RU" dirty="0" smtClean="0"/>
+              <a:rPr lang="ru-RU" dirty="0"/>
+              <a:t>Пример - ИЗМЕНЕНИЯ В ТЕХНИЧЕСКОМ ЗАДАНИИ: </a:t>
+            </a:r>
           </a:p>
           <a:p>
             <a:pPr lvl="1"/>
             <a:r>
-              <a:rPr lang="ru-RU" dirty="0" smtClean="0"/>
-              <a:t>Среди </a:t>
-            </a:r>
-            <a:r>
-              <a:rPr lang="ru-RU" dirty="0"/>
-              <a:t>всех пользователей информационной системы следует выделить особую категорию пользователей (высшее руководство), которой разрешен доступ к любым данным и операциям</a:t>
-            </a:r>
-            <a:r>
-              <a:rPr lang="ru-RU" dirty="0" smtClean="0"/>
-              <a:t>.</a:t>
+              <a:rPr lang="ru-RU" dirty="0"/>
+              <a:t>Среди всех пользователей информационной системы следует выделить особую категорию пользователей (высшее руководство), которой разрешен доступ к любым данным и операциям.</a:t>
             </a:r>
           </a:p>
           <a:p>
@@ -7366,11 +7364,7 @@
           <a:p>
             <a:r>
               <a:rPr lang="ru-RU" dirty="0"/>
-              <a:t>Обобщение между </a:t>
-            </a:r>
-            <a:r>
-              <a:rPr lang="ru-RU" dirty="0" smtClean="0"/>
-              <a:t>ВИ</a:t>
+              <a:t>Обобщение между ВИ</a:t>
             </a:r>
             <a:endParaRPr lang="en-US" dirty="0"/>
           </a:p>
@@ -7399,32 +7393,20 @@
             </a:r>
             <a:r>
               <a:rPr lang="ru-RU" dirty="0"/>
-              <a:t>показывает, что один вариант использования является частным случаем (подмножеством множества сценариев) другого варианта использования</a:t>
-            </a:r>
-            <a:r>
-              <a:rPr lang="ru-RU" dirty="0" smtClean="0"/>
-              <a:t>.</a:t>
-            </a:r>
-          </a:p>
-          <a:p>
-            <a:r>
-              <a:rPr lang="ru-RU" dirty="0" smtClean="0"/>
-              <a:t>Пример </a:t>
-            </a:r>
-            <a:r>
-              <a:rPr lang="ru-RU" dirty="0"/>
-              <a:t>- ИЗМЕНЕНИЯ В ТЕХНИЧЕСКОМ ЗАДАНИИ</a:t>
+              <a:t>показывает, что один вариант использования является частным случаем (подмножеством множества сценариев) другого варианта использования.</a:t>
+            </a:r>
+          </a:p>
+          <a:p>
+            <a:r>
+              <a:rPr lang="ru-RU" dirty="0"/>
+              <a:t>Пример - ИЗМЕНЕНИЯ В ТЕХНИЧЕСКОМ ЗАДАНИИ</a:t>
             </a:r>
           </a:p>
           <a:p>
             <a:pPr lvl="1"/>
             <a:r>
-              <a:rPr lang="ru-RU" dirty="0" smtClean="0"/>
-              <a:t>Система </a:t>
-            </a:r>
-            <a:r>
-              <a:rPr lang="ru-RU" dirty="0"/>
-              <a:t>должна поддерживать два способа увольнения сотрудника: по инициативе администрации и по собственному желанию. </a:t>
+              <a:rPr lang="ru-RU" dirty="0"/>
+              <a:t>Система должна поддерживать два способа увольнения сотрудника: по инициативе администрации и по собственному желанию. </a:t>
             </a:r>
             <a:endParaRPr lang="en-US" dirty="0"/>
           </a:p>
@@ -7577,12 +7559,8 @@
           <a:lstStyle/>
           <a:p>
             <a:r>
-              <a:rPr lang="ru-RU" dirty="0" smtClean="0"/>
-              <a:t>Зависимость </a:t>
-            </a:r>
-            <a:r>
-              <a:rPr lang="ru-RU" dirty="0"/>
-              <a:t>между ВИ</a:t>
+              <a:rPr lang="ru-RU" dirty="0"/>
+              <a:t>Зависимость между ВИ</a:t>
             </a:r>
             <a:endParaRPr lang="en-US" dirty="0"/>
           </a:p>
@@ -7616,29 +7594,25 @@
             </a:r>
             <a:r>
               <a:rPr lang="ru-RU" dirty="0"/>
-              <a:t>показывает, что один вариант использования зависит от другого варианта использования</a:t>
-            </a:r>
-            <a:r>
-              <a:rPr lang="ru-RU" dirty="0" smtClean="0"/>
-              <a:t>.</a:t>
+              <a:t>показывает, что один вариант использования зависит от другого варианта использования.</a:t>
             </a:r>
           </a:p>
           <a:p>
             <a:pPr lvl="1"/>
             <a:r>
-              <a:rPr lang="ru-RU" b="1" dirty="0" smtClean="0"/>
+              <a:rPr lang="ru-RU" b="1" dirty="0"/>
               <a:t>«</a:t>
             </a:r>
             <a:r>
-              <a:rPr lang="en-US" b="1" dirty="0" smtClean="0"/>
+              <a:rPr lang="en-US" b="1" dirty="0"/>
               <a:t>include</a:t>
             </a:r>
             <a:r>
-              <a:rPr lang="ru-RU" b="1" dirty="0" smtClean="0"/>
+              <a:rPr lang="ru-RU" b="1" dirty="0"/>
               <a:t>»</a:t>
             </a:r>
             <a:r>
-              <a:rPr lang="en-US" dirty="0" smtClean="0"/>
+              <a:rPr lang="en-US" dirty="0"/>
               <a:t> - </a:t>
             </a:r>
             <a:r>
@@ -7647,53 +7621,45 @@
             </a:r>
             <a:r>
               <a:rPr lang="ru-RU" dirty="0"/>
-              <a:t> сценарий </a:t>
-            </a:r>
-            <a:r>
-              <a:rPr lang="ru-RU" dirty="0" smtClean="0"/>
-              <a:t>независимого ВИ </a:t>
-            </a:r>
-            <a:r>
-              <a:rPr lang="ru-RU" b="1" dirty="0" smtClean="0"/>
+              <a:t> сценарий независимого ВИ </a:t>
+            </a:r>
+            <a:r>
+              <a:rPr lang="ru-RU" b="1" dirty="0"/>
               <a:t>включает </a:t>
             </a:r>
             <a:r>
               <a:rPr lang="ru-RU" dirty="0"/>
-              <a:t>в </a:t>
-            </a:r>
-            <a:r>
-              <a:rPr lang="ru-RU" dirty="0" smtClean="0"/>
-              <a:t>себя сценарий зависимого ВИ </a:t>
+              <a:t>в себя сценарий зависимого ВИ </a:t>
             </a:r>
           </a:p>
           <a:p>
             <a:pPr lvl="1"/>
             <a:r>
-              <a:rPr lang="ru-RU" b="1" dirty="0" smtClean="0"/>
+              <a:rPr lang="ru-RU" b="1" dirty="0"/>
               <a:t>«</a:t>
             </a:r>
             <a:r>
-              <a:rPr lang="en-US" b="1" dirty="0" smtClean="0"/>
+              <a:rPr lang="en-US" b="1" dirty="0"/>
               <a:t>extend</a:t>
             </a:r>
             <a:r>
-              <a:rPr lang="ru-RU" b="1" dirty="0" smtClean="0"/>
+              <a:rPr lang="ru-RU" b="1" dirty="0"/>
               <a:t>»</a:t>
             </a:r>
             <a:r>
-              <a:rPr lang="en-US" dirty="0" smtClean="0"/>
+              <a:rPr lang="en-US" dirty="0"/>
               <a:t> -</a:t>
             </a:r>
             <a:r>
-              <a:rPr lang="ru-RU" dirty="0" smtClean="0"/>
+              <a:rPr lang="ru-RU" dirty="0"/>
               <a:t> независимый ВИ является </a:t>
             </a:r>
             <a:r>
-              <a:rPr lang="ru-RU" b="1" dirty="0" smtClean="0"/>
+              <a:rPr lang="ru-RU" b="1" dirty="0"/>
               <a:t>возможным</a:t>
             </a:r>
             <a:r>
-              <a:rPr lang="ru-RU" dirty="0" smtClean="0"/>
+              <a:rPr lang="ru-RU" dirty="0"/>
               <a:t> вариантом выполнения зависимого ВИ</a:t>
             </a:r>
           </a:p>
@@ -7866,13 +7832,8 @@
             </a:pPr>
             <a:r>
               <a:rPr lang="ru-RU" dirty="0"/>
-              <a:t>ИЗМЕНЕНИЯ В ТЕХНИЧЕСКОМ </a:t>
-            </a:r>
-            <a:r>
-              <a:rPr lang="ru-RU" dirty="0" smtClean="0"/>
-              <a:t>ЗАДАНИИ:</a:t>
-            </a:r>
-            <a:endParaRPr lang="ru-RU" dirty="0"/>
+              <a:t>ИЗМЕНЕНИЯ В ТЕХНИЧЕСКОМ ЗАДАНИИ:</a:t>
+            </a:r>
           </a:p>
           <a:p>
             <a:pPr marL="0" indent="0">
@@ -8067,7 +8028,7 @@
           <a:lstStyle/>
           <a:p>
             <a:r>
-              <a:rPr lang="ru-RU" dirty="0" smtClean="0"/>
+              <a:rPr lang="ru-RU" dirty="0"/>
               <a:t>Моделирование структуры</a:t>
             </a:r>
             <a:endParaRPr lang="en-US" dirty="0"/>
@@ -8093,26 +8054,14 @@
           <a:p>
             <a:r>
               <a:rPr lang="ru-RU" dirty="0"/>
-              <a:t>Моделирование </a:t>
-            </a:r>
-            <a:r>
-              <a:rPr lang="ru-RU" dirty="0" smtClean="0"/>
-              <a:t>структуры призвано </a:t>
-            </a:r>
-            <a:r>
-              <a:rPr lang="ru-RU" dirty="0"/>
-              <a:t>ответить на вопрос </a:t>
-            </a:r>
-            <a:r>
-              <a:rPr lang="ru-RU" b="1" dirty="0" smtClean="0"/>
-              <a:t>из </a:t>
+              <a:t>Моделирование структуры призвано ответить на вопрос </a:t>
             </a:r>
             <a:r>
               <a:rPr lang="ru-RU" b="1" dirty="0"/>
-              <a:t>чего состоит система</a:t>
-            </a:r>
-            <a:r>
-              <a:rPr lang="ru-RU" dirty="0" smtClean="0"/>
+              <a:t>из чего состоит система</a:t>
+            </a:r>
+            <a:r>
+              <a:rPr lang="ru-RU" dirty="0"/>
               <a:t>?</a:t>
             </a:r>
           </a:p>
@@ -8120,81 +8069,77 @@
             <a:pPr lvl="1"/>
             <a:r>
               <a:rPr lang="ru-RU" dirty="0"/>
-              <a:t>в центре внимания находятся отношения "часть–целое" и статические свойства частей и целого</a:t>
-            </a:r>
-            <a:r>
-              <a:rPr lang="ru-RU" dirty="0" smtClean="0"/>
-              <a:t>.</a:t>
-            </a:r>
-          </a:p>
-          <a:p>
-            <a:r>
-              <a:rPr lang="ru-RU" dirty="0" smtClean="0"/>
+              <a:t>в центре внимания находятся отношения "часть–целое" и статические свойства частей и целого.</a:t>
+            </a:r>
+          </a:p>
+          <a:p>
+            <a:r>
+              <a:rPr lang="ru-RU" dirty="0"/>
               <a:t>Инструменты</a:t>
             </a:r>
           </a:p>
           <a:p>
             <a:pPr lvl="1"/>
             <a:r>
-              <a:rPr lang="ru-RU" dirty="0" smtClean="0"/>
+              <a:rPr lang="ru-RU" dirty="0"/>
               <a:t>Основной инструмент  – диаграмма классов (объектов)</a:t>
             </a:r>
           </a:p>
           <a:p>
             <a:pPr lvl="2"/>
             <a:r>
-              <a:rPr lang="ru-RU" dirty="0" smtClean="0"/>
+              <a:rPr lang="ru-RU" dirty="0"/>
               <a:t>Для предметной области</a:t>
             </a:r>
           </a:p>
           <a:p>
             <a:pPr lvl="2"/>
             <a:r>
-              <a:rPr lang="ru-RU" dirty="0" smtClean="0"/>
+              <a:rPr lang="ru-RU" dirty="0"/>
               <a:t>Для проектируемой системы </a:t>
             </a:r>
           </a:p>
           <a:p>
             <a:pPr lvl="1"/>
             <a:r>
-              <a:rPr lang="ru-RU" dirty="0" smtClean="0"/>
+              <a:rPr lang="ru-RU" dirty="0"/>
               <a:t>Дополнительные диаграммы – используются реже, и, зачастую, уже на финальных стадиях проектирования</a:t>
             </a:r>
           </a:p>
           <a:p>
             <a:pPr lvl="2"/>
             <a:r>
-              <a:rPr lang="ru-RU" dirty="0" smtClean="0"/>
+              <a:rPr lang="ru-RU" dirty="0"/>
               <a:t>Компонентов</a:t>
             </a:r>
           </a:p>
           <a:p>
             <a:pPr lvl="2"/>
             <a:r>
-              <a:rPr lang="ru-RU" dirty="0" smtClean="0"/>
+              <a:rPr lang="ru-RU" dirty="0"/>
               <a:t>Размещения</a:t>
             </a:r>
           </a:p>
           <a:p>
             <a:pPr lvl="2"/>
             <a:r>
-              <a:rPr lang="ru-RU" dirty="0" smtClean="0"/>
+              <a:rPr lang="ru-RU" dirty="0"/>
               <a:t>Внутренней структуры </a:t>
             </a:r>
           </a:p>
           <a:p>
             <a:pPr lvl="2"/>
-            <a:endParaRPr lang="ru-RU" dirty="0" smtClean="0"/>
-          </a:p>
-          <a:p>
-            <a:endParaRPr lang="ru-RU" dirty="0" smtClean="0"/>
-          </a:p>
-          <a:p>
-            <a:endParaRPr lang="ru-RU" dirty="0" smtClean="0"/>
+            <a:endParaRPr lang="ru-RU" dirty="0"/>
+          </a:p>
+          <a:p>
+            <a:endParaRPr lang="ru-RU" dirty="0"/>
+          </a:p>
+          <a:p>
+            <a:endParaRPr lang="ru-RU" dirty="0"/>
           </a:p>
           <a:p>
             <a:pPr lvl="1"/>
-            <a:endParaRPr lang="ru-RU" dirty="0" smtClean="0"/>
+            <a:endParaRPr lang="ru-RU" dirty="0"/>
           </a:p>
           <a:p>
             <a:endParaRPr lang="en-US" dirty="0"/>
@@ -8211,13 +8156,6 @@
   <p:clrMapOvr>
     <a:masterClrMapping/>
   </p:clrMapOvr>
-  <p:timing>
-    <p:tnLst>
-      <p:par>
-        <p:cTn id="1" dur="indefinite" restart="never" nodeType="tmRoot"/>
-      </p:par>
-    </p:tnLst>
-  </p:timing>
 </p:sld>
 </file>
 
@@ -8254,7 +8192,7 @@
           <a:lstStyle/>
           <a:p>
             <a:r>
-              <a:rPr lang="ru-RU" dirty="0" smtClean="0"/>
+              <a:rPr lang="ru-RU" dirty="0"/>
               <a:t>Выделение классов</a:t>
             </a:r>
             <a:endParaRPr lang="en-US" dirty="0"/>
@@ -8279,13 +8217,13 @@
           <a:lstStyle/>
           <a:p>
             <a:r>
-              <a:rPr lang="ru-RU" dirty="0" smtClean="0"/>
+              <a:rPr lang="ru-RU" dirty="0"/>
               <a:t>Универсального формального метода нет</a:t>
             </a:r>
           </a:p>
           <a:p>
             <a:r>
-              <a:rPr lang="ru-RU" dirty="0" smtClean="0"/>
+              <a:rPr lang="ru-RU" dirty="0"/>
               <a:t>Есть ряд неформальных методов</a:t>
             </a:r>
           </a:p>
@@ -8293,34 +8231,18 @@
             <a:pPr lvl="1"/>
             <a:r>
               <a:rPr lang="ru-RU" b="1" dirty="0"/>
-              <a:t>словарь предметной </a:t>
-            </a:r>
-            <a:r>
-              <a:rPr lang="ru-RU" b="1" dirty="0" smtClean="0"/>
-              <a:t>области</a:t>
-            </a:r>
-            <a:r>
-              <a:rPr lang="ru-RU" dirty="0" smtClean="0"/>
-              <a:t> - это </a:t>
-            </a:r>
-            <a:r>
-              <a:rPr lang="ru-RU" dirty="0"/>
-              <a:t>набор основных понятий (сущностей) данной предметной </a:t>
-            </a:r>
-            <a:r>
-              <a:rPr lang="ru-RU" dirty="0" smtClean="0"/>
-              <a:t>области</a:t>
+              <a:t>словарь предметной области</a:t>
+            </a:r>
+            <a:r>
+              <a:rPr lang="ru-RU" dirty="0"/>
+              <a:t> - это набор основных понятий (сущностей) данной предметной области</a:t>
             </a:r>
           </a:p>
           <a:p>
             <a:pPr lvl="2"/>
             <a:r>
               <a:rPr lang="ru-RU" dirty="0"/>
-              <a:t>выделите в </a:t>
-            </a:r>
-            <a:r>
-              <a:rPr lang="ru-RU" dirty="0" smtClean="0"/>
-              <a:t>ТЗ </a:t>
+              <a:t>выделите в ТЗ </a:t>
             </a:r>
             <a:r>
               <a:rPr lang="ru-RU" b="1" dirty="0"/>
@@ -8334,56 +8256,38 @@
           <a:p>
             <a:pPr lvl="1"/>
             <a:r>
-              <a:rPr lang="ru-RU" b="1" dirty="0" smtClean="0"/>
-              <a:t>реализации </a:t>
-            </a:r>
-            <a:r>
               <a:rPr lang="ru-RU" b="1" dirty="0"/>
-              <a:t>вариантов </a:t>
-            </a:r>
-            <a:r>
-              <a:rPr lang="ru-RU" b="1" dirty="0" smtClean="0"/>
-              <a:t>использования </a:t>
-            </a:r>
-            <a:r>
-              <a:rPr lang="ru-RU" dirty="0" smtClean="0"/>
-              <a:t>- это </a:t>
-            </a:r>
-            <a:r>
-              <a:rPr lang="ru-RU" dirty="0"/>
-              <a:t>описание всех или некоторых сценариев, составляющих вариант использования</a:t>
-            </a:r>
-            <a:r>
-              <a:rPr lang="ru-RU" dirty="0" smtClean="0"/>
-              <a:t>.</a:t>
+              <a:t>реализации вариантов использования </a:t>
+            </a:r>
+            <a:r>
+              <a:rPr lang="ru-RU" dirty="0"/>
+              <a:t>- это описание всех или некоторых сценариев, составляющих вариант использования.</a:t>
             </a:r>
           </a:p>
           <a:p>
             <a:pPr lvl="2"/>
             <a:r>
-              <a:rPr lang="ru-RU" dirty="0" smtClean="0"/>
+              <a:rPr lang="ru-RU" dirty="0"/>
               <a:t>При анализе реализации ВИ могут быть выявлены дополнительные участники, которых необходимо смоделировать в виде классов.</a:t>
             </a:r>
-            <a:endParaRPr lang="ru-RU" dirty="0"/>
           </a:p>
           <a:p>
             <a:pPr lvl="1"/>
             <a:r>
-              <a:rPr lang="ru-RU" b="1" dirty="0" smtClean="0"/>
+              <a:rPr lang="ru-RU" b="1" dirty="0"/>
               <a:t>шаблоны (паттерны) проектирования</a:t>
             </a:r>
             <a:r>
-              <a:rPr lang="ru-RU" dirty="0" smtClean="0"/>
+              <a:rPr lang="ru-RU" dirty="0"/>
               <a:t> – это типовые решения типовых задач проектирования </a:t>
             </a:r>
           </a:p>
           <a:p>
             <a:pPr lvl="2"/>
             <a:r>
-              <a:rPr lang="ru-RU" dirty="0" smtClean="0"/>
+              <a:rPr lang="ru-RU" dirty="0"/>
               <a:t>если в процессе проектирования принимается решение использовать определенный шаблон, то зачастую приходится добавлять в модель классы, участвующие в нем.</a:t>
             </a:r>
-            <a:endParaRPr lang="ru-RU" dirty="0"/>
           </a:p>
           <a:p>
             <a:pPr lvl="1"/>
@@ -8401,13 +8305,6 @@
   <p:clrMapOvr>
     <a:masterClrMapping/>
   </p:clrMapOvr>
-  <p:timing>
-    <p:tnLst>
-      <p:par>
-        <p:cTn id="1" dur="indefinite" restart="never" nodeType="tmRoot"/>
-      </p:par>
-    </p:tnLst>
-  </p:timing>
 </p:sld>
 </file>
 
@@ -8446,12 +8343,8 @@
           <a:lstStyle/>
           <a:p>
             <a:r>
-              <a:rPr lang="ru-RU" dirty="0" smtClean="0"/>
-              <a:t>Пример – </a:t>
-            </a:r>
-            <a:r>
-              <a:rPr lang="ru-RU" dirty="0"/>
-              <a:t>Выделение классов </a:t>
+              <a:rPr lang="ru-RU" dirty="0"/>
+              <a:t>Пример – Выделение классов </a:t>
             </a:r>
             <a:endParaRPr lang="en-US" dirty="0"/>
           </a:p>
@@ -8571,11 +8464,11 @@
               <a:t> и сокращение </a:t>
             </a:r>
             <a:r>
-              <a:rPr lang="ru-RU" b="1" dirty="0" smtClean="0"/>
+              <a:rPr lang="ru-RU" b="1" dirty="0"/>
               <a:t>должностей</a:t>
             </a:r>
             <a:r>
-              <a:rPr lang="ru-RU" dirty="0" smtClean="0"/>
+              <a:rPr lang="ru-RU" dirty="0"/>
               <a:t>.</a:t>
             </a:r>
             <a:endParaRPr lang="en-US" dirty="0"/>
@@ -8731,7 +8624,7 @@
           <a:lstStyle/>
           <a:p>
             <a:r>
-              <a:rPr lang="ru-RU" dirty="0" smtClean="0"/>
+              <a:rPr lang="ru-RU" dirty="0"/>
               <a:t>Отношения на диаграмме классов</a:t>
             </a:r>
             <a:endParaRPr lang="en-US" dirty="0"/>
@@ -8764,69 +8657,45 @@
               <a:rPr lang="ru-RU" dirty="0"/>
               <a:t>Сущности на диаграммах классов связываются главным образом отношениями </a:t>
             </a:r>
-            <a:endParaRPr lang="ru-RU" dirty="0" smtClean="0"/>
           </a:p>
           <a:p>
             <a:pPr lvl="1"/>
             <a:r>
-              <a:rPr lang="ru-RU" dirty="0" smtClean="0"/>
-              <a:t>ассоциации </a:t>
-            </a:r>
-            <a:r>
-              <a:rPr lang="ru-RU" dirty="0"/>
-              <a:t>(в том числе агрегирования и композиции) </a:t>
-            </a:r>
-            <a:endParaRPr lang="ru-RU" dirty="0" smtClean="0"/>
+              <a:rPr lang="ru-RU" dirty="0"/>
+              <a:t>ассоциации (в том числе агрегирования и композиции) </a:t>
+            </a:r>
           </a:p>
           <a:p>
             <a:pPr lvl="1"/>
             <a:r>
-              <a:rPr lang="ru-RU" dirty="0" smtClean="0"/>
-              <a:t>и обобщения</a:t>
-            </a:r>
-            <a:r>
-              <a:rPr lang="ru-RU" dirty="0"/>
-              <a:t>. </a:t>
-            </a:r>
-            <a:endParaRPr lang="ru-RU" dirty="0" smtClean="0"/>
-          </a:p>
-          <a:p>
-            <a:r>
-              <a:rPr lang="ru-RU" dirty="0" smtClean="0"/>
-              <a:t>Отношения </a:t>
-            </a:r>
-            <a:r>
-              <a:rPr lang="ru-RU" dirty="0"/>
-              <a:t>зависимости и реализации на диаграммах классов применяются </a:t>
-            </a:r>
-            <a:r>
-              <a:rPr lang="ru-RU" dirty="0" smtClean="0"/>
-              <a:t>реже</a:t>
-            </a:r>
-            <a:endParaRPr lang="ru-RU" dirty="0"/>
-          </a:p>
-          <a:p>
-            <a:r>
-              <a:rPr lang="ru-RU" dirty="0" smtClean="0"/>
+              <a:rPr lang="ru-RU" dirty="0"/>
+              <a:t>и обобщения. </a:t>
+            </a:r>
+          </a:p>
+          <a:p>
+            <a:r>
+              <a:rPr lang="ru-RU" dirty="0"/>
+              <a:t>Отношения зависимости и реализации на диаграммах классов применяются реже</a:t>
+            </a:r>
+          </a:p>
+          <a:p>
+            <a:r>
+              <a:rPr lang="ru-RU" dirty="0"/>
               <a:t>Выделение отношений </a:t>
             </a:r>
           </a:p>
           <a:p>
             <a:pPr lvl="1"/>
             <a:r>
-              <a:rPr lang="ru-RU" dirty="0" smtClean="0"/>
+              <a:rPr lang="ru-RU" dirty="0"/>
               <a:t>Формального метода выделения отношений нет</a:t>
             </a:r>
           </a:p>
           <a:p>
             <a:pPr lvl="1"/>
             <a:r>
-              <a:rPr lang="ru-RU" dirty="0" smtClean="0"/>
+              <a:rPr lang="ru-RU" dirty="0"/>
               <a:t>Неформальный метод требует исследования взаимоотношений классов в предметной области</a:t>
-            </a:r>
-            <a:r>
-              <a:rPr lang="ru-RU" dirty="0"/>
-              <a:t/>
             </a:r>
             <a:br>
               <a:rPr lang="ru-RU" dirty="0"/>
@@ -8982,7 +8851,7 @@
           <a:lstStyle/>
           <a:p>
             <a:r>
-              <a:rPr lang="ru-RU" dirty="0" smtClean="0"/>
+              <a:rPr lang="ru-RU" dirty="0"/>
               <a:t>Уточнение модели</a:t>
             </a:r>
             <a:endParaRPr lang="en-US" dirty="0"/>
@@ -9007,56 +8876,48 @@
           <a:lstStyle/>
           <a:p>
             <a:r>
-              <a:rPr lang="ru-RU" dirty="0" smtClean="0"/>
+              <a:rPr lang="ru-RU" dirty="0"/>
               <a:t>Уточнение модели – итеративный процесс, идущий </a:t>
             </a:r>
           </a:p>
           <a:p>
             <a:pPr lvl="1"/>
             <a:r>
-              <a:rPr lang="ru-RU" dirty="0" smtClean="0"/>
+              <a:rPr lang="ru-RU" dirty="0"/>
               <a:t>параллельно с уточнением требований к разрабатываемой системе</a:t>
             </a:r>
           </a:p>
           <a:p>
             <a:pPr lvl="1"/>
             <a:r>
-              <a:rPr lang="ru-RU" dirty="0" smtClean="0"/>
+              <a:rPr lang="ru-RU" dirty="0"/>
               <a:t>параллельно с уточнением деталей технической реализации разрабатываемой системы</a:t>
             </a:r>
           </a:p>
           <a:p>
             <a:r>
-              <a:rPr lang="ru-RU" dirty="0" smtClean="0"/>
+              <a:rPr lang="ru-RU" dirty="0"/>
               <a:t>И снова нет формального критерия, когда этот процесс можно считать завершенным. </a:t>
             </a:r>
           </a:p>
           <a:p>
             <a:r>
-              <a:rPr lang="ru-RU" dirty="0" smtClean="0"/>
+              <a:rPr lang="ru-RU" dirty="0"/>
               <a:t>Неформально можно считать, что :</a:t>
             </a:r>
           </a:p>
           <a:p>
             <a:pPr lvl="1"/>
             <a:r>
-              <a:rPr lang="ru-RU" dirty="0" smtClean="0"/>
+              <a:rPr lang="ru-RU" dirty="0"/>
               <a:t>Уточнения модели по технической части завершаются тогда, когда уже полностью понятно, как реализовывать систему</a:t>
             </a:r>
           </a:p>
           <a:p>
             <a:pPr lvl="1"/>
             <a:r>
-              <a:rPr lang="ru-RU" dirty="0" smtClean="0"/>
-              <a:t>Уточнения модели по требованиям </a:t>
-            </a:r>
-            <a:r>
-              <a:rPr lang="ru-RU" dirty="0" smtClean="0"/>
-              <a:t>потенциально</a:t>
-            </a:r>
-            <a:r>
-              <a:rPr lang="ru-RU" dirty="0" smtClean="0"/>
-              <a:t>, возможны до конца жизненного цикла системы, т.е. до момента вывода ее из эксплуатации. </a:t>
+              <a:rPr lang="ru-RU" dirty="0"/>
+              <a:t>Уточнения модели по требованиям потенциально, возможны до конца жизненного цикла системы, т.е. до момента вывода ее из эксплуатации. </a:t>
             </a:r>
             <a:endParaRPr lang="en-US" dirty="0"/>
           </a:p>
@@ -9072,13 +8933,6 @@
   <p:clrMapOvr>
     <a:masterClrMapping/>
   </p:clrMapOvr>
-  <p:timing>
-    <p:tnLst>
-      <p:par>
-        <p:cTn id="1" dur="indefinite" restart="never" nodeType="tmRoot"/>
-      </p:par>
-    </p:tnLst>
-  </p:timing>
 </p:sld>
 </file>
 
@@ -9115,7 +8969,7 @@
           <a:lstStyle/>
           <a:p>
             <a:r>
-              <a:rPr lang="ru-RU" dirty="0" smtClean="0"/>
+              <a:rPr lang="ru-RU" dirty="0"/>
               <a:t>Пример - уточнение модели </a:t>
             </a:r>
             <a:endParaRPr lang="en-US" dirty="0"/>
@@ -9162,15 +9016,7 @@
             </a:r>
             <a:r>
               <a:rPr lang="ru-RU" dirty="0"/>
-              <a:t>, позволяющие занимать и освобождать должность </a:t>
-            </a:r>
-            <a:r>
-              <a:rPr lang="ru-RU" dirty="0" smtClean="0"/>
-              <a:t>‒ другие </a:t>
-            </a:r>
-            <a:r>
-              <a:rPr lang="ru-RU" dirty="0"/>
-              <a:t>операции класса </a:t>
+              <a:t>, позволяющие занимать и освобождать должность ‒ другие операции класса </a:t>
             </a:r>
             <a:r>
               <a:rPr lang="ru-RU" b="1" dirty="0" err="1"/>
@@ -9197,7 +9043,7 @@
           <p:cNvPr id="7" name="Объект 4">
             <a:extLst>
               <a:ext uri="{FF2B5EF4-FFF2-40B4-BE49-F238E27FC236}">
-                <a16:creationId xmlns="" xmlns:a16="http://schemas.microsoft.com/office/drawing/2014/main" id="{79028B18-5A39-40E2-9548-1DC1B6FE660B}"/>
+                <a16:creationId xmlns:a16="http://schemas.microsoft.com/office/drawing/2014/main" id="{79028B18-5A39-40E2-9548-1DC1B6FE660B}"/>
               </a:ext>
             </a:extLst>
           </p:cNvPr>
@@ -9334,7 +9180,7 @@
           <p:cNvPr id="6" name="Объект 4">
             <a:extLst>
               <a:ext uri="{FF2B5EF4-FFF2-40B4-BE49-F238E27FC236}">
-                <a16:creationId xmlns="" xmlns:a16="http://schemas.microsoft.com/office/drawing/2014/main" id="{E94373C7-E818-496A-9D80-CD74CDA37567}"/>
+                <a16:creationId xmlns:a16="http://schemas.microsoft.com/office/drawing/2014/main" id="{E94373C7-E818-496A-9D80-CD74CDA37567}"/>
               </a:ext>
             </a:extLst>
           </p:cNvPr>
@@ -9414,129 +9260,97 @@
           <a:p>
             <a:pPr lvl="1"/>
             <a:r>
-              <a:rPr lang="ru-RU" dirty="0" smtClean="0"/>
-              <a:t>Каждая </a:t>
-            </a:r>
-            <a:r>
-              <a:rPr lang="ru-RU" dirty="0"/>
-              <a:t>структурная единица предприятия (подразделение, должность) должна иметь свое название</a:t>
-            </a:r>
-            <a:r>
-              <a:rPr lang="ru-RU" dirty="0" smtClean="0"/>
-              <a:t>.</a:t>
-            </a:r>
-          </a:p>
-          <a:p>
-            <a:r>
-              <a:rPr lang="ru-RU" dirty="0" smtClean="0"/>
+              <a:rPr lang="ru-RU" dirty="0"/>
+              <a:t>Каждая структурная единица предприятия (подразделение, должность) должна иметь свое название.</a:t>
+            </a:r>
+          </a:p>
+          <a:p>
+            <a:r>
+              <a:rPr lang="ru-RU" dirty="0"/>
               <a:t>Вводим суперкласс </a:t>
             </a:r>
             <a:r>
-              <a:rPr lang="ru-RU" b="1" dirty="0" smtClean="0"/>
+              <a:rPr lang="ru-RU" b="1" dirty="0"/>
               <a:t>Единица</a:t>
             </a:r>
             <a:r>
-              <a:rPr lang="ru-RU" dirty="0" smtClean="0"/>
+              <a:rPr lang="ru-RU" dirty="0"/>
               <a:t> (</a:t>
             </a:r>
             <a:r>
-              <a:rPr lang="en-US" b="1" dirty="0" smtClean="0"/>
+              <a:rPr lang="en-US" b="1" dirty="0"/>
               <a:t>Unit</a:t>
             </a:r>
             <a:r>
-              <a:rPr lang="en-US" dirty="0" smtClean="0"/>
+              <a:rPr lang="en-US" dirty="0"/>
               <a:t>)</a:t>
             </a:r>
             <a:r>
-              <a:rPr lang="ru-RU" dirty="0" smtClean="0"/>
+              <a:rPr lang="ru-RU" dirty="0"/>
               <a:t>, хранящий имя</a:t>
             </a:r>
             <a:r>
-              <a:rPr lang="en-US" dirty="0" smtClean="0"/>
+              <a:rPr lang="en-US" dirty="0"/>
               <a:t> </a:t>
             </a:r>
             <a:r>
-              <a:rPr lang="ru-RU" dirty="0" smtClean="0"/>
+              <a:rPr lang="ru-RU" dirty="0"/>
               <a:t>структурной единицы.</a:t>
             </a:r>
           </a:p>
           <a:p>
             <a:pPr lvl="1"/>
             <a:r>
-              <a:rPr lang="ru-RU" dirty="0" smtClean="0"/>
+              <a:rPr lang="ru-RU" dirty="0"/>
               <a:t>От него порождаем </a:t>
             </a:r>
             <a:r>
-              <a:rPr lang="ru-RU" b="1" dirty="0" smtClean="0"/>
+              <a:rPr lang="ru-RU" b="1" dirty="0"/>
               <a:t>Отделы</a:t>
             </a:r>
             <a:r>
-              <a:rPr lang="ru-RU" dirty="0" smtClean="0"/>
+              <a:rPr lang="ru-RU" dirty="0"/>
               <a:t>, </a:t>
             </a:r>
             <a:r>
-              <a:rPr lang="ru-RU" b="1" dirty="0" smtClean="0"/>
+              <a:rPr lang="ru-RU" b="1" dirty="0"/>
               <a:t>Должности</a:t>
             </a:r>
             <a:r>
-              <a:rPr lang="ru-RU" dirty="0" smtClean="0"/>
+              <a:rPr lang="ru-RU" dirty="0"/>
               <a:t> и даже </a:t>
             </a:r>
             <a:r>
-              <a:rPr lang="ru-RU" b="1" dirty="0" smtClean="0"/>
+              <a:rPr lang="ru-RU" b="1" dirty="0"/>
               <a:t>Сотрудников</a:t>
             </a:r>
             <a:r>
-              <a:rPr lang="ru-RU" dirty="0" smtClean="0"/>
+              <a:rPr lang="ru-RU" dirty="0"/>
               <a:t> (у них тоже есть имя)</a:t>
             </a:r>
           </a:p>
           <a:p>
             <a:r>
-              <a:rPr lang="ru-RU" dirty="0" smtClean="0"/>
-              <a:t>Работа </a:t>
-            </a:r>
-            <a:r>
-              <a:rPr lang="ru-RU" dirty="0"/>
-              <a:t>с собственным именем для выделенных классов производится не совсем </a:t>
-            </a:r>
-            <a:r>
-              <a:rPr lang="ru-RU" dirty="0" smtClean="0"/>
-              <a:t>одинаково</a:t>
+              <a:rPr lang="ru-RU" dirty="0"/>
+              <a:t>Работа с собственным именем для выделенных классов производится не совсем одинаково</a:t>
             </a:r>
           </a:p>
           <a:p>
             <a:pPr lvl="1"/>
             <a:r>
-              <a:rPr lang="ru-RU" dirty="0" smtClean="0"/>
-              <a:t>назначение </a:t>
-            </a:r>
-            <a:r>
-              <a:rPr lang="ru-RU" dirty="0"/>
-              <a:t>и изменение собственных имен подразделениям и должностям находится в пределах ответственности информационной системы отдела </a:t>
-            </a:r>
-            <a:r>
-              <a:rPr lang="ru-RU" dirty="0" smtClean="0"/>
-              <a:t>кадров</a:t>
+              <a:rPr lang="ru-RU" dirty="0"/>
+              <a:t>назначение и изменение собственных имен подразделениям и должностям находится в пределах ответственности информационной системы отдела кадров</a:t>
             </a:r>
           </a:p>
           <a:p>
             <a:pPr lvl="1"/>
             <a:r>
-              <a:rPr lang="ru-RU" dirty="0" smtClean="0"/>
-              <a:t>назначение </a:t>
-            </a:r>
-            <a:r>
-              <a:rPr lang="ru-RU" dirty="0"/>
-              <a:t>(</a:t>
+              <a:rPr lang="ru-RU" dirty="0"/>
+              <a:t>назначение (</a:t>
             </a:r>
             <a:r>
               <a:rPr lang="ru-RU"/>
-              <a:t>тем </a:t>
-            </a:r>
-            <a:r>
-              <a:rPr lang="ru-RU" smtClean="0"/>
-              <a:t>более, изменение</a:t>
+              <a:t>тем более, изменение</a:t>
             </a:r>
             <a:r>
               <a:rPr lang="ru-RU" dirty="0"/>
@@ -9669,7 +9483,7 @@
           <a:lstStyle/>
           <a:p>
             <a:r>
-              <a:rPr lang="ru-RU" dirty="0" smtClean="0"/>
+              <a:rPr lang="ru-RU" dirty="0"/>
               <a:t>Сегодня учимся писать :)</a:t>
             </a:r>
             <a:endParaRPr lang="en-US" dirty="0"/>
@@ -9701,44 +9515,40 @@
             </a:r>
             <a:r>
               <a:rPr lang="ru-RU" dirty="0"/>
-              <a:t>для проектирования </a:t>
-            </a:r>
-            <a:r>
-              <a:rPr lang="ru-RU" dirty="0" smtClean="0"/>
-              <a:t>ПО: </a:t>
+              <a:t>для проектирования ПО: </a:t>
             </a:r>
           </a:p>
           <a:p>
             <a:pPr lvl="1"/>
             <a:r>
-              <a:rPr lang="ru-RU" dirty="0" smtClean="0"/>
+              <a:rPr lang="ru-RU" dirty="0"/>
               <a:t>Моделирование вариантов использования</a:t>
             </a:r>
           </a:p>
           <a:p>
             <a:pPr lvl="1"/>
             <a:r>
-              <a:rPr lang="ru-RU" dirty="0" smtClean="0"/>
+              <a:rPr lang="ru-RU" dirty="0"/>
               <a:t>Моделирование структуры</a:t>
             </a:r>
           </a:p>
           <a:p>
             <a:pPr lvl="1"/>
             <a:r>
-              <a:rPr lang="ru-RU" dirty="0" smtClean="0"/>
+              <a:rPr lang="ru-RU" dirty="0"/>
               <a:t>Моделирование поведения</a:t>
             </a:r>
           </a:p>
           <a:p>
             <a:r>
-              <a:rPr lang="ru-RU" dirty="0" smtClean="0"/>
+              <a:rPr lang="ru-RU" dirty="0"/>
               <a:t>Практический пример решения задачи по проектированию с использованием </a:t>
             </a:r>
             <a:r>
-              <a:rPr lang="en-US" dirty="0" smtClean="0"/>
+              <a:rPr lang="en-US" dirty="0"/>
               <a:t>UML</a:t>
             </a:r>
-            <a:endParaRPr lang="ru-RU" dirty="0" smtClean="0"/>
+            <a:endParaRPr lang="ru-RU" dirty="0"/>
           </a:p>
         </p:txBody>
       </p:sp>
@@ -9793,13 +9603,6 @@
   <p:clrMapOvr>
     <a:masterClrMapping/>
   </p:clrMapOvr>
-  <p:timing>
-    <p:tnLst>
-      <p:par>
-        <p:cTn id="1" dur="indefinite" restart="never" nodeType="tmRoot"/>
-      </p:par>
-    </p:tnLst>
-  </p:timing>
 </p:sld>
 </file>
 
@@ -9873,16 +9676,8 @@
           <a:p>
             <a:pPr lvl="1"/>
             <a:r>
-              <a:rPr lang="ru-RU" dirty="0" smtClean="0"/>
-              <a:t>Информационная </a:t>
-            </a:r>
-            <a:r>
-              <a:rPr lang="ru-RU" dirty="0"/>
-              <a:t>система отдела кадров должна поддерживать иерархическую структуру подразделений на предприятии</a:t>
-            </a:r>
-            <a:r>
-              <a:rPr lang="ru-RU" dirty="0" smtClean="0"/>
-              <a:t>.</a:t>
+              <a:rPr lang="ru-RU" dirty="0"/>
+              <a:t>Информационная система отдела кадров должна поддерживать иерархическую структуру подразделений на предприятии.</a:t>
             </a:r>
             <a:endParaRPr lang="en-US" dirty="0"/>
           </a:p>
@@ -10035,7 +9830,7 @@
           <a:lstStyle/>
           <a:p>
             <a:r>
-              <a:rPr lang="ru-RU" dirty="0" smtClean="0"/>
+              <a:rPr lang="ru-RU" dirty="0"/>
               <a:t>Объединяем и дополняем</a:t>
             </a:r>
             <a:endParaRPr lang="en-US" dirty="0"/>
@@ -10078,13 +9873,6 @@
   <p:clrMapOvr>
     <a:masterClrMapping/>
   </p:clrMapOvr>
-  <p:timing>
-    <p:tnLst>
-      <p:par>
-        <p:cTn id="1" dur="indefinite" restart="never" nodeType="tmRoot"/>
-      </p:par>
-    </p:tnLst>
-  </p:timing>
 </p:sld>
 </file>
 
@@ -10121,7 +9909,7 @@
           <a:lstStyle/>
           <a:p>
             <a:r>
-              <a:rPr lang="ru-RU" dirty="0" smtClean="0"/>
+              <a:rPr lang="ru-RU" dirty="0"/>
               <a:t>Моделирование поведения</a:t>
             </a:r>
             <a:endParaRPr lang="en-US" dirty="0"/>
@@ -10152,22 +9940,14 @@
           <a:p>
             <a:r>
               <a:rPr lang="ru-RU" dirty="0"/>
-              <a:t>Моделирование поведения </a:t>
-            </a:r>
-            <a:r>
-              <a:rPr lang="ru-RU" dirty="0" smtClean="0"/>
-              <a:t>призвано </a:t>
-            </a:r>
-            <a:r>
-              <a:rPr lang="ru-RU" dirty="0"/>
-              <a:t>ответить на вопрос </a:t>
+              <a:t>Моделирование поведения призвано ответить на вопрос </a:t>
             </a:r>
             <a:r>
               <a:rPr lang="ru-RU" b="1" dirty="0"/>
               <a:t>как работает система</a:t>
             </a:r>
             <a:r>
-              <a:rPr lang="ru-RU" dirty="0" smtClean="0"/>
+              <a:rPr lang="ru-RU" dirty="0"/>
               <a:t>?</a:t>
             </a:r>
           </a:p>
@@ -10175,24 +9955,12 @@
             <a:pPr lvl="1"/>
             <a:r>
               <a:rPr lang="ru-RU" dirty="0"/>
-              <a:t>Модель </a:t>
-            </a:r>
-            <a:r>
-              <a:rPr lang="ru-RU" dirty="0" smtClean="0"/>
-              <a:t>поведения </a:t>
-            </a:r>
-            <a:r>
-              <a:rPr lang="ru-RU" dirty="0"/>
-              <a:t>‒ это описание алгоритма работы системы</a:t>
-            </a:r>
-            <a:r>
-              <a:rPr lang="ru-RU" dirty="0" smtClean="0"/>
-              <a:t>.</a:t>
-            </a:r>
-          </a:p>
-          <a:p>
-            <a:r>
-              <a:rPr lang="ru-RU" dirty="0" smtClean="0"/>
+              <a:t>Модель поведения ‒ это описание алгоритма работы системы.</a:t>
+            </a:r>
+          </a:p>
+          <a:p>
+            <a:r>
+              <a:rPr lang="ru-RU" dirty="0"/>
               <a:t>Модель поведения</a:t>
             </a:r>
           </a:p>
@@ -10200,123 +9968,67 @@
             <a:pPr lvl="1"/>
             <a:r>
               <a:rPr lang="ru-RU" dirty="0"/>
-              <a:t>должна </a:t>
-            </a:r>
-            <a:r>
-              <a:rPr lang="ru-RU" dirty="0" smtClean="0"/>
-              <a:t>быть </a:t>
-            </a:r>
-            <a:r>
-              <a:rPr lang="ru-RU" dirty="0"/>
-              <a:t>достаточно детальной для того, чтобы послужить основой для составления компьютерной </a:t>
-            </a:r>
-            <a:r>
-              <a:rPr lang="ru-RU" dirty="0" smtClean="0"/>
-              <a:t>программы</a:t>
+              <a:t>должна быть достаточно детальной для того, чтобы послужить основой для составления компьютерной программы</a:t>
             </a:r>
           </a:p>
           <a:p>
             <a:pPr lvl="1"/>
             <a:r>
               <a:rPr lang="ru-RU" dirty="0"/>
-              <a:t>должна </a:t>
-            </a:r>
-            <a:r>
-              <a:rPr lang="ru-RU" dirty="0" smtClean="0"/>
-              <a:t>быть </a:t>
-            </a:r>
-            <a:r>
-              <a:rPr lang="ru-RU" dirty="0"/>
-              <a:t>компактной и обозримой, чтобы служить средством общения между людьми в процессе разработки системы и для обмена идеями.</a:t>
+              <a:t>должна быть компактной и обозримой, чтобы служить средством общения между людьми в процессе разработки системы и для обмена идеями.</a:t>
             </a:r>
           </a:p>
           <a:p>
             <a:pPr lvl="1"/>
             <a:r>
-              <a:rPr lang="ru-RU" dirty="0" smtClean="0"/>
-              <a:t>не </a:t>
-            </a:r>
-            <a:r>
-              <a:rPr lang="ru-RU" dirty="0"/>
-              <a:t>должна зависеть от особенностей реализации конкретных компьютеров, средств программирования и технологий, чтобы не сужать область применения языка UML.</a:t>
+              <a:rPr lang="ru-RU" dirty="0"/>
+              <a:t>не должна зависеть от особенностей реализации конкретных компьютеров, средств программирования и технологий, чтобы не сужать область применения языка UML.</a:t>
             </a:r>
           </a:p>
           <a:p>
             <a:pPr lvl="1"/>
             <a:r>
-              <a:rPr lang="ru-RU" dirty="0" smtClean="0"/>
-              <a:t>должна быть построена знакомыми </a:t>
-            </a:r>
-            <a:r>
-              <a:rPr lang="ru-RU" dirty="0"/>
-              <a:t>и привычными для большинства пользователей </a:t>
-            </a:r>
-            <a:r>
-              <a:rPr lang="ru-RU" dirty="0" smtClean="0"/>
-              <a:t>средствами и </a:t>
-            </a:r>
-            <a:r>
-              <a:rPr lang="ru-RU" dirty="0"/>
-              <a:t>не </a:t>
-            </a:r>
-            <a:r>
-              <a:rPr lang="ru-RU" dirty="0" smtClean="0"/>
-              <a:t>должна </a:t>
-            </a:r>
-            <a:r>
-              <a:rPr lang="ru-RU" dirty="0"/>
-              <a:t>противоречить требованиям наиболее ходовых парадигм программирования</a:t>
-            </a:r>
-            <a:r>
-              <a:rPr lang="ru-RU" dirty="0" smtClean="0"/>
-              <a:t>.</a:t>
-            </a:r>
-          </a:p>
-          <a:p>
-            <a:r>
-              <a:rPr lang="ru-RU" dirty="0" smtClean="0"/>
+              <a:rPr lang="ru-RU" dirty="0"/>
+              <a:t>должна быть построена знакомыми и привычными для большинства пользователей средствами и не должна противоречить требованиям наиболее ходовых парадигм программирования.</a:t>
+            </a:r>
+          </a:p>
+          <a:p>
+            <a:r>
+              <a:rPr lang="ru-RU" dirty="0"/>
               <a:t>Формальных методов, как обычно, нет.</a:t>
             </a:r>
           </a:p>
           <a:p>
             <a:r>
-              <a:rPr lang="ru-RU" dirty="0" smtClean="0"/>
+              <a:rPr lang="ru-RU" dirty="0"/>
               <a:t>Неформальный метод – продумываем алгоритм работы и описываем его различные аспекты:</a:t>
             </a:r>
           </a:p>
           <a:p>
             <a:pPr lvl="1"/>
             <a:r>
-              <a:rPr lang="ru-RU" dirty="0" smtClean="0"/>
-              <a:t>Поток действий или данных – диаграмма деятельности и обзорная </a:t>
-            </a:r>
-            <a:r>
-              <a:rPr lang="ru-RU" dirty="0"/>
-              <a:t>диаграмма </a:t>
-            </a:r>
-            <a:r>
-              <a:rPr lang="ru-RU" dirty="0" smtClean="0"/>
-              <a:t>взаимодействия</a:t>
+              <a:rPr lang="ru-RU" dirty="0"/>
+              <a:t>Поток действий или данных – диаграмма деятельности и обзорная диаграмма взаимодействия</a:t>
             </a:r>
           </a:p>
           <a:p>
             <a:pPr lvl="1"/>
             <a:r>
-              <a:rPr lang="ru-RU" dirty="0" smtClean="0"/>
+              <a:rPr lang="ru-RU" dirty="0"/>
               <a:t>Обмен сообщениями между участниками – диаграммы коммуникации и последовательности.</a:t>
             </a:r>
           </a:p>
           <a:p>
             <a:pPr lvl="1"/>
             <a:r>
-              <a:rPr lang="ru-RU" dirty="0" smtClean="0"/>
+              <a:rPr lang="ru-RU" dirty="0"/>
               <a:t>Переходы между состояниями системы – автоматная диаграмма</a:t>
             </a:r>
           </a:p>
           <a:p>
             <a:pPr lvl="1"/>
             <a:r>
-              <a:rPr lang="ru-RU" dirty="0" smtClean="0"/>
+              <a:rPr lang="ru-RU" dirty="0"/>
               <a:t>Точная временная привязка действий – диаграмма синхронизации</a:t>
             </a:r>
           </a:p>
@@ -10338,13 +10050,6 @@
   <p:clrMapOvr>
     <a:masterClrMapping/>
   </p:clrMapOvr>
-  <p:timing>
-    <p:tnLst>
-      <p:par>
-        <p:cTn id="1" dur="indefinite" restart="never" nodeType="tmRoot"/>
-      </p:par>
-    </p:tnLst>
-  </p:timing>
 </p:sld>
 </file>
 
@@ -10383,7 +10088,7 @@
           <a:lstStyle/>
           <a:p>
             <a:r>
-              <a:rPr lang="ru-RU" dirty="0" smtClean="0"/>
+              <a:rPr lang="ru-RU" dirty="0"/>
               <a:t>Пример моделирования поведения</a:t>
             </a:r>
             <a:endParaRPr lang="en-US" dirty="0"/>
@@ -10452,13 +10157,6 @@
   <p:clrMapOvr>
     <a:masterClrMapping/>
   </p:clrMapOvr>
-  <p:timing>
-    <p:tnLst>
-      <p:par>
-        <p:cTn id="1" dur="indefinite" restart="never" nodeType="tmRoot"/>
-      </p:par>
-    </p:tnLst>
-  </p:timing>
 </p:sld>
 </file>
 
@@ -10497,7 +10195,7 @@
           <a:lstStyle/>
           <a:p>
             <a:r>
-              <a:rPr lang="ru-RU" dirty="0" smtClean="0"/>
+              <a:rPr lang="ru-RU" dirty="0"/>
               <a:t>Анализ и Проектирование. Пример</a:t>
             </a:r>
             <a:endParaRPr lang="en-US" dirty="0"/>
@@ -10522,13 +10220,13 @@
           <a:lstStyle/>
           <a:p>
             <a:r>
-              <a:rPr lang="ru-RU" dirty="0" smtClean="0"/>
+              <a:rPr lang="ru-RU" dirty="0"/>
               <a:t>Пример: игра в Крестики-нолики.</a:t>
             </a:r>
           </a:p>
           <a:p>
             <a:r>
-              <a:rPr lang="ru-RU" dirty="0" smtClean="0"/>
+              <a:rPr lang="ru-RU" dirty="0"/>
               <a:t>Описание игры (</a:t>
             </a:r>
             <a:r>
@@ -10538,13 +10236,13 @@
               <a:t>https://ru.wikipedia.org/wiki/</a:t>
             </a:r>
             <a:r>
-              <a:rPr lang="ru-RU" dirty="0" smtClean="0">
+              <a:rPr lang="ru-RU" dirty="0">
                 <a:hlinkClick r:id="rId2"/>
               </a:rPr>
               <a:t>Крестики-нолики</a:t>
             </a:r>
             <a:r>
-              <a:rPr lang="ru-RU" dirty="0" smtClean="0"/>
+              <a:rPr lang="ru-RU" dirty="0"/>
               <a:t>): </a:t>
             </a:r>
           </a:p>
@@ -10627,7 +10325,7 @@
               <a:t> </a:t>
             </a:r>
             <a:r>
-              <a:rPr lang="ru-RU" b="1" dirty="0" smtClean="0">
+              <a:rPr lang="ru-RU" b="1" dirty="0">
                 <a:solidFill>
                   <a:srgbClr val="FF0000"/>
                 </a:solidFill>
@@ -10635,12 +10333,8 @@
               <a:t>клетки</a:t>
             </a:r>
             <a:r>
-              <a:rPr lang="ru-RU" dirty="0" smtClean="0"/>
-              <a:t>. </a:t>
-            </a:r>
-            <a:r>
-              <a:rPr lang="ru-RU" dirty="0"/>
-              <a:t>Один из </a:t>
+              <a:rPr lang="ru-RU" dirty="0"/>
+              <a:t>. Один из </a:t>
             </a:r>
             <a:r>
               <a:rPr lang="ru-RU" b="1" dirty="0">
@@ -10699,7 +10393,7 @@
               <a:t>ноликами</a:t>
             </a:r>
             <a:r>
-              <a:rPr lang="ru-RU" dirty="0" smtClean="0"/>
+              <a:rPr lang="ru-RU" dirty="0"/>
               <a:t>».</a:t>
             </a:r>
           </a:p>
@@ -10722,7 +10416,7 @@
               <a:t> </a:t>
             </a:r>
             <a:r>
-              <a:rPr lang="ru-RU" dirty="0" smtClean="0"/>
+              <a:rPr lang="ru-RU" dirty="0"/>
               <a:t>поочередно </a:t>
             </a:r>
             <a:r>
@@ -10842,16 +10536,8 @@
               <a:t> </a:t>
             </a:r>
             <a:r>
-              <a:rPr lang="ru-RU" dirty="0" smtClean="0"/>
-              <a:t>вертикально, горизонтально </a:t>
-            </a:r>
-            <a:r>
-              <a:rPr lang="ru-RU" dirty="0"/>
-              <a:t>или </a:t>
-            </a:r>
-            <a:r>
-              <a:rPr lang="ru-RU" dirty="0" smtClean="0"/>
-              <a:t>диагонально, </a:t>
+              <a:rPr lang="ru-RU" dirty="0"/>
+              <a:t>вертикально, горизонтально или диагонально, </a:t>
             </a:r>
             <a:r>
               <a:rPr lang="ru-RU" b="1" dirty="0">
@@ -10976,13 +10662,6 @@
   <p:clrMapOvr>
     <a:masterClrMapping/>
   </p:clrMapOvr>
-  <p:timing>
-    <p:tnLst>
-      <p:par>
-        <p:cTn id="1" dur="indefinite" restart="never" nodeType="tmRoot"/>
-      </p:par>
-    </p:tnLst>
-  </p:timing>
 </p:sld>
 </file>
 
@@ -11021,7 +10700,7 @@
           <a:lstStyle/>
           <a:p>
             <a:r>
-              <a:rPr lang="ru-RU" dirty="0" smtClean="0"/>
+              <a:rPr lang="ru-RU" dirty="0"/>
               <a:t>Выделение словаря предметной области</a:t>
             </a:r>
             <a:endParaRPr lang="en-US" dirty="0"/>
@@ -11046,14 +10725,14 @@
           <a:lstStyle/>
           <a:p>
             <a:r>
-              <a:rPr lang="ru-RU" dirty="0" smtClean="0"/>
+              <a:rPr lang="ru-RU" dirty="0"/>
               <a:t>Существительные</a:t>
             </a:r>
           </a:p>
           <a:p>
             <a:pPr lvl="1"/>
             <a:r>
-              <a:rPr lang="ru-RU" b="1" dirty="0" smtClean="0">
+              <a:rPr lang="ru-RU" b="1" dirty="0">
                 <a:solidFill>
                   <a:srgbClr val="FF0000"/>
                 </a:solidFill>
@@ -11064,7 +10743,7 @@
           <a:p>
             <a:pPr lvl="1"/>
             <a:r>
-              <a:rPr lang="ru-RU" b="1" dirty="0" smtClean="0">
+              <a:rPr lang="ru-RU" b="1" dirty="0">
                 <a:solidFill>
                   <a:srgbClr val="FF0000"/>
                 </a:solidFill>
@@ -11075,7 +10754,7 @@
           <a:p>
             <a:pPr lvl="1"/>
             <a:r>
-              <a:rPr lang="ru-RU" b="1" dirty="0" smtClean="0">
+              <a:rPr lang="ru-RU" b="1" dirty="0">
                 <a:solidFill>
                   <a:srgbClr val="FF0000"/>
                 </a:solidFill>
@@ -11086,7 +10765,7 @@
           <a:p>
             <a:pPr lvl="1"/>
             <a:r>
-              <a:rPr lang="ru-RU" b="1" dirty="0" smtClean="0">
+              <a:rPr lang="ru-RU" b="1" dirty="0">
                 <a:solidFill>
                   <a:srgbClr val="FF0000"/>
                 </a:solidFill>
@@ -11097,7 +10776,7 @@
           <a:p>
             <a:pPr lvl="1"/>
             <a:r>
-              <a:rPr lang="ru-RU" b="1" dirty="0" smtClean="0">
+              <a:rPr lang="ru-RU" b="1" dirty="0">
                 <a:solidFill>
                   <a:srgbClr val="FF0000"/>
                 </a:solidFill>
@@ -11108,7 +10787,7 @@
           <a:p>
             <a:pPr lvl="1"/>
             <a:r>
-              <a:rPr lang="ru-RU" b="1" dirty="0" smtClean="0">
+              <a:rPr lang="ru-RU" b="1" dirty="0">
                 <a:solidFill>
                   <a:srgbClr val="FF0000"/>
                 </a:solidFill>
@@ -11119,7 +10798,7 @@
           <a:p>
             <a:pPr lvl="1"/>
             <a:r>
-              <a:rPr lang="ru-RU" b="1" dirty="0" smtClean="0">
+              <a:rPr lang="ru-RU" b="1" dirty="0">
                 <a:solidFill>
                   <a:srgbClr val="FF0000"/>
                 </a:solidFill>
@@ -11130,7 +10809,7 @@
           <a:p>
             <a:pPr lvl="1"/>
             <a:r>
-              <a:rPr lang="ru-RU" b="1" dirty="0" smtClean="0">
+              <a:rPr lang="ru-RU" b="1" dirty="0">
                 <a:solidFill>
                   <a:srgbClr val="FF0000"/>
                 </a:solidFill>
@@ -11140,14 +10819,14 @@
           </a:p>
           <a:p>
             <a:r>
-              <a:rPr lang="ru-RU" dirty="0" smtClean="0"/>
+              <a:rPr lang="ru-RU" dirty="0"/>
               <a:t>Глаголы</a:t>
             </a:r>
           </a:p>
           <a:p>
             <a:pPr lvl="1"/>
             <a:r>
-              <a:rPr lang="ru-RU" b="1" dirty="0" smtClean="0">
+              <a:rPr lang="ru-RU" b="1" dirty="0">
                 <a:solidFill>
                   <a:srgbClr val="00B050"/>
                 </a:solidFill>
@@ -11158,7 +10837,7 @@
           <a:p>
             <a:pPr lvl="1"/>
             <a:r>
-              <a:rPr lang="ru-RU" b="1" dirty="0" smtClean="0">
+              <a:rPr lang="ru-RU" b="1" dirty="0">
                 <a:solidFill>
                   <a:srgbClr val="00B050"/>
                 </a:solidFill>
@@ -11183,13 +10862,6 @@
   <p:clrMapOvr>
     <a:masterClrMapping/>
   </p:clrMapOvr>
-  <p:timing>
-    <p:tnLst>
-      <p:par>
-        <p:cTn id="1" dur="indefinite" restart="never" nodeType="tmRoot"/>
-      </p:par>
-    </p:tnLst>
-  </p:timing>
 </p:sld>
 </file>
 
@@ -11228,7 +10900,7 @@
           <a:lstStyle/>
           <a:p>
             <a:r>
-              <a:rPr lang="ru-RU" dirty="0" smtClean="0"/>
+              <a:rPr lang="ru-RU" dirty="0"/>
               <a:t>Построение модели предметной области. Объекты.</a:t>
             </a:r>
             <a:endParaRPr lang="en-US" dirty="0"/>
@@ -11274,13 +10946,6 @@
   <p:clrMapOvr>
     <a:masterClrMapping/>
   </p:clrMapOvr>
-  <p:timing>
-    <p:tnLst>
-      <p:par>
-        <p:cTn id="1" dur="indefinite" restart="never" nodeType="tmRoot"/>
-      </p:par>
-    </p:tnLst>
-  </p:timing>
 </p:sld>
 </file>
 
@@ -11319,7 +10984,7 @@
           <a:lstStyle/>
           <a:p>
             <a:r>
-              <a:rPr lang="ru-RU" dirty="0" smtClean="0"/>
+              <a:rPr lang="ru-RU" dirty="0"/>
               <a:t>Построение модели предметной области. Отношения.</a:t>
             </a:r>
             <a:endParaRPr lang="en-US" dirty="0"/>
@@ -11365,13 +11030,6 @@
   <p:clrMapOvr>
     <a:masterClrMapping/>
   </p:clrMapOvr>
-  <p:timing>
-    <p:tnLst>
-      <p:par>
-        <p:cTn id="1" dur="indefinite" restart="never" nodeType="tmRoot"/>
-      </p:par>
-    </p:tnLst>
-  </p:timing>
 </p:sld>
 </file>
 
@@ -11410,7 +11068,7 @@
           <a:lstStyle/>
           <a:p>
             <a:r>
-              <a:rPr lang="ru-RU" dirty="0" smtClean="0"/>
+              <a:rPr lang="ru-RU" dirty="0"/>
               <a:t>Построение модели предметной области. Диаграмма классов.</a:t>
             </a:r>
             <a:endParaRPr lang="en-US" dirty="0"/>
@@ -11456,13 +11114,6 @@
   <p:clrMapOvr>
     <a:masterClrMapping/>
   </p:clrMapOvr>
-  <p:timing>
-    <p:tnLst>
-      <p:par>
-        <p:cTn id="1" dur="indefinite" restart="never" nodeType="tmRoot"/>
-      </p:par>
-    </p:tnLst>
-  </p:timing>
 </p:sld>
 </file>
 
@@ -11501,15 +11152,15 @@
           <a:lstStyle/>
           <a:p>
             <a:r>
-              <a:rPr lang="ru-RU" dirty="0" smtClean="0"/>
+              <a:rPr lang="ru-RU" dirty="0"/>
               <a:t>Определение вариантов использования (</a:t>
             </a:r>
             <a:r>
-              <a:rPr lang="en-US" dirty="0" smtClean="0"/>
+              <a:rPr lang="en-US" dirty="0"/>
               <a:t>use cases</a:t>
             </a:r>
             <a:r>
-              <a:rPr lang="ru-RU" dirty="0" smtClean="0"/>
+              <a:rPr lang="ru-RU" dirty="0"/>
               <a:t>).</a:t>
             </a:r>
             <a:endParaRPr lang="en-US" dirty="0"/>
@@ -11555,13 +11206,6 @@
   <p:clrMapOvr>
     <a:masterClrMapping/>
   </p:clrMapOvr>
-  <p:timing>
-    <p:tnLst>
-      <p:par>
-        <p:cTn id="1" dur="indefinite" restart="never" nodeType="tmRoot"/>
-      </p:par>
-    </p:tnLst>
-  </p:timing>
 </p:sld>
 </file>
 
@@ -11598,7 +11242,7 @@
           <a:lstStyle/>
           <a:p>
             <a:r>
-              <a:rPr lang="ru-RU" dirty="0" smtClean="0"/>
+              <a:rPr lang="ru-RU" dirty="0"/>
               <a:t>Моделирование использования</a:t>
             </a:r>
             <a:endParaRPr lang="en-US" dirty="0"/>
@@ -11637,44 +11281,40 @@
             </a:r>
             <a:r>
               <a:rPr lang="ru-RU" dirty="0"/>
-              <a:t>?, и этот вопрос ‒ один из первых, на которые необходимо дать ответ</a:t>
-            </a:r>
-            <a:r>
-              <a:rPr lang="ru-RU" dirty="0" smtClean="0"/>
-              <a:t>.</a:t>
-            </a:r>
-          </a:p>
-          <a:p>
-            <a:r>
-              <a:rPr lang="ru-RU" dirty="0" smtClean="0"/>
+              <a:t>?, и этот вопрос ‒ один из первых, на которые необходимо дать ответ.</a:t>
+            </a:r>
+          </a:p>
+          <a:p>
+            <a:r>
+              <a:rPr lang="ru-RU" dirty="0"/>
               <a:t>Инструмент – диаграммы вариантов использования, ценится за:</a:t>
             </a:r>
           </a:p>
           <a:p>
             <a:pPr lvl="1"/>
             <a:r>
-              <a:rPr lang="ru-RU" dirty="0" smtClean="0"/>
+              <a:rPr lang="ru-RU" dirty="0"/>
               <a:t>Простоту утверждений </a:t>
             </a:r>
           </a:p>
           <a:p>
             <a:pPr lvl="2"/>
             <a:r>
-              <a:rPr lang="ru-RU" dirty="0" smtClean="0"/>
+              <a:rPr lang="ru-RU" dirty="0"/>
               <a:t>ТЗ отображается «в картинках», описывающих простые утверждения;</a:t>
             </a:r>
           </a:p>
           <a:p>
             <a:pPr lvl="1"/>
             <a:r>
-              <a:rPr lang="ru-RU" dirty="0" smtClean="0"/>
+              <a:rPr lang="ru-RU" dirty="0"/>
               <a:t>Абстрагирование от реализации и декларативное описание</a:t>
             </a:r>
           </a:p>
           <a:p>
             <a:pPr lvl="2"/>
             <a:r>
-              <a:rPr lang="ru-RU" dirty="0" smtClean="0"/>
+              <a:rPr lang="ru-RU" dirty="0"/>
               <a:t>ЧТО система делает, а не КАК и ЗАЧЕМ</a:t>
             </a:r>
           </a:p>
@@ -11682,74 +11322,70 @@
             <a:pPr lvl="1"/>
             <a:r>
               <a:rPr lang="ru-RU" dirty="0"/>
-              <a:t> Выявление </a:t>
-            </a:r>
-            <a:r>
-              <a:rPr lang="ru-RU" dirty="0" smtClean="0"/>
-              <a:t>границ</a:t>
+              <a:t> Выявление границ</a:t>
             </a:r>
           </a:p>
           <a:p>
             <a:pPr lvl="2"/>
             <a:r>
-              <a:rPr lang="ru-RU" dirty="0" smtClean="0"/>
+              <a:rPr lang="ru-RU" dirty="0"/>
               <a:t>Четко определяется, что система делает, а что нет;</a:t>
             </a:r>
           </a:p>
           <a:p>
             <a:pPr lvl="1"/>
             <a:r>
-              <a:rPr lang="ru-RU" dirty="0" smtClean="0"/>
+              <a:rPr lang="ru-RU" dirty="0"/>
               <a:t>Выявление действующих лиц</a:t>
             </a:r>
           </a:p>
           <a:p>
             <a:pPr lvl="2"/>
             <a:r>
-              <a:rPr lang="ru-RU" dirty="0" smtClean="0"/>
+              <a:rPr lang="ru-RU" dirty="0"/>
               <a:t>Четкое понимание кто и как использует систему, позволяет построить роли пользователей</a:t>
             </a:r>
           </a:p>
           <a:p>
             <a:r>
-              <a:rPr lang="ru-RU" dirty="0" smtClean="0"/>
+              <a:rPr lang="ru-RU" dirty="0"/>
               <a:t>Диаграммы вариантов использования –особенность</a:t>
             </a:r>
             <a:r>
-              <a:rPr lang="en-US" dirty="0" smtClean="0"/>
+              <a:rPr lang="en-US" dirty="0"/>
               <a:t> UML,</a:t>
             </a:r>
             <a:r>
-              <a:rPr lang="ru-RU" dirty="0" smtClean="0"/>
+              <a:rPr lang="ru-RU" dirty="0"/>
               <a:t> которая часто вызывает вопросы, т.к. не имеет прямых аналогий в отличие от:</a:t>
             </a:r>
           </a:p>
           <a:p>
             <a:pPr lvl="1"/>
             <a:r>
-              <a:rPr lang="ru-RU" dirty="0" smtClean="0"/>
+              <a:rPr lang="ru-RU" dirty="0"/>
               <a:t>Диаграммы классов </a:t>
             </a:r>
             <a:r>
-              <a:rPr lang="en-US" dirty="0" smtClean="0"/>
+              <a:rPr lang="en-US" dirty="0"/>
               <a:t>(ER-</a:t>
             </a:r>
             <a:r>
-              <a:rPr lang="ru-RU" dirty="0" smtClean="0"/>
+              <a:rPr lang="ru-RU" dirty="0"/>
               <a:t>диаграмма)</a:t>
             </a:r>
           </a:p>
           <a:p>
             <a:pPr lvl="1"/>
             <a:r>
-              <a:rPr lang="ru-RU" dirty="0" smtClean="0"/>
+              <a:rPr lang="ru-RU" dirty="0"/>
               <a:t>Диаграммы деятельности (блок-схемы алгоритмов)</a:t>
             </a:r>
           </a:p>
           <a:p>
             <a:pPr lvl="1"/>
             <a:r>
-              <a:rPr lang="ru-RU" dirty="0" smtClean="0"/>
+              <a:rPr lang="ru-RU" dirty="0"/>
               <a:t>Диаграммы состояний (автоматные модели)</a:t>
             </a:r>
           </a:p>
@@ -11768,13 +11404,6 @@
   <p:clrMapOvr>
     <a:masterClrMapping/>
   </p:clrMapOvr>
-  <p:timing>
-    <p:tnLst>
-      <p:par>
-        <p:cTn id="1" dur="indefinite" restart="never" nodeType="tmRoot"/>
-      </p:par>
-    </p:tnLst>
-  </p:timing>
 </p:sld>
 </file>
 
@@ -11813,15 +11442,15 @@
           <a:lstStyle/>
           <a:p>
             <a:r>
-              <a:rPr lang="ru-RU" dirty="0" smtClean="0"/>
+              <a:rPr lang="ru-RU" dirty="0"/>
               <a:t>Определение вариантов использования (</a:t>
             </a:r>
             <a:r>
-              <a:rPr lang="en-US" dirty="0" smtClean="0"/>
+              <a:rPr lang="en-US" dirty="0"/>
               <a:t>use cases</a:t>
             </a:r>
             <a:r>
-              <a:rPr lang="ru-RU" dirty="0" smtClean="0"/>
+              <a:rPr lang="ru-RU" dirty="0"/>
               <a:t>).</a:t>
             </a:r>
             <a:endParaRPr lang="en-US" dirty="0"/>
@@ -11864,13 +11493,6 @@
   <p:clrMapOvr>
     <a:masterClrMapping/>
   </p:clrMapOvr>
-  <p:timing>
-    <p:tnLst>
-      <p:par>
-        <p:cTn id="1" dur="indefinite" restart="never" nodeType="tmRoot"/>
-      </p:par>
-    </p:tnLst>
-  </p:timing>
 </p:sld>
 </file>
 
@@ -11909,15 +11531,15 @@
           <a:lstStyle/>
           <a:p>
             <a:r>
-              <a:rPr lang="ru-RU" dirty="0" smtClean="0"/>
+              <a:rPr lang="ru-RU" dirty="0"/>
               <a:t>Определение вариантов использования (</a:t>
             </a:r>
             <a:r>
-              <a:rPr lang="en-US" dirty="0" smtClean="0"/>
+              <a:rPr lang="en-US" dirty="0"/>
               <a:t>use cases</a:t>
             </a:r>
             <a:r>
-              <a:rPr lang="ru-RU" dirty="0" smtClean="0"/>
+              <a:rPr lang="ru-RU" dirty="0"/>
               <a:t>).</a:t>
             </a:r>
             <a:endParaRPr lang="en-US" dirty="0"/>
@@ -11960,13 +11582,6 @@
   <p:clrMapOvr>
     <a:masterClrMapping/>
   </p:clrMapOvr>
-  <p:timing>
-    <p:tnLst>
-      <p:par>
-        <p:cTn id="1" dur="indefinite" restart="never" nodeType="tmRoot"/>
-      </p:par>
-    </p:tnLst>
-  </p:timing>
 </p:sld>
 </file>
 
@@ -12005,7 +11620,7 @@
           <a:lstStyle/>
           <a:p>
             <a:r>
-              <a:rPr lang="ru-RU" dirty="0" smtClean="0"/>
+              <a:rPr lang="ru-RU" dirty="0"/>
               <a:t>Диаграмма взаимодействия. Начало.</a:t>
             </a:r>
             <a:endParaRPr lang="en-US" dirty="0"/>
@@ -12048,13 +11663,6 @@
   <p:clrMapOvr>
     <a:masterClrMapping/>
   </p:clrMapOvr>
-  <p:timing>
-    <p:tnLst>
-      <p:par>
-        <p:cTn id="1" dur="indefinite" restart="never" nodeType="tmRoot"/>
-      </p:par>
-    </p:tnLst>
-  </p:timing>
 </p:sld>
 </file>
 
@@ -12093,7 +11701,7 @@
           <a:lstStyle/>
           <a:p>
             <a:r>
-              <a:rPr lang="ru-RU" dirty="0" smtClean="0"/>
+              <a:rPr lang="ru-RU" dirty="0"/>
               <a:t>Диаграмма взаимодействия. Продолжение.</a:t>
             </a:r>
             <a:endParaRPr lang="en-US" dirty="0"/>
@@ -12136,13 +11744,6 @@
   <p:clrMapOvr>
     <a:masterClrMapping/>
   </p:clrMapOvr>
-  <p:timing>
-    <p:tnLst>
-      <p:par>
-        <p:cTn id="1" dur="indefinite" restart="never" nodeType="tmRoot"/>
-      </p:par>
-    </p:tnLst>
-  </p:timing>
 </p:sld>
 </file>
 
@@ -12181,7 +11782,7 @@
           <a:lstStyle/>
           <a:p>
             <a:r>
-              <a:rPr lang="ru-RU" dirty="0" smtClean="0"/>
+              <a:rPr lang="ru-RU" dirty="0"/>
               <a:t>Диаграмма взаимодействия. Финальная версия.</a:t>
             </a:r>
             <a:endParaRPr lang="en-US" dirty="0"/>
@@ -12224,13 +11825,6 @@
   <p:clrMapOvr>
     <a:masterClrMapping/>
   </p:clrMapOvr>
-  <p:timing>
-    <p:tnLst>
-      <p:par>
-        <p:cTn id="1" dur="indefinite" restart="never" nodeType="tmRoot"/>
-      </p:par>
-    </p:tnLst>
-  </p:timing>
 </p:sld>
 </file>
 
@@ -12267,7 +11861,7 @@
           <a:lstStyle/>
           <a:p>
             <a:r>
-              <a:rPr lang="ru-RU" dirty="0" smtClean="0"/>
+              <a:rPr lang="ru-RU" dirty="0"/>
               <a:t>Диаграмма классов. Классы.</a:t>
             </a:r>
             <a:endParaRPr lang="en-US" dirty="0"/>
@@ -12310,13 +11904,6 @@
   <p:clrMapOvr>
     <a:masterClrMapping/>
   </p:clrMapOvr>
-  <p:timing>
-    <p:tnLst>
-      <p:par>
-        <p:cTn id="1" dur="indefinite" restart="never" nodeType="tmRoot"/>
-      </p:par>
-    </p:tnLst>
-  </p:timing>
 </p:sld>
 </file>
 
@@ -12354,11 +11941,7 @@
           <a:p>
             <a:r>
               <a:rPr lang="ru-RU" dirty="0"/>
-              <a:t>Диаграмма классов. </a:t>
-            </a:r>
-            <a:r>
-              <a:rPr lang="ru-RU" dirty="0" smtClean="0"/>
-              <a:t>Связи.</a:t>
+              <a:t>Диаграмма классов. Связи.</a:t>
             </a:r>
             <a:endParaRPr lang="en-US" dirty="0"/>
           </a:p>
@@ -12400,13 +11983,6 @@
   <p:clrMapOvr>
     <a:masterClrMapping/>
   </p:clrMapOvr>
-  <p:timing>
-    <p:tnLst>
-      <p:par>
-        <p:cTn id="1" dur="indefinite" restart="never" nodeType="tmRoot"/>
-      </p:par>
-    </p:tnLst>
-  </p:timing>
 </p:sld>
 </file>
 
@@ -12446,11 +12022,7 @@
           <a:p>
             <a:r>
               <a:rPr lang="ru-RU" dirty="0"/>
-              <a:t>Диаграмма классов. </a:t>
-            </a:r>
-            <a:r>
-              <a:rPr lang="ru-RU" dirty="0" smtClean="0"/>
-              <a:t>Свойства и связанные с ними методы.</a:t>
+              <a:t>Диаграмма классов. Свойства и связанные с ними методы.</a:t>
             </a:r>
             <a:endParaRPr lang="en-US" dirty="0"/>
           </a:p>
@@ -12492,13 +12064,6 @@
   <p:clrMapOvr>
     <a:masterClrMapping/>
   </p:clrMapOvr>
-  <p:timing>
-    <p:tnLst>
-      <p:par>
-        <p:cTn id="1" dur="indefinite" restart="never" nodeType="tmRoot"/>
-      </p:par>
-    </p:tnLst>
-  </p:timing>
 </p:sld>
 </file>
 
@@ -12538,11 +12103,7 @@
           <a:p>
             <a:r>
               <a:rPr lang="ru-RU" dirty="0"/>
-              <a:t>Диаграмма классов. </a:t>
-            </a:r>
-            <a:r>
-              <a:rPr lang="ru-RU" dirty="0" smtClean="0"/>
-              <a:t>Методы. </a:t>
+              <a:t>Диаграмма классов. Методы. </a:t>
             </a:r>
             <a:endParaRPr lang="en-US" dirty="0"/>
           </a:p>
@@ -12584,13 +12145,6 @@
   <p:clrMapOvr>
     <a:masterClrMapping/>
   </p:clrMapOvr>
-  <p:timing>
-    <p:tnLst>
-      <p:par>
-        <p:cTn id="1" dur="indefinite" restart="never" nodeType="tmRoot"/>
-      </p:par>
-    </p:tnLst>
-  </p:timing>
 </p:sld>
 </file>
 
@@ -12629,12 +12183,8 @@
           <a:lstStyle/>
           <a:p>
             <a:r>
-              <a:rPr lang="ru-RU" dirty="0" smtClean="0"/>
-              <a:t>Реализация классов. Класс Игр</a:t>
-            </a:r>
-            <a:r>
-              <a:rPr lang="ru-RU" dirty="0"/>
-              <a:t>а</a:t>
+              <a:rPr lang="ru-RU" dirty="0"/>
+              <a:t>Реализация классов. Класс Игра</a:t>
             </a:r>
             <a:endParaRPr lang="en-US" dirty="0"/>
           </a:p>
@@ -12666,7 +12216,7 @@
               <a:buNone/>
             </a:pPr>
             <a:r>
-              <a:rPr lang="en-US" dirty="0" smtClean="0">
+              <a:rPr lang="en-US" dirty="0">
                 <a:solidFill>
                   <a:schemeClr val="accent1"/>
                 </a:solidFill>
@@ -12685,17 +12235,17 @@
               <a:rPr lang="ru-RU" dirty="0"/>
               <a:t>()</a:t>
             </a:r>
-            <a:endParaRPr lang="en-US" dirty="0" smtClean="0"/>
+            <a:endParaRPr lang="en-US" dirty="0"/>
           </a:p>
           <a:p>
             <a:pPr marL="0" indent="0">
               <a:buNone/>
             </a:pPr>
             <a:r>
-              <a:rPr lang="en-US" dirty="0" smtClean="0"/>
+              <a:rPr lang="en-US" dirty="0"/>
               <a:t>{</a:t>
             </a:r>
-            <a:endParaRPr lang="ru-RU" dirty="0" smtClean="0"/>
+            <a:endParaRPr lang="ru-RU" dirty="0"/>
           </a:p>
           <a:p>
             <a:pPr marL="0" indent="0">
@@ -12706,7 +12256,7 @@
               <a:t>	</a:t>
             </a:r>
             <a:r>
-              <a:rPr lang="en-US" dirty="0" smtClean="0">
+              <a:rPr lang="en-US" dirty="0">
                 <a:solidFill>
                   <a:srgbClr val="00B050"/>
                 </a:solidFill>
@@ -12714,14 +12264,14 @@
               <a:t>//</a:t>
             </a:r>
             <a:r>
-              <a:rPr lang="ru-RU" dirty="0" smtClean="0">
+              <a:rPr lang="ru-RU" dirty="0">
                 <a:solidFill>
                   <a:srgbClr val="00B050"/>
                 </a:solidFill>
               </a:rPr>
               <a:t>инициализация</a:t>
             </a:r>
-            <a:endParaRPr lang="en-US" dirty="0" smtClean="0">
+            <a:endParaRPr lang="en-US" dirty="0">
               <a:solidFill>
                 <a:srgbClr val="00B050"/>
               </a:solidFill>
@@ -12736,7 +12286,7 @@
               <a:t>	</a:t>
             </a:r>
             <a:r>
-              <a:rPr lang="ru-RU" dirty="0" smtClean="0"/>
+              <a:rPr lang="ru-RU" dirty="0"/>
               <a:t>Поле </a:t>
             </a:r>
             <a:r>
@@ -12745,14 +12295,43 @@
             </a:r>
             <a:r>
               <a:rPr lang="ru-RU" dirty="0"/>
+              <a:t> = </a:t>
+            </a:r>
+            <a:r>
+              <a:rPr lang="en-US" dirty="0">
+                <a:solidFill>
+                  <a:schemeClr val="accent1"/>
+                </a:solidFill>
+              </a:rPr>
+              <a:t>new</a:t>
+            </a:r>
+            <a:r>
+              <a:rPr lang="en-US" dirty="0"/>
               <a:t> </a:t>
             </a:r>
             <a:r>
-              <a:rPr lang="ru-RU" dirty="0" smtClean="0"/>
-              <a:t>= </a:t>
-            </a:r>
-            <a:r>
-              <a:rPr lang="en-US" dirty="0" smtClean="0">
+              <a:rPr lang="ru-RU" dirty="0"/>
+              <a:t>Поле();</a:t>
+            </a:r>
+          </a:p>
+          <a:p>
+            <a:pPr marL="0" indent="0">
+              <a:buNone/>
+            </a:pPr>
+            <a:r>
+              <a:rPr lang="ru-RU" dirty="0"/>
+              <a:t>	Игрок </a:t>
+            </a:r>
+            <a:r>
+              <a:rPr lang="ru-RU" dirty="0" err="1"/>
+              <a:t>игрокКрестиком</a:t>
+            </a:r>
+            <a:r>
+              <a:rPr lang="ru-RU" dirty="0"/>
+              <a:t> = </a:t>
+            </a:r>
+            <a:r>
+              <a:rPr lang="en-US" dirty="0">
                 <a:solidFill>
                   <a:schemeClr val="accent1"/>
                 </a:solidFill>
@@ -12760,97 +12339,7 @@
               <a:t>new</a:t>
             </a:r>
             <a:r>
-              <a:rPr lang="en-US" dirty="0" smtClean="0"/>
-              <a:t> </a:t>
-            </a:r>
-            <a:r>
-              <a:rPr lang="ru-RU" dirty="0" smtClean="0"/>
-              <a:t>Поле();</a:t>
-            </a:r>
-          </a:p>
-          <a:p>
-            <a:pPr marL="0" indent="0">
-              <a:buNone/>
-            </a:pPr>
-            <a:r>
-              <a:rPr lang="ru-RU" dirty="0"/>
-              <a:t>	</a:t>
-            </a:r>
-            <a:r>
-              <a:rPr lang="ru-RU" dirty="0" smtClean="0"/>
-              <a:t>Игрок </a:t>
-            </a:r>
-            <a:r>
-              <a:rPr lang="ru-RU" dirty="0" err="1" smtClean="0"/>
-              <a:t>игрокКрестиком</a:t>
-            </a:r>
-            <a:r>
-              <a:rPr lang="ru-RU" dirty="0" smtClean="0"/>
-              <a:t> = </a:t>
-            </a:r>
-            <a:r>
-              <a:rPr lang="en-US" dirty="0" smtClean="0">
-                <a:solidFill>
-                  <a:schemeClr val="accent1"/>
-                </a:solidFill>
-              </a:rPr>
-              <a:t>new</a:t>
-            </a:r>
-            <a:r>
-              <a:rPr lang="en-US" dirty="0" smtClean="0"/>
-              <a:t> </a:t>
-            </a:r>
-            <a:r>
-              <a:rPr lang="ru-RU" dirty="0" smtClean="0"/>
-              <a:t>Игрок(</a:t>
-            </a:r>
-            <a:r>
-              <a:rPr lang="en-US" dirty="0" smtClean="0">
-                <a:solidFill>
-                  <a:schemeClr val="accent1"/>
-                </a:solidFill>
-              </a:rPr>
-              <a:t>this</a:t>
-            </a:r>
-            <a:r>
-              <a:rPr lang="en-US" dirty="0" smtClean="0"/>
-              <a:t>, </a:t>
-            </a:r>
-            <a:r>
-              <a:rPr lang="ru-RU" dirty="0" err="1" smtClean="0"/>
-              <a:t>Знак.Крестик</a:t>
-            </a:r>
-            <a:r>
-              <a:rPr lang="ru-RU" dirty="0" smtClean="0"/>
-              <a:t>);</a:t>
-            </a:r>
-          </a:p>
-          <a:p>
-            <a:pPr marL="0" indent="0">
-              <a:buNone/>
-            </a:pPr>
-            <a:r>
-              <a:rPr lang="ru-RU" dirty="0" smtClean="0"/>
-              <a:t>	Игрок </a:t>
-            </a:r>
-            <a:r>
-              <a:rPr lang="ru-RU" dirty="0" err="1" smtClean="0"/>
-              <a:t>игрокНоликом</a:t>
-            </a:r>
-            <a:r>
-              <a:rPr lang="ru-RU" dirty="0" smtClean="0"/>
-              <a:t> = </a:t>
-            </a:r>
-            <a:r>
-              <a:rPr lang="en-US" dirty="0" smtClean="0">
-                <a:solidFill>
-                  <a:schemeClr val="accent1"/>
-                </a:solidFill>
-              </a:rPr>
-              <a:t>new</a:t>
-            </a:r>
-            <a:r>
-              <a:rPr lang="en-US" dirty="0" smtClean="0"/>
+              <a:rPr lang="en-US" dirty="0"/>
               <a:t> </a:t>
             </a:r>
             <a:r>
@@ -12874,7 +12363,60 @@
               <a:t>Знак.Крестик</a:t>
             </a:r>
             <a:r>
-              <a:rPr lang="ru-RU" dirty="0" smtClean="0"/>
+              <a:rPr lang="ru-RU" dirty="0"/>
+              <a:t>);</a:t>
+            </a:r>
+          </a:p>
+          <a:p>
+            <a:pPr marL="0" indent="0">
+              <a:buNone/>
+            </a:pPr>
+            <a:r>
+              <a:rPr lang="ru-RU" dirty="0"/>
+              <a:t>	Игрок </a:t>
+            </a:r>
+            <a:r>
+              <a:rPr lang="ru-RU" dirty="0" err="1"/>
+              <a:t>игрокНоликом</a:t>
+            </a:r>
+            <a:r>
+              <a:rPr lang="ru-RU" dirty="0"/>
+              <a:t> = </a:t>
+            </a:r>
+            <a:r>
+              <a:rPr lang="en-US" dirty="0">
+                <a:solidFill>
+                  <a:schemeClr val="accent1"/>
+                </a:solidFill>
+              </a:rPr>
+              <a:t>new</a:t>
+            </a:r>
+            <a:r>
+              <a:rPr lang="en-US" dirty="0"/>
+              <a:t> </a:t>
+            </a:r>
+            <a:r>
+              <a:rPr lang="ru-RU" dirty="0"/>
+              <a:t>Игрок(</a:t>
+            </a:r>
+            <a:r>
+              <a:rPr lang="en-US" dirty="0">
+                <a:solidFill>
+                  <a:schemeClr val="accent1"/>
+                </a:solidFill>
+              </a:rPr>
+              <a:t>this</a:t>
+            </a:r>
+            <a:r>
+              <a:rPr lang="en-US" dirty="0"/>
+              <a:t>, </a:t>
+            </a:r>
+            <a:r>
+              <a:rPr lang="ru-RU" dirty="0" err="1"/>
+              <a:t>Знак.Нолик</a:t>
+            </a:r>
+            <a:r>
+              <a:rPr lang="ru-RU" dirty="0"/>
               <a:t>);</a:t>
             </a:r>
           </a:p>
@@ -12887,7 +12429,7 @@
               <a:t>	</a:t>
             </a:r>
             <a:r>
-              <a:rPr lang="ru-RU" dirty="0" smtClean="0"/>
+              <a:rPr lang="ru-RU" dirty="0"/>
               <a:t>Игрок </a:t>
             </a:r>
             <a:r>
@@ -12896,143 +12438,7 @@
             </a:r>
             <a:r>
               <a:rPr lang="ru-RU" dirty="0"/>
-              <a:t> </a:t>
-            </a:r>
-            <a:r>
-              <a:rPr lang="ru-RU" dirty="0" smtClean="0"/>
-              <a:t>= </a:t>
-            </a:r>
-            <a:r>
-              <a:rPr lang="ru-RU" dirty="0" err="1" smtClean="0"/>
-              <a:t>игрокКрестиком</a:t>
-            </a:r>
-            <a:r>
-              <a:rPr lang="ru-RU" dirty="0" smtClean="0"/>
-              <a:t>; </a:t>
-            </a:r>
-            <a:r>
-              <a:rPr lang="en-US" dirty="0" smtClean="0">
-                <a:solidFill>
-                  <a:srgbClr val="00B050"/>
-                </a:solidFill>
-              </a:rPr>
-              <a:t>//</a:t>
-            </a:r>
-            <a:r>
-              <a:rPr lang="ru-RU" dirty="0" smtClean="0">
-                <a:solidFill>
-                  <a:srgbClr val="00B050"/>
-                </a:solidFill>
-              </a:rPr>
-              <a:t>Крестик ходит первым</a:t>
-            </a:r>
-            <a:endParaRPr lang="en-US" dirty="0" smtClean="0"/>
-          </a:p>
-          <a:p>
-            <a:pPr marL="0" indent="0">
-              <a:buNone/>
-            </a:pPr>
-            <a:endParaRPr lang="en-US" dirty="0" smtClean="0"/>
-          </a:p>
-          <a:p>
-            <a:pPr marL="0" indent="0">
-              <a:buNone/>
-            </a:pPr>
-            <a:r>
-              <a:rPr lang="ru-RU" dirty="0"/>
-              <a:t>	</a:t>
-            </a:r>
-            <a:r>
-              <a:rPr lang="en-US" dirty="0" smtClean="0">
-                <a:solidFill>
-                  <a:schemeClr val="accent1"/>
-                </a:solidFill>
-              </a:rPr>
-              <a:t>do</a:t>
-            </a:r>
-            <a:r>
-              <a:rPr lang="en-US" dirty="0" smtClean="0"/>
-              <a:t>  </a:t>
-            </a:r>
-            <a:r>
-              <a:rPr lang="en-US" dirty="0">
-                <a:solidFill>
-                  <a:srgbClr val="00B050"/>
-                </a:solidFill>
-              </a:rPr>
-              <a:t>//</a:t>
-            </a:r>
-            <a:r>
-              <a:rPr lang="ru-RU" dirty="0">
-                <a:solidFill>
-                  <a:srgbClr val="00B050"/>
-                </a:solidFill>
-              </a:rPr>
-              <a:t>основной цикл игры</a:t>
-            </a:r>
-          </a:p>
-          <a:p>
-            <a:pPr marL="0" indent="0">
-              <a:buNone/>
-            </a:pPr>
-            <a:r>
-              <a:rPr lang="en-US" dirty="0"/>
-              <a:t>	</a:t>
-            </a:r>
-            <a:r>
-              <a:rPr lang="en-US" dirty="0" smtClean="0"/>
-              <a:t>{</a:t>
-            </a:r>
-          </a:p>
-          <a:p>
-            <a:pPr marL="0" indent="0">
-              <a:buNone/>
-            </a:pPr>
-            <a:r>
-              <a:rPr lang="en-US" dirty="0"/>
-              <a:t>	</a:t>
-            </a:r>
-            <a:r>
-              <a:rPr lang="en-US" dirty="0" smtClean="0"/>
-              <a:t>	</a:t>
-            </a:r>
-            <a:r>
-              <a:rPr lang="ru-RU" dirty="0" err="1" smtClean="0"/>
-              <a:t>текущийИгрок.СделатьХод</a:t>
-            </a:r>
-            <a:r>
-              <a:rPr lang="ru-RU" dirty="0" smtClean="0"/>
-              <a:t>();</a:t>
-            </a:r>
-            <a:endParaRPr lang="en-US" dirty="0" smtClean="0"/>
-          </a:p>
-          <a:p>
-            <a:pPr marL="0" indent="0">
-              <a:buNone/>
-            </a:pPr>
-            <a:r>
-              <a:rPr lang="en-US" dirty="0"/>
-              <a:t>	</a:t>
-            </a:r>
-            <a:r>
-              <a:rPr lang="en-US" dirty="0" smtClean="0"/>
-              <a:t>	</a:t>
-            </a:r>
-            <a:r>
-              <a:rPr lang="ru-RU" dirty="0" err="1" smtClean="0"/>
-              <a:t>текущийИгрок</a:t>
-            </a:r>
-            <a:r>
-              <a:rPr lang="ru-RU" dirty="0" smtClean="0"/>
               <a:t> = </a:t>
-            </a:r>
-            <a:r>
-              <a:rPr lang="ru-RU" dirty="0" err="1" smtClean="0"/>
-              <a:t>текущийИгрок</a:t>
-            </a:r>
-            <a:r>
-              <a:rPr lang="ru-RU" dirty="0" smtClean="0"/>
-              <a:t> == </a:t>
             </a:r>
             <a:r>
               <a:rPr lang="ru-RU" dirty="0" err="1"/>
@@ -13040,11 +12446,168 @@
             </a:r>
             <a:r>
               <a:rPr lang="ru-RU" dirty="0"/>
+              <a:t>; </a:t>
+            </a:r>
+            <a:r>
+              <a:rPr lang="en-US" dirty="0">
+                <a:solidFill>
+                  <a:srgbClr val="00B050"/>
+                </a:solidFill>
+              </a:rPr>
+              <a:t>//</a:t>
+            </a:r>
+            <a:r>
+              <a:rPr lang="ru-RU" dirty="0">
+                <a:solidFill>
+                  <a:srgbClr val="00B050"/>
+                </a:solidFill>
+              </a:rPr>
+              <a:t>Крестик ходит первым</a:t>
+            </a:r>
+            <a:endParaRPr lang="en-US" dirty="0"/>
+          </a:p>
+          <a:p>
+            <a:pPr marL="0" indent="0">
+              <a:buNone/>
+            </a:pPr>
+            <a:endParaRPr lang="en-US" dirty="0"/>
+          </a:p>
+          <a:p>
+            <a:pPr marL="0" indent="0">
+              <a:buNone/>
+            </a:pPr>
+            <a:r>
+              <a:rPr lang="ru-RU" dirty="0"/>
+              <a:t>	</a:t>
+            </a:r>
+            <a:r>
+              <a:rPr lang="en-US" dirty="0">
+                <a:solidFill>
+                  <a:schemeClr val="accent1"/>
+                </a:solidFill>
+              </a:rPr>
+              <a:t>do</a:t>
+            </a:r>
+            <a:r>
+              <a:rPr lang="en-US" dirty="0"/>
+              <a:t>  </a:t>
+            </a:r>
+            <a:r>
+              <a:rPr lang="en-US" dirty="0">
+                <a:solidFill>
+                  <a:srgbClr val="00B050"/>
+                </a:solidFill>
+              </a:rPr>
+              <a:t>//</a:t>
+            </a:r>
+            <a:r>
+              <a:rPr lang="ru-RU" dirty="0">
+                <a:solidFill>
+                  <a:srgbClr val="00B050"/>
+                </a:solidFill>
+              </a:rPr>
+              <a:t>основной цикл игры</a:t>
+            </a:r>
+          </a:p>
+          <a:p>
+            <a:pPr marL="0" indent="0">
+              <a:buNone/>
+            </a:pPr>
+            <a:r>
+              <a:rPr lang="en-US" dirty="0"/>
+              <a:t>	{</a:t>
+            </a:r>
+          </a:p>
+          <a:p>
+            <a:pPr marL="0" indent="0">
+              <a:buNone/>
+            </a:pPr>
+            <a:r>
+              <a:rPr lang="en-US" dirty="0"/>
+              <a:t>		</a:t>
+            </a:r>
+            <a:r>
+              <a:rPr lang="ru-RU" dirty="0" err="1"/>
+              <a:t>текущийИгрок.СделатьХод</a:t>
+            </a:r>
+            <a:r>
+              <a:rPr lang="ru-RU" dirty="0"/>
+              <a:t>();</a:t>
+            </a:r>
+            <a:endParaRPr lang="en-US" dirty="0"/>
+          </a:p>
+          <a:p>
+            <a:pPr marL="0" indent="0">
+              <a:buNone/>
+            </a:pPr>
+            <a:r>
+              <a:rPr lang="en-US" dirty="0"/>
+              <a:t>		</a:t>
+            </a:r>
+            <a:r>
+              <a:rPr lang="ru-RU" dirty="0" err="1"/>
+              <a:t>текущийИгрок</a:t>
+            </a:r>
+            <a:r>
+              <a:rPr lang="ru-RU" dirty="0"/>
+              <a:t> = </a:t>
+            </a:r>
+            <a:r>
+              <a:rPr lang="ru-RU" dirty="0" err="1"/>
+              <a:t>текущийИгрок</a:t>
+            </a:r>
+            <a:r>
+              <a:rPr lang="ru-RU" dirty="0"/>
+              <a:t> == </a:t>
+            </a:r>
+            <a:r>
+              <a:rPr lang="ru-RU" dirty="0" err="1"/>
+              <a:t>игрокКрестиком</a:t>
+            </a:r>
+            <a:r>
+              <a:rPr lang="ru-RU" dirty="0"/>
+              <a:t> ? </a:t>
+            </a:r>
+          </a:p>
+          <a:p>
+            <a:pPr marL="0" indent="0">
+              <a:buNone/>
+            </a:pPr>
+            <a:r>
+              <a:rPr lang="ru-RU" dirty="0"/>
+              <a:t>			</a:t>
+            </a:r>
+            <a:r>
+              <a:rPr lang="ru-RU" dirty="0" err="1"/>
+              <a:t>игрокНоликом</a:t>
+            </a:r>
+            <a:r>
+              <a:rPr lang="ru-RU" dirty="0"/>
+              <a:t> : </a:t>
+            </a:r>
+            <a:r>
+              <a:rPr lang="ru-RU" dirty="0" err="1"/>
+              <a:t>игрокКрестиком</a:t>
+            </a:r>
+            <a:r>
+              <a:rPr lang="ru-RU" dirty="0"/>
               <a:t> </a:t>
             </a:r>
             <a:r>
-              <a:rPr lang="ru-RU" dirty="0" smtClean="0"/>
-              <a:t>? </a:t>
+              <a:rPr lang="en-US" dirty="0">
+                <a:solidFill>
+                  <a:srgbClr val="00B050"/>
+                </a:solidFill>
+              </a:rPr>
+              <a:t>//</a:t>
+            </a:r>
+            <a:r>
+              <a:rPr lang="ru-RU" dirty="0">
+                <a:solidFill>
+                  <a:srgbClr val="00B050"/>
+                </a:solidFill>
+              </a:rPr>
+              <a:t>меняем текущего</a:t>
             </a:r>
           </a:p>
           <a:p>
@@ -13052,116 +12615,71 @@
               <a:buNone/>
             </a:pPr>
             <a:r>
-              <a:rPr lang="ru-RU" dirty="0"/>
-              <a:t>	</a:t>
-            </a:r>
-            <a:r>
-              <a:rPr lang="ru-RU" dirty="0" smtClean="0"/>
-              <a:t>		</a:t>
-            </a:r>
-            <a:r>
-              <a:rPr lang="ru-RU" dirty="0" err="1" smtClean="0"/>
-              <a:t>игрокНоликом</a:t>
-            </a:r>
-            <a:r>
-              <a:rPr lang="ru-RU" dirty="0" smtClean="0"/>
-              <a:t> : </a:t>
-            </a:r>
-            <a:r>
-              <a:rPr lang="ru-RU" dirty="0" err="1" smtClean="0"/>
-              <a:t>игрокКрестиком</a:t>
-            </a:r>
-            <a:r>
-              <a:rPr lang="ru-RU" dirty="0" smtClean="0"/>
-              <a:t> </a:t>
-            </a:r>
-            <a:r>
-              <a:rPr lang="en-US" dirty="0" smtClean="0">
-                <a:solidFill>
-                  <a:srgbClr val="00B050"/>
-                </a:solidFill>
-              </a:rPr>
-              <a:t>//</a:t>
-            </a:r>
-            <a:r>
-              <a:rPr lang="ru-RU" dirty="0" smtClean="0">
-                <a:solidFill>
-                  <a:srgbClr val="00B050"/>
-                </a:solidFill>
-              </a:rPr>
-              <a:t>меняем текущего</a:t>
-            </a:r>
-          </a:p>
-          <a:p>
-            <a:pPr marL="0" indent="0">
-              <a:buNone/>
-            </a:pPr>
-            <a:r>
-              <a:rPr lang="en-US" dirty="0" smtClean="0"/>
+              <a:rPr lang="en-US" dirty="0"/>
               <a:t>	} </a:t>
             </a:r>
             <a:r>
-              <a:rPr lang="en-US" dirty="0" smtClean="0">
+              <a:rPr lang="en-US" dirty="0">
                 <a:solidFill>
                   <a:schemeClr val="accent1"/>
                 </a:solidFill>
               </a:rPr>
               <a:t>while</a:t>
-            </a:r>
-            <a:r>
-              <a:rPr lang="en-US" dirty="0" smtClean="0"/>
-              <a:t> </a:t>
-            </a:r>
-            <a:r>
-              <a:rPr lang="ru-RU" dirty="0"/>
-              <a:t>(</a:t>
             </a:r>
             <a:r>
               <a:rPr lang="en-US" dirty="0"/>
               <a:t> </a:t>
             </a:r>
             <a:r>
-              <a:rPr lang="ru-RU" dirty="0" smtClean="0"/>
-              <a:t>!</a:t>
-            </a:r>
-            <a:r>
-              <a:rPr lang="ru-RU" dirty="0" err="1" smtClean="0"/>
-              <a:t>игровоеПоле.ЕстьЛиПолнаяЛиния</a:t>
-            </a:r>
-            <a:r>
-              <a:rPr lang="ru-RU" dirty="0"/>
-              <a:t>()</a:t>
+              <a:rPr lang="ru-RU" dirty="0"/>
+              <a:t>(</a:t>
             </a:r>
             <a:r>
               <a:rPr lang="en-US" dirty="0"/>
               <a:t> </a:t>
             </a:r>
             <a:r>
-              <a:rPr lang="ru-RU" dirty="0" smtClean="0"/>
+              <a:rPr lang="ru-RU" dirty="0"/>
+              <a:t>!</a:t>
+            </a:r>
+            <a:r>
+              <a:rPr lang="ru-RU" dirty="0" err="1"/>
+              <a:t>игровоеПоле.ЕстьЛиПолнаяЛиния</a:t>
+            </a:r>
+            <a:r>
+              <a:rPr lang="ru-RU" dirty="0"/>
+              <a:t>()</a:t>
+            </a:r>
+            <a:r>
+              <a:rPr lang="en-US" dirty="0"/>
+              <a:t> </a:t>
+            </a:r>
+            <a:r>
+              <a:rPr lang="ru-RU" dirty="0"/>
               <a:t>)</a:t>
             </a:r>
             <a:r>
               <a:rPr lang="en-US" dirty="0"/>
               <a:t>;</a:t>
             </a:r>
-            <a:endParaRPr lang="ru-RU" dirty="0" smtClean="0"/>
+            <a:endParaRPr lang="ru-RU" dirty="0"/>
           </a:p>
           <a:p>
             <a:pPr marL="0" indent="0">
               <a:buNone/>
             </a:pPr>
-            <a:endParaRPr lang="ru-RU" dirty="0" smtClean="0"/>
+            <a:endParaRPr lang="ru-RU" dirty="0"/>
           </a:p>
           <a:p>
             <a:pPr marL="0" indent="0">
               <a:buNone/>
             </a:pPr>
             <a:r>
-              <a:rPr lang="ru-RU" dirty="0" smtClean="0"/>
+              <a:rPr lang="ru-RU" dirty="0"/>
               <a:t>	</a:t>
             </a:r>
             <a:r>
-              <a:rPr lang="en-US" dirty="0" smtClean="0">
+              <a:rPr lang="en-US" dirty="0">
                 <a:solidFill>
                   <a:srgbClr val="00B050"/>
                 </a:solidFill>
@@ -13169,7 +12687,7 @@
               <a:t>//</a:t>
             </a:r>
             <a:r>
-              <a:rPr lang="ru-RU" dirty="0" smtClean="0">
+              <a:rPr lang="ru-RU" dirty="0">
                 <a:solidFill>
                   <a:srgbClr val="00B050"/>
                 </a:solidFill>
@@ -13177,7 +12695,7 @@
               <a:t>сообщаем </a:t>
             </a:r>
             <a:r>
-              <a:rPr lang="en-US" dirty="0" smtClean="0">
+              <a:rPr lang="en-US" dirty="0">
                 <a:solidFill>
                   <a:srgbClr val="00B050"/>
                 </a:solidFill>
@@ -13198,10 +12716,9 @@
               <a:buNone/>
             </a:pPr>
             <a:r>
-              <a:rPr lang="en-US" dirty="0" smtClean="0"/>
+              <a:rPr lang="en-US" dirty="0"/>
               <a:t>}</a:t>
             </a:r>
-            <a:endParaRPr lang="en-US" dirty="0"/>
           </a:p>
         </p:txBody>
       </p:sp>
@@ -13215,13 +12732,6 @@
   <p:clrMapOvr>
     <a:masterClrMapping/>
   </p:clrMapOvr>
-  <p:timing>
-    <p:tnLst>
-      <p:par>
-        <p:cTn id="1" dur="indefinite" restart="never" nodeType="tmRoot"/>
-      </p:par>
-    </p:tnLst>
-  </p:timing>
 </p:sld>
 </file>
 
@@ -13258,7 +12768,7 @@
           <a:lstStyle/>
           <a:p>
             <a:r>
-              <a:rPr lang="ru-RU" dirty="0" smtClean="0"/>
+              <a:rPr lang="ru-RU" dirty="0"/>
               <a:t>Учебный пример - ТЗ</a:t>
             </a:r>
             <a:endParaRPr lang="en-US" dirty="0"/>
@@ -13363,13 +12873,6 @@
   <p:clrMapOvr>
     <a:masterClrMapping/>
   </p:clrMapOvr>
-  <p:timing>
-    <p:tnLst>
-      <p:par>
-        <p:cTn id="1" dur="indefinite" restart="never" nodeType="tmRoot"/>
-      </p:par>
-    </p:tnLst>
-  </p:timing>
 </p:sld>
 </file>
 
@@ -13408,7 +12911,7 @@
           <a:lstStyle/>
           <a:p>
             <a:r>
-              <a:rPr lang="ru-RU" dirty="0" smtClean="0"/>
+              <a:rPr lang="ru-RU" dirty="0"/>
               <a:t>Реализация классов. Класс Игрок</a:t>
             </a:r>
             <a:endParaRPr lang="en-US" dirty="0"/>
@@ -13441,7 +12944,7 @@
               <a:buNone/>
             </a:pPr>
             <a:r>
-              <a:rPr lang="en-US" dirty="0" smtClean="0">
+              <a:rPr lang="en-US" dirty="0">
                 <a:solidFill>
                   <a:schemeClr val="accent1"/>
                 </a:solidFill>
@@ -13453,10 +12956,10 @@
               <a:t>СделатьХод</a:t>
             </a:r>
             <a:r>
-              <a:rPr lang="ru-RU" dirty="0" smtClean="0"/>
+              <a:rPr lang="ru-RU" dirty="0"/>
               <a:t>()</a:t>
             </a:r>
-            <a:endParaRPr lang="en-US" dirty="0" smtClean="0"/>
+            <a:endParaRPr lang="en-US" dirty="0"/>
           </a:p>
           <a:p>
             <a:pPr marL="0" indent="0">
@@ -13473,49 +12976,32 @@
               <a:buNone/>
             </a:pPr>
             <a:r>
-              <a:rPr lang="en-US" dirty="0" smtClean="0"/>
-              <a:t>	</a:t>
-            </a:r>
-            <a:r>
-              <a:rPr lang="en-US" dirty="0" smtClean="0">
-                <a:solidFill>
-                  <a:srgbClr val="0070C0"/>
-                </a:solidFill>
-              </a:rPr>
-              <a:t>bool</a:t>
-            </a:r>
-            <a:r>
-              <a:rPr lang="en-US" dirty="0" smtClean="0"/>
-              <a:t> success;</a:t>
-            </a:r>
-            <a:r>
-              <a:rPr lang="ru-RU" dirty="0" smtClean="0"/>
-              <a:t> </a:t>
-            </a:r>
-            <a:endParaRPr lang="en-US" dirty="0"/>
-          </a:p>
-          <a:p>
-            <a:pPr marL="0" indent="0">
-              <a:buNone/>
-            </a:pPr>
-            <a:endParaRPr lang="en-US" dirty="0" smtClean="0"/>
-          </a:p>
-          <a:p>
-            <a:pPr marL="0" indent="0">
-              <a:buNone/>
-            </a:pPr>
-            <a:r>
               <a:rPr lang="en-US" dirty="0"/>
               <a:t>	</a:t>
             </a:r>
             <a:r>
-              <a:rPr lang="en-US" dirty="0" smtClean="0">
+              <a:rPr lang="en-US" dirty="0">
                 <a:solidFill>
                   <a:srgbClr val="0070C0"/>
                 </a:solidFill>
               </a:rPr>
-              <a:t>do </a:t>
-            </a:r>
+              <a:t>bool</a:t>
+            </a:r>
+            <a:r>
+              <a:rPr lang="en-US" dirty="0"/>
+              <a:t> success;</a:t>
+            </a:r>
+            <a:r>
+              <a:rPr lang="ru-RU" dirty="0"/>
+              <a:t> </a:t>
+            </a:r>
+            <a:endParaRPr lang="en-US" dirty="0"/>
+          </a:p>
+          <a:p>
+            <a:pPr marL="0" indent="0">
+              <a:buNone/>
+            </a:pPr>
+            <a:endParaRPr lang="en-US" dirty="0"/>
           </a:p>
           <a:p>
             <a:pPr marL="0" indent="0">
@@ -13526,8 +13012,12 @@
               <a:t>	</a:t>
             </a:r>
             <a:r>
-              <a:rPr lang="en-US" dirty="0" smtClean="0"/>
-              <a:t>{</a:t>
+              <a:rPr lang="en-US" dirty="0">
+                <a:solidFill>
+                  <a:srgbClr val="0070C0"/>
+                </a:solidFill>
+              </a:rPr>
+              <a:t>do </a:t>
             </a:r>
           </a:p>
           <a:p>
@@ -13535,15 +13025,24 @@
               <a:buNone/>
             </a:pPr>
             <a:r>
+              <a:rPr lang="en-US" dirty="0"/>
+              <a:t>	{</a:t>
+            </a:r>
+          </a:p>
+          <a:p>
+            <a:pPr marL="0" indent="0">
+              <a:buNone/>
+            </a:pPr>
+            <a:r>
               <a:rPr lang="ru-RU" dirty="0"/>
               <a:t>	</a:t>
             </a:r>
             <a:r>
-              <a:rPr lang="en-US" dirty="0" smtClean="0"/>
+              <a:rPr lang="en-US" dirty="0"/>
               <a:t>	</a:t>
             </a:r>
             <a:r>
-              <a:rPr lang="en-US" dirty="0" smtClean="0">
+              <a:rPr lang="en-US" dirty="0">
                 <a:solidFill>
                   <a:srgbClr val="00B050"/>
                 </a:solidFill>
@@ -13569,7 +13068,7 @@
               <a:buNone/>
             </a:pPr>
             <a:r>
-              <a:rPr lang="en-US" dirty="0" smtClean="0"/>
+              <a:rPr lang="en-US" dirty="0"/>
               <a:t>	</a:t>
             </a:r>
             <a:r>
@@ -13622,11 +13121,11 @@
               <a:t>	</a:t>
             </a:r>
             <a:r>
-              <a:rPr lang="en-US" dirty="0" smtClean="0"/>
+              <a:rPr lang="en-US" dirty="0"/>
               <a:t>	</a:t>
             </a:r>
             <a:r>
-              <a:rPr lang="en-US" dirty="0" err="1" smtClean="0">
+              <a:rPr lang="en-US" dirty="0" err="1">
                 <a:solidFill>
                   <a:srgbClr val="0070C0"/>
                 </a:solidFill>
@@ -13634,7 +13133,7 @@
               <a:t>int</a:t>
             </a:r>
             <a:r>
-              <a:rPr lang="en-US" dirty="0" smtClean="0">
+              <a:rPr lang="en-US" dirty="0">
                 <a:solidFill>
                   <a:srgbClr val="0070C0"/>
                 </a:solidFill>
@@ -13667,7 +13166,7 @@
             <a:pPr marL="0" indent="0">
               <a:buNone/>
             </a:pPr>
-            <a:endParaRPr lang="en-US" dirty="0" smtClean="0"/>
+            <a:endParaRPr lang="en-US" dirty="0"/>
           </a:p>
           <a:p>
             <a:pPr marL="0" indent="0">
@@ -13675,11 +13174,7 @@
             </a:pPr>
             <a:r>
               <a:rPr lang="en-US" dirty="0"/>
-              <a:t>	</a:t>
-            </a:r>
-            <a:r>
-              <a:rPr lang="en-US" dirty="0" smtClean="0"/>
-              <a:t>	</a:t>
+              <a:t>		</a:t>
             </a:r>
             <a:r>
               <a:rPr lang="en-US" dirty="0">
@@ -13687,25 +13182,17 @@
                   <a:srgbClr val="00B050"/>
                 </a:solidFill>
               </a:rPr>
-              <a:t> </a:t>
-            </a:r>
-            <a:r>
-              <a:rPr lang="en-US" dirty="0" smtClean="0">
+              <a:t> //</a:t>
+            </a:r>
+            <a:r>
+              <a:rPr lang="ru-RU" dirty="0">
                 <a:solidFill>
                   <a:srgbClr val="00B050"/>
                 </a:solidFill>
               </a:rPr>
-              <a:t>//</a:t>
-            </a:r>
-            <a:r>
-              <a:rPr lang="ru-RU" dirty="0" smtClean="0">
-                <a:solidFill>
-                  <a:srgbClr val="00B050"/>
-                </a:solidFill>
-              </a:rPr>
               <a:t>пробуем сделать ход в эту клетку</a:t>
             </a:r>
-            <a:endParaRPr lang="en-US" dirty="0" smtClean="0"/>
+            <a:endParaRPr lang="en-US" dirty="0"/>
           </a:p>
           <a:p>
             <a:pPr marL="0" indent="0">
@@ -13713,37 +13200,29 @@
             </a:pPr>
             <a:r>
               <a:rPr lang="en-US" dirty="0"/>
-              <a:t>	</a:t>
-            </a:r>
-            <a:r>
-              <a:rPr lang="en-US" dirty="0" smtClean="0"/>
-              <a:t>	success = </a:t>
-            </a:r>
-            <a:r>
-              <a:rPr lang="ru-RU" dirty="0" err="1" smtClean="0"/>
+              <a:t>		success = </a:t>
+            </a:r>
+            <a:r>
+              <a:rPr lang="ru-RU" dirty="0" err="1"/>
               <a:t>ТекущаяИгра.ПолучитьПоле</a:t>
             </a:r>
             <a:r>
-              <a:rPr lang="ru-RU" dirty="0" smtClean="0"/>
+              <a:rPr lang="ru-RU" dirty="0"/>
               <a:t>().</a:t>
             </a:r>
-            <a:r>
-              <a:rPr lang="en-US" dirty="0" smtClean="0"/>
-              <a:t/>
-            </a:r>
             <a:br>
-              <a:rPr lang="en-US" dirty="0" smtClean="0"/>
+              <a:rPr lang="en-US" dirty="0"/>
             </a:br>
             <a:r>
-              <a:rPr lang="en-US" dirty="0" smtClean="0"/>
+              <a:rPr lang="en-US" dirty="0"/>
               <a:t>			</a:t>
             </a:r>
             <a:r>
-              <a:rPr lang="ru-RU" dirty="0" err="1" smtClean="0"/>
+              <a:rPr lang="ru-RU" dirty="0" err="1"/>
               <a:t>ПолучитьКлетку</a:t>
             </a:r>
             <a:r>
-              <a:rPr lang="ru-RU" dirty="0" smtClean="0"/>
+              <a:rPr lang="ru-RU" dirty="0"/>
               <a:t>(</a:t>
             </a:r>
             <a:r>
@@ -13767,7 +13246,7 @@
               <a:t>МойЗнак</a:t>
             </a:r>
             <a:r>
-              <a:rPr lang="ru-RU" dirty="0" smtClean="0"/>
+              <a:rPr lang="ru-RU" dirty="0"/>
               <a:t>))</a:t>
             </a:r>
             <a:r>
@@ -13781,11 +13260,11 @@
               <a:buNone/>
             </a:pPr>
             <a:r>
-              <a:rPr lang="en-US" dirty="0" smtClean="0"/>
+              <a:rPr lang="en-US" dirty="0"/>
               <a:t>	} </a:t>
             </a:r>
             <a:r>
-              <a:rPr lang="en-US" dirty="0" smtClean="0">
+              <a:rPr lang="en-US" dirty="0">
                 <a:solidFill>
                   <a:srgbClr val="0070C0"/>
                 </a:solidFill>
@@ -13793,15 +13272,15 @@
               <a:t>while</a:t>
             </a:r>
             <a:r>
-              <a:rPr lang="en-US" dirty="0" smtClean="0"/>
+              <a:rPr lang="en-US" dirty="0"/>
               <a:t> (!success);</a:t>
             </a:r>
             <a:r>
-              <a:rPr lang="ru-RU" dirty="0" smtClean="0"/>
+              <a:rPr lang="ru-RU" dirty="0"/>
               <a:t> </a:t>
             </a:r>
             <a:r>
-              <a:rPr lang="en-US" dirty="0" smtClean="0">
+              <a:rPr lang="en-US" dirty="0">
                 <a:solidFill>
                   <a:srgbClr val="00B050"/>
                 </a:solidFill>
@@ -13809,7 +13288,7 @@
               <a:t>//</a:t>
             </a:r>
             <a:r>
-              <a:rPr lang="ru-RU" dirty="0" smtClean="0">
+              <a:rPr lang="ru-RU" dirty="0">
                 <a:solidFill>
                   <a:srgbClr val="00B050"/>
                 </a:solidFill>
@@ -13823,10 +13302,9 @@
               <a:buNone/>
             </a:pPr>
             <a:r>
-              <a:rPr lang="en-US" dirty="0" smtClean="0"/>
+              <a:rPr lang="en-US" dirty="0"/>
               <a:t>}</a:t>
             </a:r>
-            <a:endParaRPr lang="en-US" dirty="0"/>
           </a:p>
         </p:txBody>
       </p:sp>
@@ -13840,13 +13318,6 @@
   <p:clrMapOvr>
     <a:masterClrMapping/>
   </p:clrMapOvr>
-  <p:timing>
-    <p:tnLst>
-      <p:par>
-        <p:cTn id="1" dur="indefinite" restart="never" nodeType="tmRoot"/>
-      </p:par>
-    </p:tnLst>
-  </p:timing>
 </p:sld>
 </file>
 
@@ -13885,7 +13356,7 @@
           <a:lstStyle/>
           <a:p>
             <a:r>
-              <a:rPr lang="ru-RU" dirty="0" smtClean="0"/>
+              <a:rPr lang="ru-RU" dirty="0"/>
               <a:t>Реализация классов. Класс Клетка</a:t>
             </a:r>
             <a:endParaRPr lang="en-US" dirty="0"/>
@@ -13918,7 +13389,7 @@
               <a:buNone/>
             </a:pPr>
             <a:r>
-              <a:rPr lang="en-US" dirty="0" smtClean="0">
+              <a:rPr lang="en-US" dirty="0">
                 <a:solidFill>
                   <a:schemeClr val="accent1"/>
                 </a:solidFill>
@@ -13926,39 +13397,39 @@
               <a:t>public bool </a:t>
             </a:r>
             <a:r>
-              <a:rPr lang="ru-RU" dirty="0" smtClean="0"/>
+              <a:rPr lang="ru-RU" dirty="0"/>
               <a:t>Поставить(</a:t>
             </a:r>
             <a:r>
-              <a:rPr lang="ru-RU" dirty="0" err="1" smtClean="0"/>
+              <a:rPr lang="ru-RU" dirty="0" err="1"/>
               <a:t>новыйЗнак</a:t>
             </a:r>
             <a:r>
-              <a:rPr lang="ru-RU" dirty="0" smtClean="0"/>
+              <a:rPr lang="ru-RU" dirty="0"/>
               <a:t> : Знак)</a:t>
             </a:r>
-            <a:endParaRPr lang="en-US" dirty="0" smtClean="0"/>
+            <a:endParaRPr lang="en-US" dirty="0"/>
           </a:p>
           <a:p>
             <a:pPr marL="0" indent="0">
               <a:buNone/>
             </a:pPr>
             <a:r>
-              <a:rPr lang="en-US" dirty="0" smtClean="0"/>
+              <a:rPr lang="en-US" dirty="0"/>
               <a:t>{</a:t>
             </a:r>
-            <a:endParaRPr lang="ru-RU" dirty="0" smtClean="0"/>
+            <a:endParaRPr lang="ru-RU" dirty="0"/>
           </a:p>
           <a:p>
             <a:pPr marL="0" indent="0">
               <a:buNone/>
             </a:pPr>
             <a:r>
-              <a:rPr lang="ru-RU" dirty="0" smtClean="0"/>
+              <a:rPr lang="ru-RU" dirty="0"/>
               <a:t>	</a:t>
             </a:r>
             <a:r>
-              <a:rPr lang="en-US" dirty="0" smtClean="0">
+              <a:rPr lang="en-US" dirty="0">
                 <a:solidFill>
                   <a:srgbClr val="0070C0"/>
                 </a:solidFill>
@@ -13966,31 +13437,31 @@
               <a:t>if</a:t>
             </a:r>
             <a:r>
-              <a:rPr lang="en-US" dirty="0" smtClean="0"/>
+              <a:rPr lang="en-US" dirty="0"/>
               <a:t> (</a:t>
             </a:r>
             <a:r>
-              <a:rPr lang="ru-RU" dirty="0" smtClean="0"/>
+              <a:rPr lang="ru-RU" dirty="0"/>
               <a:t>Проверить(</a:t>
             </a:r>
             <a:r>
-              <a:rPr lang="ru-RU" dirty="0" err="1" smtClean="0"/>
+              <a:rPr lang="ru-RU" dirty="0" err="1"/>
               <a:t>новыйЗнак</a:t>
             </a:r>
             <a:r>
-              <a:rPr lang="ru-RU" dirty="0" smtClean="0"/>
+              <a:rPr lang="ru-RU" dirty="0"/>
               <a:t>)</a:t>
             </a:r>
             <a:r>
-              <a:rPr lang="en-US" dirty="0" smtClean="0"/>
+              <a:rPr lang="en-US" dirty="0"/>
               <a:t>)</a:t>
             </a:r>
             <a:r>
-              <a:rPr lang="ru-RU" dirty="0" smtClean="0"/>
+              <a:rPr lang="ru-RU" dirty="0"/>
               <a:t> </a:t>
             </a:r>
             <a:r>
-              <a:rPr lang="en-US" dirty="0" smtClean="0">
+              <a:rPr lang="en-US" dirty="0">
                 <a:solidFill>
                   <a:srgbClr val="00B050"/>
                 </a:solidFill>
@@ -13998,21 +13469,21 @@
               <a:t>//</a:t>
             </a:r>
             <a:r>
-              <a:rPr lang="ru-RU" dirty="0" smtClean="0">
+              <a:rPr lang="ru-RU" dirty="0">
                 <a:solidFill>
                   <a:srgbClr val="00B050"/>
                 </a:solidFill>
               </a:rPr>
               <a:t>если разрешено ставить, то ставим</a:t>
             </a:r>
-            <a:endParaRPr lang="ru-RU" dirty="0" smtClean="0"/>
+            <a:endParaRPr lang="ru-RU" dirty="0"/>
           </a:p>
           <a:p>
             <a:pPr marL="0" indent="0">
               <a:buNone/>
             </a:pPr>
             <a:r>
-              <a:rPr lang="en-US" dirty="0" smtClean="0"/>
+              <a:rPr lang="en-US" dirty="0"/>
               <a:t>	{</a:t>
             </a:r>
           </a:p>
@@ -14021,23 +13492,23 @@
               <a:buNone/>
             </a:pPr>
             <a:r>
-              <a:rPr lang="en-US" dirty="0" smtClean="0"/>
+              <a:rPr lang="en-US" dirty="0"/>
               <a:t>		</a:t>
             </a:r>
             <a:r>
-              <a:rPr lang="ru-RU" dirty="0" err="1" smtClean="0"/>
+              <a:rPr lang="ru-RU" dirty="0" err="1"/>
               <a:t>ЗнакВКлетке</a:t>
             </a:r>
             <a:r>
-              <a:rPr lang="ru-RU" dirty="0" smtClean="0"/>
+              <a:rPr lang="ru-RU" dirty="0"/>
               <a:t> = </a:t>
             </a:r>
             <a:r>
-              <a:rPr lang="ru-RU" dirty="0" err="1" smtClean="0"/>
+              <a:rPr lang="ru-RU" dirty="0" err="1"/>
               <a:t>новыйЗнак</a:t>
             </a:r>
             <a:r>
-              <a:rPr lang="ru-RU" dirty="0" smtClean="0"/>
+              <a:rPr lang="ru-RU" dirty="0"/>
               <a:t>;</a:t>
             </a:r>
           </a:p>
@@ -14046,19 +13517,19 @@
               <a:buNone/>
             </a:pPr>
             <a:r>
-              <a:rPr lang="ru-RU" dirty="0" smtClean="0"/>
+              <a:rPr lang="ru-RU" dirty="0"/>
               <a:t>		</a:t>
             </a:r>
             <a:r>
-              <a:rPr lang="ru-RU" dirty="0" err="1" smtClean="0"/>
+              <a:rPr lang="ru-RU" dirty="0" err="1"/>
               <a:t>МоёПоле.Обновить</a:t>
             </a:r>
             <a:r>
-              <a:rPr lang="ru-RU" dirty="0" smtClean="0"/>
+              <a:rPr lang="ru-RU" dirty="0"/>
               <a:t>(); </a:t>
             </a:r>
             <a:r>
-              <a:rPr lang="en-US" dirty="0" smtClean="0">
+              <a:rPr lang="en-US" dirty="0">
                 <a:solidFill>
                   <a:srgbClr val="00B050"/>
                 </a:solidFill>
@@ -14066,25 +13537,25 @@
               <a:t>//</a:t>
             </a:r>
             <a:r>
-              <a:rPr lang="ru-RU" dirty="0" smtClean="0">
+              <a:rPr lang="ru-RU" dirty="0">
                 <a:solidFill>
                   <a:srgbClr val="00B050"/>
                 </a:solidFill>
               </a:rPr>
               <a:t>вызываем перерисовку поля</a:t>
             </a:r>
-            <a:endParaRPr lang="en-US" dirty="0" smtClean="0"/>
+            <a:endParaRPr lang="en-US" dirty="0"/>
           </a:p>
           <a:p>
             <a:pPr marL="0" indent="0">
               <a:buNone/>
             </a:pPr>
             <a:r>
-              <a:rPr lang="en-US" dirty="0" smtClean="0"/>
+              <a:rPr lang="en-US" dirty="0"/>
               <a:t>		</a:t>
             </a:r>
             <a:r>
-              <a:rPr lang="en-US" dirty="0" smtClean="0">
+              <a:rPr lang="en-US" dirty="0">
                 <a:solidFill>
                   <a:srgbClr val="0070C0"/>
                 </a:solidFill>
@@ -14097,7 +13568,7 @@
               <a:buNone/>
             </a:pPr>
             <a:r>
-              <a:rPr lang="en-US" dirty="0" smtClean="0"/>
+              <a:rPr lang="en-US" dirty="0"/>
               <a:t>	}</a:t>
             </a:r>
           </a:p>
@@ -14106,11 +13577,11 @@
               <a:buNone/>
             </a:pPr>
             <a:r>
-              <a:rPr lang="en-US" dirty="0" smtClean="0"/>
+              <a:rPr lang="en-US" dirty="0"/>
               <a:t>	</a:t>
             </a:r>
             <a:r>
-              <a:rPr lang="en-US" dirty="0" smtClean="0">
+              <a:rPr lang="en-US" dirty="0">
                 <a:solidFill>
                   <a:srgbClr val="0070C0"/>
                 </a:solidFill>
@@ -14118,15 +13589,15 @@
               <a:t>else return false</a:t>
             </a:r>
             <a:r>
-              <a:rPr lang="en-US" dirty="0" smtClean="0"/>
+              <a:rPr lang="en-US" dirty="0"/>
               <a:t>;</a:t>
             </a:r>
             <a:r>
-              <a:rPr lang="ru-RU" dirty="0" smtClean="0"/>
+              <a:rPr lang="ru-RU" dirty="0"/>
               <a:t> </a:t>
             </a:r>
             <a:r>
-              <a:rPr lang="en-US" dirty="0" smtClean="0">
+              <a:rPr lang="en-US" dirty="0">
                 <a:solidFill>
                   <a:srgbClr val="00B050"/>
                 </a:solidFill>
@@ -14134,92 +13605,80 @@
               <a:t>//</a:t>
             </a:r>
             <a:r>
-              <a:rPr lang="ru-RU" dirty="0" smtClean="0">
+              <a:rPr lang="ru-RU" dirty="0">
                 <a:solidFill>
                   <a:srgbClr val="00B050"/>
                 </a:solidFill>
               </a:rPr>
               <a:t>иначе, говорим, что не смогли</a:t>
             </a:r>
-            <a:endParaRPr lang="en-US" dirty="0" smtClean="0"/>
+            <a:endParaRPr lang="en-US" dirty="0"/>
           </a:p>
           <a:p>
             <a:pPr marL="0" indent="0">
               <a:buNone/>
             </a:pPr>
             <a:r>
-              <a:rPr lang="en-US" dirty="0" smtClean="0"/>
+              <a:rPr lang="en-US" dirty="0"/>
               <a:t>}</a:t>
             </a:r>
-            <a:endParaRPr lang="ru-RU" dirty="0" smtClean="0"/>
+            <a:endParaRPr lang="ru-RU" dirty="0"/>
           </a:p>
           <a:p>
             <a:pPr marL="0" indent="0">
               <a:buNone/>
             </a:pPr>
-            <a:endParaRPr lang="ru-RU" dirty="0" smtClean="0"/>
+            <a:endParaRPr lang="ru-RU" dirty="0"/>
           </a:p>
           <a:p>
             <a:pPr marL="0" indent="0">
               <a:buNone/>
             </a:pPr>
             <a:r>
-              <a:rPr lang="en-US" dirty="0" smtClean="0">
+              <a:rPr lang="en-US" dirty="0">
                 <a:solidFill>
                   <a:schemeClr val="accent1"/>
                 </a:solidFill>
               </a:rPr>
-              <a:t>private </a:t>
-            </a:r>
+              <a:t>private bool </a:t>
+            </a:r>
+            <a:r>
+              <a:rPr lang="ru-RU" dirty="0"/>
+              <a:t>Проверить(</a:t>
+            </a:r>
+            <a:r>
+              <a:rPr lang="ru-RU" dirty="0" err="1"/>
+              <a:t>новыйЗнак</a:t>
+            </a:r>
+            <a:r>
+              <a:rPr lang="ru-RU" dirty="0"/>
+              <a:t> : Знак)</a:t>
+            </a:r>
+            <a:endParaRPr lang="en-US" dirty="0"/>
+          </a:p>
+          <a:p>
+            <a:pPr marL="0" indent="0">
+              <a:buNone/>
+            </a:pPr>
+            <a:r>
+              <a:rPr lang="en-US" dirty="0"/>
+              <a:t>{</a:t>
+            </a:r>
+          </a:p>
+          <a:p>
+            <a:pPr marL="0" indent="0">
+              <a:buNone/>
+            </a:pPr>
             <a:r>
               <a:rPr lang="en-US" dirty="0">
                 <a:solidFill>
-                  <a:schemeClr val="accent1"/>
-                </a:solidFill>
-              </a:rPr>
-              <a:t>bool </a:t>
-            </a:r>
-            <a:r>
-              <a:rPr lang="ru-RU" dirty="0" smtClean="0"/>
-              <a:t>Проверить(</a:t>
-            </a:r>
-            <a:r>
-              <a:rPr lang="ru-RU" dirty="0" err="1" smtClean="0"/>
-              <a:t>новыйЗнак</a:t>
-            </a:r>
-            <a:r>
-              <a:rPr lang="ru-RU" dirty="0" smtClean="0"/>
-              <a:t> </a:t>
-            </a:r>
-            <a:r>
-              <a:rPr lang="ru-RU" dirty="0"/>
-              <a:t>: Знак)</a:t>
-            </a:r>
-            <a:endParaRPr lang="en-US" dirty="0"/>
-          </a:p>
-          <a:p>
-            <a:pPr marL="0" indent="0">
-              <a:buNone/>
-            </a:pPr>
-            <a:r>
-              <a:rPr lang="en-US" dirty="0" smtClean="0"/>
-              <a:t>{</a:t>
-            </a:r>
-          </a:p>
-          <a:p>
-            <a:pPr marL="0" indent="0">
-              <a:buNone/>
-            </a:pPr>
-            <a:r>
-              <a:rPr lang="en-US" dirty="0" smtClean="0">
-                <a:solidFill>
                   <a:srgbClr val="00B050"/>
                 </a:solidFill>
               </a:rPr>
               <a:t>	//</a:t>
             </a:r>
             <a:r>
-              <a:rPr lang="ru-RU" dirty="0" smtClean="0">
+              <a:rPr lang="ru-RU" dirty="0">
                 <a:solidFill>
                   <a:srgbClr val="00B050"/>
                 </a:solidFill>
@@ -14237,11 +13696,11 @@
               <a:buNone/>
             </a:pPr>
             <a:r>
-              <a:rPr lang="ru-RU" dirty="0" smtClean="0"/>
+              <a:rPr lang="ru-RU" dirty="0"/>
               <a:t>	</a:t>
             </a:r>
             <a:r>
-              <a:rPr lang="en-US" dirty="0" smtClean="0">
+              <a:rPr lang="en-US" dirty="0">
                 <a:solidFill>
                   <a:srgbClr val="0070C0"/>
                 </a:solidFill>
@@ -14249,23 +13708,23 @@
               <a:t>return</a:t>
             </a:r>
             <a:r>
-              <a:rPr lang="en-US" dirty="0" smtClean="0"/>
+              <a:rPr lang="en-US" dirty="0"/>
               <a:t> </a:t>
             </a:r>
             <a:r>
-              <a:rPr lang="ru-RU" dirty="0" err="1" smtClean="0"/>
+              <a:rPr lang="ru-RU" dirty="0" err="1"/>
               <a:t>ЗнакВКлетке</a:t>
             </a:r>
             <a:r>
-              <a:rPr lang="ru-RU" dirty="0" smtClean="0"/>
+              <a:rPr lang="ru-RU" dirty="0"/>
               <a:t> == </a:t>
             </a:r>
             <a:r>
-              <a:rPr lang="ru-RU" dirty="0" err="1" smtClean="0"/>
+              <a:rPr lang="ru-RU" dirty="0" err="1"/>
               <a:t>Знак.Пусто</a:t>
             </a:r>
             <a:r>
-              <a:rPr lang="en-US" dirty="0" smtClean="0"/>
+              <a:rPr lang="en-US" dirty="0"/>
               <a:t>;</a:t>
             </a:r>
           </a:p>
@@ -14274,7 +13733,7 @@
               <a:buNone/>
             </a:pPr>
             <a:r>
-              <a:rPr lang="en-US" dirty="0" smtClean="0"/>
+              <a:rPr lang="en-US" dirty="0"/>
               <a:t>}</a:t>
             </a:r>
             <a:endParaRPr lang="ru-RU" dirty="0"/>
@@ -14297,13 +13756,6 @@
   <p:clrMapOvr>
     <a:masterClrMapping/>
   </p:clrMapOvr>
-  <p:timing>
-    <p:tnLst>
-      <p:par>
-        <p:cTn id="1" dur="indefinite" restart="never" nodeType="tmRoot"/>
-      </p:par>
-    </p:tnLst>
-  </p:timing>
 </p:sld>
 </file>
 
@@ -14340,7 +13792,7 @@
           <a:lstStyle/>
           <a:p>
             <a:r>
-              <a:rPr lang="ru-RU" dirty="0" smtClean="0"/>
+              <a:rPr lang="ru-RU" dirty="0"/>
               <a:t>Изменения в модели</a:t>
             </a:r>
             <a:endParaRPr lang="en-US" dirty="0"/>
@@ -14400,13 +13852,6 @@
   <p:clrMapOvr>
     <a:masterClrMapping/>
   </p:clrMapOvr>
-  <p:timing>
-    <p:tnLst>
-      <p:par>
-        <p:cTn id="1" dur="indefinite" restart="never" nodeType="tmRoot"/>
-      </p:par>
-    </p:tnLst>
-  </p:timing>
 </p:sld>
 </file>
 
@@ -14445,7 +13890,7 @@
           <a:lstStyle/>
           <a:p>
             <a:r>
-              <a:rPr lang="ru-RU" dirty="0" smtClean="0"/>
+              <a:rPr lang="ru-RU" dirty="0"/>
               <a:t>Расширяем сценарии использования</a:t>
             </a:r>
             <a:endParaRPr lang="en-US" dirty="0"/>
@@ -14488,13 +13933,6 @@
   <p:clrMapOvr>
     <a:masterClrMapping/>
   </p:clrMapOvr>
-  <p:timing>
-    <p:tnLst>
-      <p:par>
-        <p:cTn id="1" dur="indefinite" restart="never" nodeType="tmRoot"/>
-      </p:par>
-    </p:tnLst>
-  </p:timing>
 </p:sld>
 </file>
 
@@ -14533,7 +13971,7 @@
           <a:lstStyle/>
           <a:p>
             <a:r>
-              <a:rPr lang="ru-RU" dirty="0" smtClean="0"/>
+              <a:rPr lang="ru-RU" dirty="0"/>
               <a:t>Вспоминаем модель предметной области</a:t>
             </a:r>
             <a:endParaRPr lang="en-US" dirty="0"/>
@@ -14579,13 +14017,6 @@
   <p:clrMapOvr>
     <a:masterClrMapping/>
   </p:clrMapOvr>
-  <p:timing>
-    <p:tnLst>
-      <p:par>
-        <p:cTn id="1" dur="indefinite" restart="never" nodeType="tmRoot"/>
-      </p:par>
-    </p:tnLst>
-  </p:timing>
 </p:sld>
 </file>
 
@@ -14622,7 +14053,7 @@
           <a:lstStyle/>
           <a:p>
             <a:r>
-              <a:rPr lang="ru-RU" dirty="0" smtClean="0"/>
+              <a:rPr lang="ru-RU" dirty="0"/>
               <a:t>Расширяем диаграмму классов</a:t>
             </a:r>
             <a:endParaRPr lang="en-US" dirty="0"/>
@@ -14665,13 +14096,6 @@
   <p:clrMapOvr>
     <a:masterClrMapping/>
   </p:clrMapOvr>
-  <p:timing>
-    <p:tnLst>
-      <p:par>
-        <p:cTn id="1" dur="indefinite" restart="never" nodeType="tmRoot"/>
-      </p:par>
-    </p:tnLst>
-  </p:timing>
 </p:sld>
 </file>
 
@@ -14708,7 +14132,7 @@
           <a:lstStyle/>
           <a:p>
             <a:r>
-              <a:rPr lang="ru-RU" dirty="0" smtClean="0"/>
+              <a:rPr lang="ru-RU" dirty="0"/>
               <a:t>Расширяем код классов</a:t>
             </a:r>
             <a:endParaRPr lang="en-US" dirty="0"/>
@@ -14738,7 +14162,7 @@
           <a:lstStyle/>
           <a:p>
             <a:r>
-              <a:rPr lang="ru-RU" dirty="0" smtClean="0"/>
+              <a:rPr lang="ru-RU" dirty="0"/>
               <a:t>Класс Игрок</a:t>
             </a:r>
           </a:p>
@@ -14755,11 +14179,11 @@
               <a:t>public </a:t>
             </a:r>
             <a:r>
-              <a:rPr lang="ru-RU" b="1" dirty="0" smtClean="0"/>
+              <a:rPr lang="ru-RU" b="1" dirty="0"/>
               <a:t>Ход</a:t>
             </a:r>
             <a:r>
-              <a:rPr lang="ru-RU" dirty="0" smtClean="0">
+              <a:rPr lang="ru-RU" dirty="0">
                 <a:solidFill>
                   <a:schemeClr val="accent1"/>
                 </a:solidFill>
@@ -14767,7 +14191,7 @@
               <a:t> </a:t>
             </a:r>
             <a:r>
-              <a:rPr lang="ru-RU" dirty="0" err="1" smtClean="0"/>
+              <a:rPr lang="ru-RU" dirty="0" err="1"/>
               <a:t>СделатьХод</a:t>
             </a:r>
             <a:r>
@@ -14952,10 +14376,6 @@
             <a:r>
               <a:rPr lang="ru-RU" dirty="0"/>
               <a:t>().</a:t>
-            </a:r>
-            <a:r>
-              <a:rPr lang="en-US" dirty="0"/>
-              <a:t/>
             </a:r>
             <a:br>
               <a:rPr lang="en-US" dirty="0"/>
@@ -15026,7 +14446,6 @@
               <a:rPr lang="ru-RU" dirty="0"/>
               <a:t> </a:t>
             </a:r>
-            <a:endParaRPr lang="ru-RU" dirty="0" smtClean="0"/>
           </a:p>
           <a:p>
             <a:pPr marL="400050" lvl="1" indent="0">
@@ -15045,7 +14464,7 @@
               <a:t>return</a:t>
             </a:r>
             <a:r>
-              <a:rPr lang="en-US" b="1" dirty="0" smtClean="0"/>
+              <a:rPr lang="en-US" b="1" dirty="0"/>
               <a:t> </a:t>
             </a:r>
             <a:r>
@@ -15057,47 +14476,42 @@
               <a:t>new</a:t>
             </a:r>
             <a:r>
-              <a:rPr lang="en-US" b="1" dirty="0" smtClean="0"/>
+              <a:rPr lang="en-US" b="1" dirty="0"/>
               <a:t> </a:t>
             </a:r>
             <a:r>
-              <a:rPr lang="ru-RU" b="1" dirty="0" smtClean="0"/>
+              <a:rPr lang="ru-RU" b="1" dirty="0"/>
               <a:t>Ход(</a:t>
             </a:r>
             <a:r>
-              <a:rPr lang="en-US" b="1" dirty="0" smtClean="0"/>
+              <a:rPr lang="en-US" b="1" dirty="0"/>
               <a:t>X, Y, </a:t>
             </a:r>
             <a:r>
-              <a:rPr lang="ru-RU" b="1" dirty="0" err="1" smtClean="0"/>
+              <a:rPr lang="ru-RU" b="1" dirty="0" err="1"/>
               <a:t>МойЗнак</a:t>
             </a:r>
             <a:r>
-              <a:rPr lang="ru-RU" b="1" dirty="0" smtClean="0"/>
+              <a:rPr lang="ru-RU" b="1" dirty="0"/>
               <a:t>)</a:t>
             </a:r>
             <a:r>
-              <a:rPr lang="en-US" b="1" dirty="0" smtClean="0"/>
+              <a:rPr lang="en-US" b="1" dirty="0"/>
               <a:t>;</a:t>
             </a:r>
-            <a:endParaRPr lang="en-US" b="1" dirty="0"/>
           </a:p>
           <a:p>
             <a:pPr marL="400050" lvl="1" indent="0">
               <a:buNone/>
             </a:pPr>
             <a:r>
-              <a:rPr lang="en-US" dirty="0" smtClean="0"/>
+              <a:rPr lang="en-US" dirty="0"/>
               <a:t>}</a:t>
             </a:r>
-            <a:r>
-              <a:rPr lang="ru-RU" dirty="0" smtClean="0"/>
-              <a:t/>
-            </a:r>
             <a:br>
-              <a:rPr lang="ru-RU" dirty="0" smtClean="0"/>
+              <a:rPr lang="ru-RU" dirty="0"/>
             </a:br>
-            <a:endParaRPr lang="ru-RU" dirty="0" smtClean="0"/>
+            <a:endParaRPr lang="ru-RU" dirty="0"/>
           </a:p>
           <a:p>
             <a:r>
@@ -15279,10 +14693,6 @@
             <a:r>
               <a:rPr lang="en-US" dirty="0"/>
               <a:t>;</a:t>
-            </a:r>
-            <a:r>
-              <a:rPr lang="ru-RU" dirty="0"/>
-              <a:t/>
             </a:r>
             <a:br>
               <a:rPr lang="ru-RU" dirty="0"/>
@@ -15307,13 +14717,6 @@
   <p:clrMapOvr>
     <a:masterClrMapping/>
   </p:clrMapOvr>
-  <p:timing>
-    <p:tnLst>
-      <p:par>
-        <p:cTn id="1" dur="indefinite" restart="never" nodeType="tmRoot"/>
-      </p:par>
-    </p:tnLst>
-  </p:timing>
 </p:sld>
 </file>
 
@@ -15352,7 +14755,7 @@
           <a:lstStyle/>
           <a:p>
             <a:r>
-              <a:rPr lang="ru-RU" dirty="0" smtClean="0"/>
+              <a:rPr lang="ru-RU" dirty="0"/>
               <a:t>А как же наследование и полиморфизм?</a:t>
             </a:r>
             <a:endParaRPr lang="en-US" dirty="0"/>
@@ -15395,13 +14798,6 @@
   <p:clrMapOvr>
     <a:masterClrMapping/>
   </p:clrMapOvr>
-  <p:timing>
-    <p:tnLst>
-      <p:par>
-        <p:cTn id="1" dur="indefinite" restart="never" nodeType="tmRoot"/>
-      </p:par>
-    </p:tnLst>
-  </p:timing>
 </p:sld>
 </file>
 
@@ -15440,7 +14836,7 @@
           <a:lstStyle/>
           <a:p>
             <a:r>
-              <a:rPr lang="ru-RU" dirty="0" smtClean="0"/>
+              <a:rPr lang="ru-RU" dirty="0"/>
               <a:t>Класс Игра (вариант с отдельными классами Игроков)</a:t>
             </a:r>
             <a:endParaRPr lang="en-US" dirty="0"/>
@@ -15465,7 +14861,7 @@
         </p:spPr>
         <p:txBody>
           <a:bodyPr>
-            <a:normAutofit fontScale="55000" lnSpcReduction="20000"/>
+            <a:normAutofit fontScale="47500" lnSpcReduction="20000"/>
           </a:bodyPr>
           <a:lstStyle/>
           <a:p>
@@ -15473,7 +14869,7 @@
               <a:buNone/>
             </a:pPr>
             <a:r>
-              <a:rPr lang="en-US" dirty="0" smtClean="0">
+              <a:rPr lang="en-US" dirty="0">
                 <a:solidFill>
                   <a:schemeClr val="accent1"/>
                 </a:solidFill>
@@ -15492,17 +14888,17 @@
               <a:rPr lang="ru-RU" dirty="0"/>
               <a:t>()</a:t>
             </a:r>
-            <a:endParaRPr lang="en-US" dirty="0" smtClean="0"/>
+            <a:endParaRPr lang="en-US" dirty="0"/>
           </a:p>
           <a:p>
             <a:pPr marL="0" indent="0">
               <a:buNone/>
             </a:pPr>
             <a:r>
-              <a:rPr lang="en-US" dirty="0" smtClean="0"/>
+              <a:rPr lang="en-US" dirty="0"/>
               <a:t>{</a:t>
             </a:r>
-            <a:endParaRPr lang="ru-RU" dirty="0" smtClean="0"/>
+            <a:endParaRPr lang="ru-RU" dirty="0"/>
           </a:p>
           <a:p>
             <a:pPr marL="0" indent="0">
@@ -15513,7 +14909,7 @@
               <a:t>	</a:t>
             </a:r>
             <a:r>
-              <a:rPr lang="en-US" dirty="0" smtClean="0">
+              <a:rPr lang="en-US" dirty="0">
                 <a:solidFill>
                   <a:srgbClr val="00B050"/>
                 </a:solidFill>
@@ -15521,14 +14917,14 @@
               <a:t>//</a:t>
             </a:r>
             <a:r>
-              <a:rPr lang="ru-RU" dirty="0" smtClean="0">
+              <a:rPr lang="ru-RU" dirty="0">
                 <a:solidFill>
                   <a:srgbClr val="00B050"/>
                 </a:solidFill>
               </a:rPr>
               <a:t>инициализация</a:t>
             </a:r>
-            <a:endParaRPr lang="en-US" dirty="0" smtClean="0">
+            <a:endParaRPr lang="en-US" dirty="0">
               <a:solidFill>
                 <a:srgbClr val="00B050"/>
               </a:solidFill>
@@ -15543,7 +14939,7 @@
               <a:t>	</a:t>
             </a:r>
             <a:r>
-              <a:rPr lang="ru-RU" dirty="0" smtClean="0"/>
+              <a:rPr lang="ru-RU" dirty="0"/>
               <a:t>Поле </a:t>
             </a:r>
             <a:r>
@@ -15552,26 +14948,22 @@
             </a:r>
             <a:r>
               <a:rPr lang="ru-RU" dirty="0"/>
+              <a:t> = </a:t>
+            </a:r>
+            <a:r>
+              <a:rPr lang="en-US" dirty="0">
+                <a:solidFill>
+                  <a:schemeClr val="accent1"/>
+                </a:solidFill>
+              </a:rPr>
+              <a:t>new</a:t>
+            </a:r>
+            <a:r>
+              <a:rPr lang="en-US" dirty="0"/>
               <a:t> </a:t>
             </a:r>
             <a:r>
-              <a:rPr lang="ru-RU" dirty="0" smtClean="0"/>
-              <a:t>= </a:t>
-            </a:r>
-            <a:r>
-              <a:rPr lang="en-US" dirty="0" smtClean="0">
-                <a:solidFill>
-                  <a:schemeClr val="accent1"/>
-                </a:solidFill>
-              </a:rPr>
-              <a:t>new</a:t>
-            </a:r>
-            <a:r>
-              <a:rPr lang="en-US" dirty="0" smtClean="0"/>
-              <a:t> </a:t>
-            </a:r>
-            <a:r>
-              <a:rPr lang="ru-RU" dirty="0" smtClean="0"/>
+              <a:rPr lang="ru-RU" dirty="0"/>
               <a:t>Поле();</a:t>
             </a:r>
           </a:p>
@@ -15579,18 +14971,18 @@
             <a:pPr marL="0" indent="0">
               <a:buNone/>
             </a:pPr>
-            <a:endParaRPr lang="ru-RU" dirty="0" smtClean="0"/>
+            <a:endParaRPr lang="ru-RU" dirty="0"/>
           </a:p>
           <a:p>
             <a:pPr marL="0" indent="0">
               <a:buNone/>
             </a:pPr>
             <a:r>
-              <a:rPr lang="ru-RU" dirty="0" smtClean="0"/>
+              <a:rPr lang="ru-RU" dirty="0"/>
               <a:t>	</a:t>
             </a:r>
             <a:r>
-              <a:rPr lang="en-US" b="1" dirty="0" smtClean="0">
+              <a:rPr lang="en-US" b="1" dirty="0">
                 <a:solidFill>
                   <a:srgbClr val="00B050"/>
                 </a:solidFill>
@@ -15598,7 +14990,7 @@
               <a:t>//</a:t>
             </a:r>
             <a:r>
-              <a:rPr lang="ru-RU" b="1" dirty="0" smtClean="0">
+              <a:rPr lang="ru-RU" b="1" dirty="0">
                 <a:solidFill>
                   <a:srgbClr val="00B050"/>
                 </a:solidFill>
@@ -15606,7 +14998,7 @@
               <a:t>убрали зависимость от </a:t>
             </a:r>
             <a:r>
-              <a:rPr lang="ru-RU" b="1" dirty="0" err="1" smtClean="0">
+              <a:rPr lang="ru-RU" b="1" dirty="0" err="1">
                 <a:solidFill>
                   <a:srgbClr val="00B050"/>
                 </a:solidFill>
@@ -15624,68 +15016,68 @@
               <a:buNone/>
             </a:pPr>
             <a:r>
-              <a:rPr lang="ru-RU" b="1" dirty="0" smtClean="0"/>
-              <a:t>	</a:t>
-            </a:r>
-            <a:r>
-              <a:rPr lang="ru-RU" b="1" dirty="0" err="1" smtClean="0"/>
-              <a:t>ИгрокКрестиком</a:t>
-            </a:r>
-            <a:r>
-              <a:rPr lang="ru-RU" b="1" dirty="0" smtClean="0"/>
-              <a:t> крестик = </a:t>
-            </a:r>
-            <a:r>
-              <a:rPr lang="en-US" b="1" dirty="0" smtClean="0">
-                <a:solidFill>
-                  <a:schemeClr val="accent1"/>
-                </a:solidFill>
-              </a:rPr>
-              <a:t>new</a:t>
-            </a:r>
-            <a:r>
-              <a:rPr lang="en-US" b="1" dirty="0" smtClean="0"/>
-              <a:t> </a:t>
-            </a:r>
-            <a:r>
-              <a:rPr lang="ru-RU" b="1" dirty="0" err="1" smtClean="0"/>
-              <a:t>ИгрокКрестиком</a:t>
-            </a:r>
-            <a:r>
-              <a:rPr lang="ru-RU" b="1" dirty="0" smtClean="0"/>
-              <a:t>(</a:t>
-            </a:r>
-            <a:r>
-              <a:rPr lang="en-US" b="1" dirty="0" smtClean="0">
-                <a:solidFill>
-                  <a:schemeClr val="accent1"/>
-                </a:solidFill>
-              </a:rPr>
-              <a:t>this</a:t>
-            </a:r>
-            <a:r>
-              <a:rPr lang="ru-RU" b="1" dirty="0" smtClean="0"/>
-              <a:t>); 	</a:t>
-            </a:r>
-          </a:p>
-          <a:p>
-            <a:pPr marL="0" indent="0">
-              <a:buNone/>
-            </a:pPr>
-            <a:r>
               <a:rPr lang="ru-RU" b="1" dirty="0"/>
               <a:t>	</a:t>
             </a:r>
             <a:r>
-              <a:rPr lang="ru-RU" b="1" dirty="0" err="1" smtClean="0"/>
+              <a:rPr lang="ru-RU" b="1" dirty="0" err="1"/>
+              <a:t>ИгрокКрестиком</a:t>
+            </a:r>
+            <a:r>
+              <a:rPr lang="ru-RU" b="1" dirty="0"/>
+              <a:t> крестик = </a:t>
+            </a:r>
+            <a:r>
+              <a:rPr lang="en-US" b="1" dirty="0">
+                <a:solidFill>
+                  <a:schemeClr val="accent1"/>
+                </a:solidFill>
+              </a:rPr>
+              <a:t>new</a:t>
+            </a:r>
+            <a:r>
+              <a:rPr lang="en-US" b="1" dirty="0"/>
+              <a:t> </a:t>
+            </a:r>
+            <a:r>
+              <a:rPr lang="ru-RU" b="1" dirty="0" err="1"/>
+              <a:t>ИгрокКрестиком</a:t>
+            </a:r>
+            <a:r>
+              <a:rPr lang="ru-RU" b="1" dirty="0"/>
+              <a:t>(</a:t>
+            </a:r>
+            <a:r>
+              <a:rPr lang="en-US" b="1" dirty="0">
+                <a:solidFill>
+                  <a:schemeClr val="accent1"/>
+                </a:solidFill>
+              </a:rPr>
+              <a:t>this</a:t>
+            </a:r>
+            <a:r>
+              <a:rPr lang="ru-RU" b="1" dirty="0"/>
+              <a:t>); 	</a:t>
+            </a:r>
+          </a:p>
+          <a:p>
+            <a:pPr marL="0" indent="0">
+              <a:buNone/>
+            </a:pPr>
+            <a:r>
+              <a:rPr lang="ru-RU" b="1" dirty="0"/>
+              <a:t>	</a:t>
+            </a:r>
+            <a:r>
+              <a:rPr lang="ru-RU" b="1" dirty="0" err="1"/>
               <a:t>ИгрокНоликом</a:t>
             </a:r>
             <a:r>
-              <a:rPr lang="ru-RU" b="1" dirty="0" smtClean="0"/>
+              <a:rPr lang="ru-RU" b="1" dirty="0"/>
               <a:t> нолик = </a:t>
             </a:r>
             <a:r>
-              <a:rPr lang="en-US" b="1" dirty="0" smtClean="0">
+              <a:rPr lang="en-US" b="1" dirty="0">
                 <a:solidFill>
                   <a:schemeClr val="accent1"/>
                 </a:solidFill>
@@ -15693,19 +15085,19 @@
               <a:t>new</a:t>
             </a:r>
             <a:r>
-              <a:rPr lang="en-US" b="1" dirty="0" smtClean="0"/>
+              <a:rPr lang="en-US" b="1" dirty="0"/>
               <a:t> </a:t>
             </a:r>
             <a:r>
-              <a:rPr lang="ru-RU" b="1" dirty="0" err="1" smtClean="0"/>
+              <a:rPr lang="ru-RU" b="1" dirty="0" err="1"/>
               <a:t>ИгрокНоликом</a:t>
             </a:r>
             <a:r>
-              <a:rPr lang="ru-RU" b="1" dirty="0" smtClean="0"/>
+              <a:rPr lang="ru-RU" b="1" dirty="0"/>
               <a:t>(</a:t>
             </a:r>
             <a:r>
-              <a:rPr lang="en-US" b="1" dirty="0" smtClean="0">
+              <a:rPr lang="en-US" b="1" dirty="0">
                 <a:solidFill>
                   <a:schemeClr val="accent1"/>
                 </a:solidFill>
@@ -15713,7 +15105,7 @@
               <a:t>this</a:t>
             </a:r>
             <a:r>
-              <a:rPr lang="ru-RU" b="1" dirty="0" smtClean="0"/>
+              <a:rPr lang="ru-RU" b="1" dirty="0"/>
               <a:t>);</a:t>
             </a:r>
           </a:p>
@@ -15726,131 +15118,8 @@
               <a:t>	</a:t>
             </a:r>
             <a:r>
-              <a:rPr lang="ru-RU" dirty="0" smtClean="0"/>
+              <a:rPr lang="ru-RU" dirty="0"/>
               <a:t>Игрок </a:t>
-            </a:r>
-            <a:r>
-              <a:rPr lang="ru-RU" dirty="0" err="1" smtClean="0"/>
-              <a:t>текущийИгрок</a:t>
-            </a:r>
-            <a:r>
-              <a:rPr lang="ru-RU" dirty="0" smtClean="0"/>
-              <a:t> = крестик; </a:t>
-            </a:r>
-            <a:r>
-              <a:rPr lang="en-US" dirty="0" smtClean="0">
-                <a:solidFill>
-                  <a:srgbClr val="00B050"/>
-                </a:solidFill>
-              </a:rPr>
-              <a:t>//</a:t>
-            </a:r>
-            <a:r>
-              <a:rPr lang="ru-RU" dirty="0" smtClean="0">
-                <a:solidFill>
-                  <a:srgbClr val="00B050"/>
-                </a:solidFill>
-              </a:rPr>
-              <a:t>Крестик ходит первым</a:t>
-            </a:r>
-            <a:endParaRPr lang="en-US" dirty="0" smtClean="0"/>
-          </a:p>
-          <a:p>
-            <a:pPr marL="0" indent="0">
-              <a:buNone/>
-            </a:pPr>
-            <a:endParaRPr lang="en-US" dirty="0" smtClean="0"/>
-          </a:p>
-          <a:p>
-            <a:pPr marL="0" indent="0">
-              <a:buNone/>
-            </a:pPr>
-            <a:r>
-              <a:rPr lang="ru-RU" dirty="0"/>
-              <a:t>	</a:t>
-            </a:r>
-            <a:r>
-              <a:rPr lang="en-US" dirty="0" smtClean="0">
-                <a:solidFill>
-                  <a:schemeClr val="accent1"/>
-                </a:solidFill>
-              </a:rPr>
-              <a:t>do</a:t>
-            </a:r>
-            <a:r>
-              <a:rPr lang="en-US" dirty="0" smtClean="0"/>
-              <a:t>  </a:t>
-            </a:r>
-            <a:r>
-              <a:rPr lang="en-US" dirty="0">
-                <a:solidFill>
-                  <a:srgbClr val="00B050"/>
-                </a:solidFill>
-              </a:rPr>
-              <a:t>//</a:t>
-            </a:r>
-            <a:r>
-              <a:rPr lang="ru-RU" dirty="0">
-                <a:solidFill>
-                  <a:srgbClr val="00B050"/>
-                </a:solidFill>
-              </a:rPr>
-              <a:t>основной цикл игры</a:t>
-            </a:r>
-          </a:p>
-          <a:p>
-            <a:pPr marL="0" indent="0">
-              <a:buNone/>
-            </a:pPr>
-            <a:r>
-              <a:rPr lang="en-US" dirty="0"/>
-              <a:t>	</a:t>
-            </a:r>
-            <a:r>
-              <a:rPr lang="en-US" dirty="0" smtClean="0"/>
-              <a:t>{</a:t>
-            </a:r>
-          </a:p>
-          <a:p>
-            <a:pPr marL="0" indent="0">
-              <a:buNone/>
-            </a:pPr>
-            <a:r>
-              <a:rPr lang="en-US" dirty="0"/>
-              <a:t>	</a:t>
-            </a:r>
-            <a:r>
-              <a:rPr lang="en-US" dirty="0" smtClean="0"/>
-              <a:t>	</a:t>
-            </a:r>
-            <a:r>
-              <a:rPr lang="ru-RU" dirty="0" err="1" smtClean="0"/>
-              <a:t>текущийИгрок.СделатьХод</a:t>
-            </a:r>
-            <a:r>
-              <a:rPr lang="ru-RU" dirty="0" smtClean="0"/>
-              <a:t>();</a:t>
-            </a:r>
-          </a:p>
-          <a:p>
-            <a:pPr marL="0" indent="0">
-              <a:buNone/>
-            </a:pPr>
-            <a:r>
-              <a:rPr lang="ru-RU" dirty="0" smtClean="0"/>
-              <a:t>		</a:t>
-            </a:r>
-            <a:r>
-              <a:rPr lang="ru-RU" dirty="0" err="1" smtClean="0"/>
-              <a:t>текущийИгрок</a:t>
-            </a:r>
-            <a:r>
-              <a:rPr lang="ru-RU" dirty="0" smtClean="0"/>
-              <a:t> </a:t>
-            </a:r>
-            <a:r>
-              <a:rPr lang="ru-RU" dirty="0"/>
-              <a:t>= </a:t>
             </a:r>
             <a:r>
               <a:rPr lang="ru-RU" dirty="0" err="1"/>
@@ -15858,40 +15127,55 @@
             </a:r>
             <a:r>
               <a:rPr lang="ru-RU" dirty="0"/>
-              <a:t> == </a:t>
-            </a:r>
-            <a:r>
-              <a:rPr lang="ru-RU" dirty="0" smtClean="0"/>
-              <a:t>крестик </a:t>
-            </a:r>
-            <a:r>
-              <a:rPr lang="ru-RU" dirty="0"/>
-              <a:t>? </a:t>
-            </a:r>
+              <a:t> = крестик; </a:t>
+            </a:r>
+            <a:r>
+              <a:rPr lang="en-US" dirty="0">
+                <a:solidFill>
+                  <a:srgbClr val="00B050"/>
+                </a:solidFill>
+              </a:rPr>
+              <a:t>//</a:t>
+            </a:r>
+            <a:r>
+              <a:rPr lang="ru-RU" dirty="0">
+                <a:solidFill>
+                  <a:srgbClr val="00B050"/>
+                </a:solidFill>
+              </a:rPr>
+              <a:t>Крестик ходит первым</a:t>
+            </a:r>
+            <a:endParaRPr lang="en-US" dirty="0"/>
           </a:p>
           <a:p>
             <a:pPr marL="0" indent="0">
               <a:buNone/>
             </a:pPr>
-            <a:r>
-              <a:rPr lang="ru-RU" dirty="0"/>
-              <a:t>			</a:t>
-            </a:r>
-            <a:r>
-              <a:rPr lang="ru-RU" dirty="0" smtClean="0"/>
-              <a:t>нолик </a:t>
-            </a:r>
-            <a:r>
-              <a:rPr lang="ru-RU" dirty="0"/>
-              <a:t>: </a:t>
-            </a:r>
-            <a:r>
-              <a:rPr lang="ru-RU" dirty="0" smtClean="0"/>
-              <a:t>крестик </a:t>
+            <a:endParaRPr lang="en-US" dirty="0"/>
+          </a:p>
+          <a:p>
+            <a:pPr marL="0" indent="0">
+              <a:buNone/>
+            </a:pPr>
+            <a:r>
+              <a:rPr lang="ru-RU" dirty="0"/>
+              <a:t>	</a:t>
             </a:r>
             <a:r>
               <a:rPr lang="en-US" dirty="0">
                 <a:solidFill>
+                  <a:schemeClr val="accent1"/>
+                </a:solidFill>
+              </a:rPr>
+              <a:t>do</a:t>
+            </a:r>
+            <a:r>
+              <a:rPr lang="en-US" dirty="0"/>
+              <a:t>  </a:t>
+            </a:r>
+            <a:r>
+              <a:rPr lang="en-US" dirty="0">
+                <a:solidFill>
                   <a:srgbClr val="00B050"/>
                 </a:solidFill>
               </a:rPr>
@@ -15903,6 +15187,82 @@
                   <a:srgbClr val="00B050"/>
                 </a:solidFill>
               </a:rPr>
+              <a:t>основной цикл игры</a:t>
+            </a:r>
+          </a:p>
+          <a:p>
+            <a:pPr marL="0" indent="0">
+              <a:buNone/>
+            </a:pPr>
+            <a:r>
+              <a:rPr lang="en-US" dirty="0"/>
+              <a:t>	{</a:t>
+            </a:r>
+          </a:p>
+          <a:p>
+            <a:pPr marL="0" indent="0">
+              <a:buNone/>
+            </a:pPr>
+            <a:r>
+              <a:rPr lang="en-US" dirty="0"/>
+              <a:t>		</a:t>
+            </a:r>
+            <a:r>
+              <a:rPr lang="ru-RU" dirty="0" err="1"/>
+              <a:t>текущийИгрок.СделатьХод</a:t>
+            </a:r>
+            <a:r>
+              <a:rPr lang="ru-RU" dirty="0"/>
+              <a:t>();</a:t>
+            </a:r>
+          </a:p>
+          <a:p>
+            <a:pPr marL="0" indent="0">
+              <a:buNone/>
+            </a:pPr>
+            <a:r>
+              <a:rPr lang="ru-RU" dirty="0"/>
+              <a:t>		</a:t>
+            </a:r>
+            <a:r>
+              <a:rPr lang="ru-RU" dirty="0" err="1"/>
+              <a:t>текущийИгрок</a:t>
+            </a:r>
+            <a:r>
+              <a:rPr lang="ru-RU" dirty="0"/>
+              <a:t> = </a:t>
+            </a:r>
+            <a:r>
+              <a:rPr lang="ru-RU" dirty="0" err="1"/>
+              <a:t>текущийИгрок</a:t>
+            </a:r>
+            <a:r>
+              <a:rPr lang="ru-RU" dirty="0"/>
+              <a:t> == крестик ? </a:t>
+            </a:r>
+          </a:p>
+          <a:p>
+            <a:pPr marL="0" indent="0">
+              <a:buNone/>
+            </a:pPr>
+            <a:r>
+              <a:rPr lang="ru-RU" dirty="0"/>
+              <a:t>			нолик : крестик </a:t>
+            </a:r>
+            <a:r>
+              <a:rPr lang="en-US" dirty="0">
+                <a:solidFill>
+                  <a:srgbClr val="00B050"/>
+                </a:solidFill>
+              </a:rPr>
+              <a:t>//</a:t>
+            </a:r>
+            <a:r>
+              <a:rPr lang="ru-RU" dirty="0">
+                <a:solidFill>
+                  <a:srgbClr val="00B050"/>
+                </a:solidFill>
+              </a:rPr>
               <a:t>меняем текущего</a:t>
             </a:r>
           </a:p>
@@ -15911,11 +15271,11 @@
               <a:buNone/>
             </a:pPr>
             <a:r>
-              <a:rPr lang="en-US" dirty="0" smtClean="0"/>
+              <a:rPr lang="en-US" dirty="0"/>
               <a:t>	} </a:t>
             </a:r>
             <a:r>
-              <a:rPr lang="en-US" dirty="0" smtClean="0">
+              <a:rPr lang="en-US" dirty="0">
                 <a:solidFill>
                   <a:schemeClr val="accent1"/>
                 </a:solidFill>
@@ -15923,59 +15283,59 @@
               <a:t>while</a:t>
             </a:r>
             <a:r>
-              <a:rPr lang="en-US" dirty="0" smtClean="0"/>
+              <a:rPr lang="en-US" dirty="0"/>
               <a:t> </a:t>
             </a:r>
             <a:r>
-              <a:rPr lang="ru-RU" dirty="0" smtClean="0"/>
+              <a:rPr lang="ru-RU" dirty="0"/>
               <a:t>(</a:t>
             </a:r>
             <a:r>
-              <a:rPr lang="en-US" dirty="0" smtClean="0"/>
+              <a:rPr lang="en-US" dirty="0"/>
               <a:t> </a:t>
             </a:r>
             <a:r>
-              <a:rPr lang="ru-RU" dirty="0" smtClean="0"/>
+              <a:rPr lang="ru-RU" dirty="0"/>
               <a:t>!</a:t>
             </a:r>
             <a:r>
-              <a:rPr lang="ru-RU" dirty="0" err="1" smtClean="0"/>
+              <a:rPr lang="ru-RU" dirty="0" err="1"/>
               <a:t>ИгровоеПоле.ЕстьЛиПолнаяЛиния</a:t>
             </a:r>
             <a:r>
-              <a:rPr lang="ru-RU" dirty="0" smtClean="0"/>
+              <a:rPr lang="ru-RU" dirty="0"/>
               <a:t>()</a:t>
             </a:r>
             <a:r>
-              <a:rPr lang="en-US" dirty="0" smtClean="0"/>
+              <a:rPr lang="en-US" dirty="0"/>
               <a:t> </a:t>
             </a:r>
             <a:r>
-              <a:rPr lang="ru-RU" dirty="0" smtClean="0"/>
+              <a:rPr lang="ru-RU" dirty="0"/>
               <a:t>)</a:t>
             </a:r>
             <a:r>
-              <a:rPr lang="en-US" dirty="0" smtClean="0"/>
+              <a:rPr lang="en-US" dirty="0"/>
               <a:t>;</a:t>
             </a:r>
-            <a:endParaRPr lang="ru-RU" dirty="0" smtClean="0"/>
+            <a:endParaRPr lang="ru-RU" dirty="0"/>
           </a:p>
           <a:p>
             <a:pPr marL="0" indent="0">
               <a:buNone/>
             </a:pPr>
-            <a:endParaRPr lang="ru-RU" dirty="0" smtClean="0"/>
+            <a:endParaRPr lang="ru-RU" dirty="0"/>
           </a:p>
           <a:p>
             <a:pPr marL="0" indent="0">
               <a:buNone/>
             </a:pPr>
             <a:r>
-              <a:rPr lang="ru-RU" dirty="0" smtClean="0"/>
+              <a:rPr lang="ru-RU" dirty="0"/>
               <a:t>	</a:t>
             </a:r>
             <a:r>
-              <a:rPr lang="en-US" sz="3300" dirty="0" smtClean="0">
+              <a:rPr lang="en-US" sz="3300" dirty="0">
                 <a:solidFill>
                   <a:srgbClr val="00B050"/>
                 </a:solidFill>
@@ -15983,7 +15343,7 @@
               <a:t>//</a:t>
             </a:r>
             <a:r>
-              <a:rPr lang="ru-RU" sz="3300" dirty="0" smtClean="0">
+              <a:rPr lang="ru-RU" sz="3300" dirty="0">
                 <a:solidFill>
                   <a:srgbClr val="00B050"/>
                 </a:solidFill>
@@ -15991,7 +15351,7 @@
               <a:t>сообщаем </a:t>
             </a:r>
             <a:r>
-              <a:rPr lang="en-US" sz="3300" dirty="0" smtClean="0">
+              <a:rPr lang="en-US" sz="3300" dirty="0">
                 <a:solidFill>
                   <a:srgbClr val="00B050"/>
                 </a:solidFill>
@@ -15999,36 +15359,22 @@
               <a:t> </a:t>
             </a:r>
             <a:r>
-              <a:rPr lang="ru-RU" sz="3300" dirty="0" smtClean="0">
+              <a:rPr lang="ru-RU" sz="3300" dirty="0">
                 <a:solidFill>
                   <a:srgbClr val="00B050"/>
                 </a:solidFill>
               </a:rPr>
-              <a:t>игрокам результат </a:t>
-            </a:r>
-            <a:r>
-              <a:rPr lang="ru-RU" sz="3300" dirty="0">
-                <a:solidFill>
-                  <a:srgbClr val="00B050"/>
-                </a:solidFill>
-              </a:rPr>
-              <a:t>– код пропущен для краткости</a:t>
-            </a:r>
-            <a:endParaRPr lang="ru-RU" sz="3300" dirty="0" smtClean="0">
-              <a:solidFill>
-                <a:srgbClr val="00B050"/>
-              </a:solidFill>
-            </a:endParaRPr>
+              <a:t>игрокам результат – код пропущен для краткости</a:t>
+            </a:r>
           </a:p>
           <a:p>
             <a:pPr marL="0" indent="0">
               <a:buNone/>
             </a:pPr>
             <a:r>
-              <a:rPr lang="en-US" dirty="0" smtClean="0"/>
+              <a:rPr lang="en-US" dirty="0"/>
               <a:t>}</a:t>
             </a:r>
-            <a:endParaRPr lang="en-US" dirty="0"/>
           </a:p>
         </p:txBody>
       </p:sp>
@@ -16042,13 +15388,6 @@
   <p:clrMapOvr>
     <a:masterClrMapping/>
   </p:clrMapOvr>
-  <p:timing>
-    <p:tnLst>
-      <p:par>
-        <p:cTn id="1" dur="indefinite" restart="never" nodeType="tmRoot"/>
-      </p:par>
-    </p:tnLst>
-  </p:timing>
 </p:sld>
 </file>
 
@@ -16087,7 +15426,7 @@
           <a:lstStyle/>
           <a:p>
             <a:r>
-              <a:rPr lang="ru-RU" dirty="0" smtClean="0"/>
+              <a:rPr lang="ru-RU" dirty="0"/>
               <a:t>Неоптимальный вариант с наследованием (не делайте так)</a:t>
             </a:r>
             <a:endParaRPr lang="en-US" dirty="0"/>
@@ -16116,7 +15455,7 @@
               <a:t>Класс </a:t>
             </a:r>
             <a:r>
-              <a:rPr lang="ru-RU" dirty="0" err="1" smtClean="0"/>
+              <a:rPr lang="ru-RU" dirty="0" err="1"/>
               <a:t>ИгрокКрестиком</a:t>
             </a:r>
             <a:endParaRPr lang="ru-RU" dirty="0"/>
@@ -16150,20 +15489,20 @@
               <a:t>СделатьХод</a:t>
             </a:r>
             <a:r>
-              <a:rPr lang="ru-RU" dirty="0" smtClean="0"/>
+              <a:rPr lang="ru-RU" dirty="0"/>
               <a:t>()</a:t>
             </a:r>
-            <a:endParaRPr lang="en-US" dirty="0" smtClean="0"/>
+            <a:endParaRPr lang="en-US" dirty="0"/>
           </a:p>
           <a:p>
             <a:pPr marL="400050" lvl="1" indent="0">
               <a:buNone/>
             </a:pPr>
             <a:r>
-              <a:rPr lang="en-US" dirty="0" smtClean="0"/>
+              <a:rPr lang="en-US" dirty="0"/>
               <a:t>{</a:t>
             </a:r>
-            <a:endParaRPr lang="ru-RU" dirty="0" smtClean="0"/>
+            <a:endParaRPr lang="ru-RU" dirty="0"/>
           </a:p>
           <a:p>
             <a:pPr marL="400050" lvl="1" indent="0">
@@ -16174,23 +15513,23 @@
               <a:t>	</a:t>
             </a:r>
             <a:r>
-              <a:rPr lang="ru-RU" b="1" dirty="0" smtClean="0"/>
+              <a:rPr lang="ru-RU" b="1" dirty="0"/>
               <a:t>Знак </a:t>
             </a:r>
             <a:r>
-              <a:rPr lang="ru-RU" b="1" dirty="0" err="1" smtClean="0"/>
+              <a:rPr lang="ru-RU" b="1" dirty="0" err="1"/>
               <a:t>мойЗнак</a:t>
             </a:r>
             <a:r>
-              <a:rPr lang="ru-RU" b="1" dirty="0" smtClean="0"/>
+              <a:rPr lang="ru-RU" b="1" dirty="0"/>
               <a:t> = </a:t>
             </a:r>
             <a:r>
-              <a:rPr lang="ru-RU" b="1" dirty="0" err="1" smtClean="0"/>
+              <a:rPr lang="ru-RU" b="1" dirty="0" err="1"/>
               <a:t>Знак.Крестик</a:t>
             </a:r>
             <a:r>
-              <a:rPr lang="ru-RU" b="1" dirty="0" smtClean="0"/>
+              <a:rPr lang="ru-RU" b="1" dirty="0"/>
               <a:t>;</a:t>
             </a:r>
           </a:p>
@@ -16360,10 +15699,6 @@
             <a:r>
               <a:rPr lang="ru-RU" dirty="0"/>
               <a:t>().</a:t>
-            </a:r>
-            <a:r>
-              <a:rPr lang="en-US" dirty="0"/>
-              <a:t/>
             </a:r>
             <a:br>
               <a:rPr lang="en-US" dirty="0"/>
@@ -16393,15 +15728,15 @@
               <a:t>.</a:t>
             </a:r>
             <a:r>
-              <a:rPr lang="ru-RU" dirty="0" smtClean="0"/>
+              <a:rPr lang="ru-RU" dirty="0"/>
               <a:t>Поставить(</a:t>
             </a:r>
             <a:r>
-              <a:rPr lang="ru-RU" b="1" dirty="0" err="1" smtClean="0"/>
+              <a:rPr lang="ru-RU" b="1" dirty="0" err="1"/>
               <a:t>мойЗнак</a:t>
             </a:r>
             <a:r>
-              <a:rPr lang="ru-RU" dirty="0" smtClean="0"/>
+              <a:rPr lang="ru-RU" dirty="0"/>
               <a:t>))</a:t>
             </a:r>
             <a:r>
@@ -16476,7 +15811,7 @@
               <a:t>X, Y, </a:t>
             </a:r>
             <a:r>
-              <a:rPr lang="ru-RU" b="1" dirty="0" err="1" smtClean="0"/>
+              <a:rPr lang="ru-RU" b="1" dirty="0" err="1"/>
               <a:t>мойЗнак</a:t>
             </a:r>
             <a:r>
@@ -16493,10 +15828,10 @@
               <a:buNone/>
             </a:pPr>
             <a:r>
-              <a:rPr lang="en-US" dirty="0" smtClean="0"/>
+              <a:rPr lang="en-US" dirty="0"/>
               <a:t>}</a:t>
             </a:r>
-            <a:endParaRPr lang="ru-RU" dirty="0" smtClean="0"/>
+            <a:endParaRPr lang="ru-RU" dirty="0"/>
           </a:p>
           <a:p>
             <a:pPr marL="457200" indent="-457200"/>
@@ -16505,18 +15840,17 @@
               <a:t>Класс </a:t>
             </a:r>
             <a:r>
-              <a:rPr lang="ru-RU" dirty="0" err="1" smtClean="0"/>
+              <a:rPr lang="ru-RU" dirty="0" err="1"/>
               <a:t>ИгрокНоликом</a:t>
             </a:r>
             <a:r>
-              <a:rPr lang="ru-RU" dirty="0" smtClean="0"/>
+              <a:rPr lang="ru-RU" dirty="0"/>
               <a:t> – аналогичен. </a:t>
             </a:r>
             <a:r>
-              <a:rPr lang="ru-RU" b="1" dirty="0" smtClean="0"/>
+              <a:rPr lang="ru-RU" b="1" dirty="0"/>
               <a:t>Повторение кода – это плохо. </a:t>
             </a:r>
-            <a:endParaRPr lang="ru-RU" b="1" dirty="0"/>
           </a:p>
           <a:p>
             <a:pPr marL="400050" lvl="1" indent="0">
@@ -16536,13 +15870,6 @@
   <p:clrMapOvr>
     <a:masterClrMapping/>
   </p:clrMapOvr>
-  <p:timing>
-    <p:tnLst>
-      <p:par>
-        <p:cTn id="1" dur="indefinite" restart="never" nodeType="tmRoot"/>
-      </p:par>
-    </p:tnLst>
-  </p:timing>
 </p:sld>
 </file>
 
@@ -16579,7 +15906,7 @@
           <a:lstStyle/>
           <a:p>
             <a:r>
-              <a:rPr lang="ru-RU" dirty="0" smtClean="0"/>
+              <a:rPr lang="ru-RU" dirty="0"/>
               <a:t>Действующие лица (ДЛ)</a:t>
             </a:r>
             <a:endParaRPr lang="en-US" dirty="0"/>
@@ -16604,42 +15931,42 @@
           <a:lstStyle/>
           <a:p>
             <a:r>
-              <a:rPr lang="ru-RU" dirty="0" smtClean="0"/>
+              <a:rPr lang="ru-RU" dirty="0"/>
               <a:t>Крайне важно правильно выделить ДЛ</a:t>
             </a:r>
           </a:p>
           <a:p>
             <a:pPr lvl="1"/>
             <a:r>
-              <a:rPr lang="ru-RU" dirty="0" smtClean="0"/>
+              <a:rPr lang="ru-RU" dirty="0"/>
               <a:t>Экстремумы:</a:t>
             </a:r>
           </a:p>
           <a:p>
             <a:pPr lvl="2"/>
             <a:r>
-              <a:rPr lang="ru-RU" dirty="0" smtClean="0"/>
+              <a:rPr lang="ru-RU" dirty="0"/>
               <a:t>1 ДЛ – «Внешний мир»</a:t>
             </a:r>
           </a:p>
           <a:p>
             <a:pPr lvl="2"/>
             <a:r>
-              <a:rPr lang="ru-RU" dirty="0" smtClean="0"/>
+              <a:rPr lang="ru-RU" dirty="0"/>
               <a:t>по 1 ДЛ на каждый вариант использования</a:t>
             </a:r>
           </a:p>
           <a:p>
             <a:pPr lvl="1"/>
             <a:r>
-              <a:rPr lang="ru-RU" dirty="0" smtClean="0"/>
+              <a:rPr lang="ru-RU" dirty="0"/>
               <a:t>Формального критерия выделения ДЛ нет</a:t>
             </a:r>
           </a:p>
           <a:p>
             <a:pPr lvl="1"/>
             <a:r>
-              <a:rPr lang="ru-RU" dirty="0" smtClean="0"/>
+              <a:rPr lang="ru-RU" dirty="0"/>
               <a:t>Неформальные критерии:</a:t>
             </a:r>
           </a:p>
@@ -16647,17 +15974,13 @@
             <a:pPr lvl="2"/>
             <a:r>
               <a:rPr lang="ru-RU" dirty="0"/>
-              <a:t>действующие лица находятся вне проектируемой системы (или рассматриваемой части системы</a:t>
-            </a:r>
-            <a:r>
-              <a:rPr lang="ru-RU" dirty="0" smtClean="0"/>
-              <a:t>)</a:t>
+              <a:t>действующие лица находятся вне проектируемой системы (или рассматриваемой части системы)</a:t>
             </a:r>
           </a:p>
           <a:p>
             <a:pPr lvl="2"/>
             <a:r>
-              <a:rPr lang="ru-RU" dirty="0" smtClean="0"/>
+              <a:rPr lang="ru-RU" dirty="0"/>
               <a:t>отдельные ДЛ для понятных заранее категорий пользователей</a:t>
             </a:r>
           </a:p>
@@ -16679,26 +16002,14 @@
             <a:pPr lvl="3"/>
             <a:r>
               <a:rPr lang="ru-RU" dirty="0"/>
-              <a:t>пользователи взаимодействуют с системой в разных режимах: от случая к случаю, регулярно, постоянно</a:t>
-            </a:r>
-            <a:r>
-              <a:rPr lang="ru-RU" dirty="0" smtClean="0"/>
-              <a:t>.</a:t>
+              <a:t>пользователи взаимодействуют с системой в разных режимах: от случая к случаю, регулярно, постоянно.</a:t>
             </a:r>
           </a:p>
           <a:p>
             <a:pPr lvl="2"/>
             <a:r>
               <a:rPr lang="ru-RU" dirty="0"/>
-              <a:t>отдельные ДЛ </a:t>
-            </a:r>
-            <a:r>
-              <a:rPr lang="ru-RU" dirty="0" smtClean="0"/>
-              <a:t>для</a:t>
-            </a:r>
-            <a:r>
-              <a:rPr lang="ru-RU" dirty="0"/>
-              <a:t> внешних программных и аппаратных средств (если система взаимодействует с таковыми)</a:t>
+              <a:t>отдельные ДЛ для внешних программных и аппаратных средств (если система взаимодействует с таковыми)</a:t>
             </a:r>
             <a:endParaRPr lang="en-US" dirty="0"/>
           </a:p>
@@ -16714,13 +16025,6 @@
   <p:clrMapOvr>
     <a:masterClrMapping/>
   </p:clrMapOvr>
-  <p:timing>
-    <p:tnLst>
-      <p:par>
-        <p:cTn id="1" dur="indefinite" restart="never" nodeType="tmRoot"/>
-      </p:par>
-    </p:tnLst>
-  </p:timing>
 </p:sld>
 </file>
 
@@ -16759,7 +16063,7 @@
           <a:lstStyle/>
           <a:p>
             <a:r>
-              <a:rPr lang="ru-RU" dirty="0" smtClean="0"/>
+              <a:rPr lang="ru-RU" dirty="0"/>
               <a:t>Улучшаем дизайн – убираем дублирование</a:t>
             </a:r>
             <a:endParaRPr lang="en-US" dirty="0"/>
@@ -16802,13 +16106,6 @@
   <p:clrMapOvr>
     <a:masterClrMapping/>
   </p:clrMapOvr>
-  <p:timing>
-    <p:tnLst>
-      <p:par>
-        <p:cTn id="1" dur="indefinite" restart="never" nodeType="tmRoot"/>
-      </p:par>
-    </p:tnLst>
-  </p:timing>
 </p:sld>
 </file>
 
@@ -16847,7 +16144,7 @@
           <a:lstStyle/>
           <a:p>
             <a:r>
-              <a:rPr lang="ru-RU" dirty="0" smtClean="0"/>
+              <a:rPr lang="ru-RU" dirty="0"/>
               <a:t>Оптимизированный вариант с наследованием. </a:t>
             </a:r>
             <a:endParaRPr lang="en-US" dirty="0"/>
@@ -16878,16 +16175,16 @@
           <a:p>
             <a:pPr marL="457200" indent="-457200"/>
             <a:r>
-              <a:rPr lang="ru-RU" dirty="0" smtClean="0"/>
+              <a:rPr lang="ru-RU" dirty="0"/>
               <a:t>Абстрактный класс Игрок		</a:t>
             </a:r>
-            <a:endParaRPr lang="en-US" dirty="0" smtClean="0"/>
+            <a:endParaRPr lang="en-US" dirty="0"/>
           </a:p>
           <a:p>
             <a:pPr marL="400050" lvl="1" indent="0">
               <a:buNone/>
             </a:pPr>
-            <a:endParaRPr lang="ru-RU" b="1" dirty="0" smtClean="0">
+            <a:endParaRPr lang="ru-RU" b="1" dirty="0">
               <a:solidFill>
                 <a:schemeClr val="accent1"/>
               </a:solidFill>
@@ -16898,7 +16195,7 @@
               <a:buNone/>
             </a:pPr>
             <a:r>
-              <a:rPr lang="en-US" b="1" dirty="0" smtClean="0">
+              <a:rPr lang="en-US" b="1" dirty="0">
                 <a:solidFill>
                   <a:schemeClr val="accent1"/>
                 </a:solidFill>
@@ -16906,11 +16203,11 @@
               <a:t>private </a:t>
             </a:r>
             <a:r>
-              <a:rPr lang="ru-RU" b="1" dirty="0" smtClean="0"/>
+              <a:rPr lang="ru-RU" b="1" dirty="0"/>
               <a:t>Знак</a:t>
             </a:r>
             <a:r>
-              <a:rPr lang="ru-RU" b="1" dirty="0" smtClean="0">
+              <a:rPr lang="ru-RU" b="1" dirty="0">
                 <a:solidFill>
                   <a:schemeClr val="accent1"/>
                 </a:solidFill>
@@ -16918,11 +16215,11 @@
               <a:t> </a:t>
             </a:r>
             <a:r>
-              <a:rPr lang="ru-RU" b="1" dirty="0" err="1" smtClean="0"/>
+              <a:rPr lang="ru-RU" b="1" dirty="0" err="1"/>
               <a:t>МойЗнак</a:t>
             </a:r>
             <a:r>
-              <a:rPr lang="ru-RU" b="1" dirty="0" smtClean="0"/>
+              <a:rPr lang="ru-RU" b="1" dirty="0"/>
               <a:t>()</a:t>
             </a:r>
             <a:r>
@@ -16930,15 +16227,15 @@
               <a:t> </a:t>
             </a:r>
             <a:r>
-              <a:rPr lang="ru-RU" b="1" dirty="0" smtClean="0"/>
+              <a:rPr lang="ru-RU" b="1" dirty="0"/>
               <a:t>=0</a:t>
             </a:r>
             <a:r>
-              <a:rPr lang="en-US" b="1" dirty="0" smtClean="0"/>
+              <a:rPr lang="en-US" b="1" dirty="0"/>
               <a:t>; </a:t>
             </a:r>
             <a:r>
-              <a:rPr lang="en-US" b="1" dirty="0" smtClean="0">
+              <a:rPr lang="en-US" b="1" dirty="0">
                 <a:solidFill>
                   <a:srgbClr val="00B050"/>
                 </a:solidFill>
@@ -16946,20 +16243,20 @@
               <a:t>//</a:t>
             </a:r>
             <a:r>
-              <a:rPr lang="ru-RU" b="1" dirty="0" smtClean="0">
+              <a:rPr lang="ru-RU" b="1" dirty="0">
                 <a:solidFill>
                   <a:srgbClr val="00B050"/>
                 </a:solidFill>
               </a:rPr>
               <a:t>чисто виртуальный метод</a:t>
             </a:r>
-            <a:endParaRPr lang="en-US" b="1" dirty="0" smtClean="0"/>
+            <a:endParaRPr lang="en-US" b="1" dirty="0"/>
           </a:p>
           <a:p>
             <a:pPr marL="400050" lvl="1" indent="0">
               <a:buNone/>
             </a:pPr>
-            <a:endParaRPr lang="en-US" dirty="0" smtClean="0">
+            <a:endParaRPr lang="en-US" dirty="0">
               <a:solidFill>
                 <a:schemeClr val="accent1"/>
               </a:solidFill>
@@ -16970,7 +16267,7 @@
               <a:buNone/>
             </a:pPr>
             <a:r>
-              <a:rPr lang="en-US" dirty="0" smtClean="0">
+              <a:rPr lang="en-US" dirty="0">
                 <a:solidFill>
                   <a:schemeClr val="accent1"/>
                 </a:solidFill>
@@ -16994,20 +16291,20 @@
               <a:t>СделатьХод</a:t>
             </a:r>
             <a:r>
-              <a:rPr lang="ru-RU" dirty="0" smtClean="0"/>
+              <a:rPr lang="ru-RU" dirty="0"/>
               <a:t>()</a:t>
             </a:r>
-            <a:endParaRPr lang="en-US" dirty="0" smtClean="0"/>
+            <a:endParaRPr lang="en-US" dirty="0"/>
           </a:p>
           <a:p>
             <a:pPr marL="400050" lvl="1" indent="0">
               <a:buNone/>
             </a:pPr>
             <a:r>
-              <a:rPr lang="en-US" dirty="0" smtClean="0"/>
+              <a:rPr lang="en-US" dirty="0"/>
               <a:t>{</a:t>
             </a:r>
-            <a:endParaRPr lang="ru-RU" dirty="0" smtClean="0"/>
+            <a:endParaRPr lang="ru-RU" dirty="0"/>
           </a:p>
           <a:p>
             <a:pPr marL="400050" lvl="1" indent="0">
@@ -17018,23 +16315,23 @@
               <a:t>	</a:t>
             </a:r>
             <a:r>
-              <a:rPr lang="ru-RU" b="1" dirty="0" smtClean="0"/>
+              <a:rPr lang="ru-RU" b="1" dirty="0"/>
               <a:t>Знак </a:t>
             </a:r>
             <a:r>
-              <a:rPr lang="ru-RU" b="1" dirty="0" err="1" smtClean="0"/>
+              <a:rPr lang="ru-RU" b="1" dirty="0" err="1"/>
               <a:t>мойЗнак</a:t>
             </a:r>
             <a:r>
-              <a:rPr lang="ru-RU" b="1" dirty="0" smtClean="0"/>
+              <a:rPr lang="ru-RU" b="1" dirty="0"/>
               <a:t> = </a:t>
             </a:r>
             <a:r>
-              <a:rPr lang="ru-RU" b="1" dirty="0" err="1" smtClean="0"/>
+              <a:rPr lang="ru-RU" b="1" dirty="0" err="1"/>
               <a:t>МойЗнак</a:t>
             </a:r>
             <a:r>
-              <a:rPr lang="ru-RU" b="1" dirty="0" smtClean="0"/>
+              <a:rPr lang="ru-RU" b="1" dirty="0"/>
               <a:t>() ;</a:t>
             </a:r>
           </a:p>
@@ -17204,10 +16501,6 @@
             <a:r>
               <a:rPr lang="ru-RU" dirty="0"/>
               <a:t>().</a:t>
-            </a:r>
-            <a:r>
-              <a:rPr lang="en-US" dirty="0"/>
-              <a:t/>
             </a:r>
             <a:br>
               <a:rPr lang="en-US" dirty="0"/>
@@ -17237,15 +16530,15 @@
               <a:t>.</a:t>
             </a:r>
             <a:r>
-              <a:rPr lang="ru-RU" dirty="0" smtClean="0"/>
+              <a:rPr lang="ru-RU" dirty="0"/>
               <a:t>Поставить(</a:t>
             </a:r>
             <a:r>
-              <a:rPr lang="ru-RU" b="1" dirty="0" err="1" smtClean="0"/>
+              <a:rPr lang="ru-RU" b="1" dirty="0" err="1"/>
               <a:t>мойЗнак</a:t>
             </a:r>
             <a:r>
-              <a:rPr lang="ru-RU" dirty="0" smtClean="0"/>
+              <a:rPr lang="ru-RU" dirty="0"/>
               <a:t>))</a:t>
             </a:r>
             <a:r>
@@ -17320,7 +16613,7 @@
               <a:t>X, Y, </a:t>
             </a:r>
             <a:r>
-              <a:rPr lang="ru-RU" b="1" dirty="0" err="1" smtClean="0"/>
+              <a:rPr lang="ru-RU" b="1" dirty="0" err="1"/>
               <a:t>мойЗнак</a:t>
             </a:r>
             <a:r>
@@ -17337,10 +16630,10 @@
               <a:buNone/>
             </a:pPr>
             <a:r>
-              <a:rPr lang="en-US" dirty="0" smtClean="0"/>
+              <a:rPr lang="en-US" dirty="0"/>
               <a:t>}</a:t>
             </a:r>
-            <a:endParaRPr lang="ru-RU" dirty="0" smtClean="0"/>
+            <a:endParaRPr lang="ru-RU" dirty="0"/>
           </a:p>
           <a:p>
             <a:pPr marL="457200" indent="-457200"/>
@@ -17349,7 +16642,7 @@
               <a:t>Класс </a:t>
             </a:r>
             <a:r>
-              <a:rPr lang="ru-RU" dirty="0" err="1" smtClean="0"/>
+              <a:rPr lang="ru-RU" dirty="0" err="1"/>
               <a:t>ИгрокКрестиком</a:t>
             </a:r>
             <a:endParaRPr lang="en-US" dirty="0"/>
@@ -17358,14 +16651,14 @@
             <a:pPr marL="400050" lvl="1" indent="0">
               <a:buNone/>
             </a:pPr>
-            <a:endParaRPr lang="ru-RU" dirty="0" smtClean="0"/>
+            <a:endParaRPr lang="ru-RU" dirty="0"/>
           </a:p>
           <a:p>
             <a:pPr marL="400050" lvl="1" indent="0">
               <a:buNone/>
             </a:pPr>
             <a:r>
-              <a:rPr lang="en-US" b="1" dirty="0" smtClean="0">
+              <a:rPr lang="en-US" b="1" dirty="0">
                 <a:solidFill>
                   <a:schemeClr val="accent1"/>
                 </a:solidFill>
@@ -17394,43 +16687,38 @@
             </a:r>
             <a:r>
               <a:rPr lang="en-US" b="1" dirty="0"/>
+              <a:t> { </a:t>
+            </a:r>
+            <a:r>
+              <a:rPr lang="en-US" b="1" dirty="0">
+                <a:solidFill>
+                  <a:srgbClr val="0070C0"/>
+                </a:solidFill>
+              </a:rPr>
+              <a:t>return</a:t>
+            </a:r>
+            <a:r>
+              <a:rPr lang="en-US" b="1" dirty="0"/>
               <a:t> </a:t>
             </a:r>
             <a:r>
-              <a:rPr lang="en-US" b="1" dirty="0" smtClean="0"/>
-              <a:t>{ </a:t>
-            </a:r>
-            <a:r>
-              <a:rPr lang="en-US" b="1" dirty="0" smtClean="0">
-                <a:solidFill>
-                  <a:srgbClr val="0070C0"/>
-                </a:solidFill>
-              </a:rPr>
-              <a:t>return</a:t>
-            </a:r>
-            <a:r>
-              <a:rPr lang="en-US" b="1" dirty="0" smtClean="0"/>
-              <a:t> </a:t>
-            </a:r>
-            <a:r>
-              <a:rPr lang="ru-RU" b="1" dirty="0" err="1" smtClean="0"/>
+              <a:rPr lang="ru-RU" b="1" dirty="0" err="1"/>
               <a:t>Знак.Крестик</a:t>
             </a:r>
             <a:r>
-              <a:rPr lang="ru-RU" b="1" dirty="0" smtClean="0"/>
+              <a:rPr lang="ru-RU" b="1" dirty="0"/>
               <a:t>; </a:t>
             </a:r>
             <a:r>
-              <a:rPr lang="en-US" b="1" dirty="0" smtClean="0"/>
+              <a:rPr lang="en-US" b="1" dirty="0"/>
               <a:t>}</a:t>
             </a:r>
-            <a:endParaRPr lang="en-US" b="1" dirty="0"/>
           </a:p>
           <a:p>
             <a:pPr marL="400050" lvl="1" indent="0">
               <a:buNone/>
             </a:pPr>
-            <a:endParaRPr lang="ru-RU" dirty="0" smtClean="0"/>
+            <a:endParaRPr lang="ru-RU" dirty="0"/>
           </a:p>
         </p:txBody>
       </p:sp>
@@ -17444,13 +16732,6 @@
   <p:clrMapOvr>
     <a:masterClrMapping/>
   </p:clrMapOvr>
-  <p:timing>
-    <p:tnLst>
-      <p:par>
-        <p:cTn id="1" dur="indefinite" restart="never" nodeType="tmRoot"/>
-      </p:par>
-    </p:tnLst>
-  </p:timing>
 </p:sld>
 </file>
 
@@ -17489,7 +16770,7 @@
           <a:lstStyle/>
           <a:p>
             <a:r>
-              <a:rPr lang="ru-RU" dirty="0" smtClean="0"/>
+              <a:rPr lang="ru-RU" dirty="0"/>
               <a:t>Убираем нарушение принципа Деметры</a:t>
             </a:r>
             <a:endParaRPr lang="en-US" dirty="0"/>
@@ -17532,13 +16813,6 @@
   <p:clrMapOvr>
     <a:masterClrMapping/>
   </p:clrMapOvr>
-  <p:timing>
-    <p:tnLst>
-      <p:par>
-        <p:cTn id="1" dur="indefinite" restart="never" nodeType="tmRoot"/>
-      </p:par>
-    </p:tnLst>
-  </p:timing>
 </p:sld>
 </file>
 
@@ -17825,13 +17099,9 @@
             </a:r>
             <a:r>
               <a:rPr lang="en-US" dirty="0"/>
-              <a:t>Y</a:t>
-            </a:r>
-            <a:r>
-              <a:rPr lang="en-US" dirty="0" smtClean="0"/>
-              <a:t>();</a:t>
-            </a:r>
-            <a:endParaRPr lang="ru-RU" dirty="0" smtClean="0"/>
+              <a:t>Y();</a:t>
+            </a:r>
+            <a:endParaRPr lang="ru-RU" dirty="0"/>
           </a:p>
           <a:p>
             <a:pPr marL="400050" lvl="1" indent="0">
@@ -17843,68 +17113,36 @@
                   <a:srgbClr val="00B050"/>
                 </a:solidFill>
               </a:rPr>
-              <a:t>		</a:t>
-            </a:r>
-            <a:r>
-              <a:rPr lang="en-US" dirty="0" smtClean="0">
+              <a:t>		/*</a:t>
+            </a:r>
+          </a:p>
+          <a:p>
+            <a:pPr marL="400050" lvl="1" indent="0">
+              <a:buNone/>
+            </a:pPr>
+            <a:r>
+              <a:rPr lang="en-US" dirty="0">
                 <a:solidFill>
                   <a:srgbClr val="00B050"/>
                 </a:solidFill>
               </a:rPr>
-              <a:t>/*</a:t>
-            </a:r>
-          </a:p>
-          <a:p>
-            <a:pPr marL="400050" lvl="1" indent="0">
-              <a:buNone/>
-            </a:pPr>
-            <a:r>
-              <a:rPr lang="en-US" dirty="0">
+              <a:t>		success = </a:t>
+            </a:r>
+            <a:r>
+              <a:rPr lang="ru-RU" dirty="0" err="1">
                 <a:solidFill>
                   <a:srgbClr val="00B050"/>
                 </a:solidFill>
               </a:rPr>
-              <a:t>	</a:t>
-            </a:r>
-            <a:r>
-              <a:rPr lang="en-US" dirty="0" smtClean="0">
+              <a:t>ТекущаяИгра.ПолучитьПоле</a:t>
+            </a:r>
+            <a:r>
+              <a:rPr lang="ru-RU" dirty="0">
                 <a:solidFill>
                   <a:srgbClr val="00B050"/>
                 </a:solidFill>
               </a:rPr>
-              <a:t>	success </a:t>
-            </a:r>
-            <a:r>
-              <a:rPr lang="en-US" dirty="0">
-                <a:solidFill>
-                  <a:srgbClr val="00B050"/>
-                </a:solidFill>
-              </a:rPr>
-              <a:t>= </a:t>
-            </a:r>
-            <a:r>
-              <a:rPr lang="ru-RU" dirty="0" err="1">
-                <a:solidFill>
-                  <a:srgbClr val="00B050"/>
-                </a:solidFill>
-              </a:rPr>
-              <a:t>ТекущаяИгра.ПолучитьПоле</a:t>
-            </a:r>
-            <a:r>
-              <a:rPr lang="ru-RU" dirty="0">
-                <a:solidFill>
-                  <a:srgbClr val="00B050"/>
-                </a:solidFill>
-              </a:rPr>
               <a:t>().</a:t>
-            </a:r>
-            <a:r>
-              <a:rPr lang="en-US" dirty="0">
-                <a:solidFill>
-                  <a:srgbClr val="00B050"/>
-                </a:solidFill>
-              </a:rPr>
-              <a:t/>
             </a:r>
             <a:br>
               <a:rPr lang="en-US" dirty="0">
@@ -18009,15 +17247,7 @@
                   <a:srgbClr val="00B050"/>
                 </a:solidFill>
               </a:rPr>
-              <a:t>		</a:t>
-            </a:r>
-            <a:r>
-              <a:rPr lang="en-US" dirty="0" smtClean="0">
-                <a:solidFill>
-                  <a:srgbClr val="00B050"/>
-                </a:solidFill>
-              </a:rPr>
-              <a:t>*/</a:t>
+              <a:t>		*/</a:t>
             </a:r>
           </a:p>
           <a:p>
@@ -18025,31 +17255,27 @@
               <a:buNone/>
             </a:pPr>
             <a:r>
-              <a:rPr lang="en-US" dirty="0" smtClean="0"/>
-              <a:t>		success </a:t>
-            </a:r>
-            <a:r>
               <a:rPr lang="en-US" dirty="0"/>
-              <a:t>= </a:t>
-            </a:r>
-            <a:r>
-              <a:rPr lang="ru-RU" b="1" dirty="0" err="1" smtClean="0"/>
+              <a:t>		success = </a:t>
+            </a:r>
+            <a:r>
+              <a:rPr lang="ru-RU" b="1" dirty="0" err="1"/>
               <a:t>ТекущаяИгра.ПопробоватьХод</a:t>
             </a:r>
             <a:r>
-              <a:rPr lang="ru-RU" b="1" dirty="0" smtClean="0"/>
+              <a:rPr lang="ru-RU" b="1" dirty="0"/>
               <a:t>(</a:t>
             </a:r>
             <a:r>
-              <a:rPr lang="en-US" b="1" dirty="0" smtClean="0"/>
+              <a:rPr lang="en-US" b="1" dirty="0"/>
               <a:t>X,Y</a:t>
             </a:r>
             <a:r>
-              <a:rPr lang="ru-RU" b="1" dirty="0" smtClean="0"/>
+              <a:rPr lang="ru-RU" b="1" dirty="0"/>
               <a:t>,</a:t>
             </a:r>
             <a:r>
-              <a:rPr lang="ru-RU" b="1" dirty="0" err="1" smtClean="0"/>
+              <a:rPr lang="ru-RU" b="1" dirty="0" err="1"/>
               <a:t>мойЗнак</a:t>
             </a:r>
             <a:r>
@@ -18165,13 +17391,6 @@
   <p:clrMapOvr>
     <a:masterClrMapping/>
   </p:clrMapOvr>
-  <p:timing>
-    <p:tnLst>
-      <p:par>
-        <p:cTn id="1" dur="indefinite" restart="never" nodeType="tmRoot"/>
-      </p:par>
-    </p:tnLst>
-  </p:timing>
 </p:sld>
 </file>
 
@@ -18208,14 +17427,13 @@
           <a:lstStyle/>
           <a:p>
             <a:r>
-              <a:rPr lang="ru-RU" dirty="0" smtClean="0"/>
+              <a:rPr lang="ru-RU" dirty="0"/>
               <a:t>Убираем нарушение </a:t>
             </a:r>
             <a:r>
-              <a:rPr lang="en-US" dirty="0" smtClean="0"/>
-              <a:t>SPR</a:t>
-            </a:r>
-            <a:endParaRPr lang="en-US" dirty="0"/>
+              <a:rPr lang="en-US" dirty="0"/>
+              <a:t>SRP</a:t>
+            </a:r>
           </a:p>
         </p:txBody>
       </p:sp>
@@ -18255,21 +17473,14 @@
   <p:clrMapOvr>
     <a:masterClrMapping/>
   </p:clrMapOvr>
-  <mc:AlternateContent xmlns:mc="http://schemas.openxmlformats.org/markup-compatibility/2006">
-    <mc:Choice xmlns:p14="http://schemas.microsoft.com/office/powerpoint/2010/main" Requires="p14">
+  <mc:AlternateContent xmlns:mc="http://schemas.openxmlformats.org/markup-compatibility/2006" xmlns:p14="http://schemas.microsoft.com/office/powerpoint/2010/main">
+    <mc:Choice Requires="p14">
       <p:transition spd="slow" p14:dur="2000" advClick="0"/>
     </mc:Choice>
-    <mc:Fallback>
+    <mc:Fallback xmlns="">
       <p:transition spd="slow" advClick="0"/>
     </mc:Fallback>
   </mc:AlternateContent>
-  <p:timing>
-    <p:tnLst>
-      <p:par>
-        <p:cTn id="1" dur="indefinite" restart="never" nodeType="tmRoot"/>
-      </p:par>
-    </p:tnLst>
-  </p:timing>
 </p:sld>
 </file>
 
@@ -18308,11 +17519,11 @@
           <a:lstStyle/>
           <a:p>
             <a:r>
-              <a:rPr lang="ru-RU" dirty="0" err="1" smtClean="0"/>
+              <a:rPr lang="ru-RU" dirty="0" err="1"/>
               <a:t>Итерационность</a:t>
             </a:r>
             <a:r>
-              <a:rPr lang="ru-RU" dirty="0" smtClean="0"/>
+              <a:rPr lang="ru-RU" dirty="0"/>
               <a:t> процесса проектирования</a:t>
             </a:r>
             <a:endParaRPr lang="en-US" dirty="0"/>
@@ -18337,45 +17548,19 @@
           <a:lstStyle/>
           <a:p>
             <a:r>
-              <a:rPr lang="ru-RU" dirty="0" smtClean="0"/>
-              <a:t>Единственно верного решения НЕТ. </a:t>
-            </a:r>
-            <a:r>
-              <a:rPr lang="ru-RU" dirty="0" smtClean="0"/>
-              <a:t>Как нет предела совершенству.</a:t>
-            </a:r>
-            <a:endParaRPr lang="ru-RU" dirty="0" smtClean="0"/>
-          </a:p>
-          <a:p>
-            <a:r>
-              <a:rPr lang="ru-RU" dirty="0"/>
-              <a:t>Хорошая модель </a:t>
-            </a:r>
-            <a:r>
-              <a:rPr lang="ru-RU" dirty="0" smtClean="0"/>
-              <a:t>– </a:t>
-            </a:r>
-            <a:r>
-              <a:rPr lang="ru-RU" dirty="0"/>
-              <a:t>модель </a:t>
-            </a:r>
-            <a:r>
-              <a:rPr lang="ru-RU" dirty="0" smtClean="0"/>
-              <a:t>готовая и к реализации, и </a:t>
-            </a:r>
-            <a:r>
-              <a:rPr lang="ru-RU" dirty="0"/>
-              <a:t>к </a:t>
-            </a:r>
-            <a:r>
-              <a:rPr lang="ru-RU" dirty="0" smtClean="0"/>
-              <a:t>изменениям. Обычно это модель, построенная на основе предметной области.</a:t>
-            </a:r>
-            <a:endParaRPr lang="ru-RU" dirty="0"/>
-          </a:p>
-          <a:p>
-            <a:r>
-              <a:rPr lang="ru-RU" dirty="0" smtClean="0"/>
+              <a:rPr lang="ru-RU" dirty="0"/>
+              <a:t>Единственно верного решения НЕТ. Как нет предела совершенству.</a:t>
+            </a:r>
+          </a:p>
+          <a:p>
+            <a:r>
+              <a:rPr lang="ru-RU" dirty="0"/>
+              <a:t>Хорошая модель – модель готовая и к реализации, и к изменениям. Обычно это модель, построенная на основе предметной области.</a:t>
+            </a:r>
+          </a:p>
+          <a:p>
+            <a:r>
+              <a:rPr lang="ru-RU" dirty="0"/>
               <a:t>Модель улучшается до тех пор, пока она не станет удовлетворять всем требованиям к системе. </a:t>
             </a:r>
           </a:p>
@@ -18434,13 +17619,6 @@
   <p:clrMapOvr>
     <a:masterClrMapping/>
   </p:clrMapOvr>
-  <p:timing>
-    <p:tnLst>
-      <p:par>
-        <p:cTn id="1" dur="indefinite" restart="never" nodeType="tmRoot"/>
-      </p:par>
-    </p:tnLst>
-  </p:timing>
 </p:sld>
 </file>
 
@@ -18477,7 +17655,7 @@
           <a:lstStyle/>
           <a:p>
             <a:r>
-              <a:rPr lang="ru-RU" dirty="0" smtClean="0"/>
+              <a:rPr lang="ru-RU" dirty="0"/>
               <a:t>Когда остановиться?</a:t>
             </a:r>
             <a:endParaRPr lang="en-US" dirty="0"/>
@@ -18502,24 +17680,20 @@
           <a:lstStyle/>
           <a:p>
             <a:r>
-              <a:rPr lang="ru-RU" dirty="0" smtClean="0"/>
+              <a:rPr lang="ru-RU" dirty="0"/>
               <a:t>Когда модель становится реализуемой.</a:t>
             </a:r>
           </a:p>
           <a:p>
             <a:r>
-              <a:rPr lang="ru-RU" dirty="0" smtClean="0"/>
+              <a:rPr lang="ru-RU" dirty="0"/>
               <a:t>Когда модель покрывает все функциональные и нефункциональные требования к разрабатываемой системе.</a:t>
             </a:r>
           </a:p>
           <a:p>
             <a:r>
-              <a:rPr lang="ru-RU" dirty="0" smtClean="0"/>
-              <a:t>Лучшее </a:t>
-            </a:r>
-            <a:r>
-              <a:rPr lang="ru-RU" dirty="0"/>
-              <a:t>– враг хорошего (</a:t>
+              <a:rPr lang="ru-RU" dirty="0"/>
+              <a:t>Лучшее – враг хорошего (</a:t>
             </a:r>
             <a:r>
               <a:rPr lang="en-US" dirty="0" err="1"/>
@@ -18535,19 +17709,14 @@
             </a:r>
             <a:r>
               <a:rPr lang="ru-RU" dirty="0"/>
-              <a:t> мозга</a:t>
-            </a:r>
-            <a:r>
-              <a:rPr lang="ru-RU" dirty="0" smtClean="0"/>
-              <a:t>»)</a:t>
-            </a:r>
-          </a:p>
-          <a:p>
-            <a:r>
-              <a:rPr lang="ru-RU" dirty="0" smtClean="0"/>
+              <a:t> мозга»)</a:t>
+            </a:r>
+          </a:p>
+          <a:p>
+            <a:r>
+              <a:rPr lang="ru-RU" dirty="0"/>
               <a:t>Помним, что инструменты ООП – средства, а не цель.</a:t>
             </a:r>
-            <a:endParaRPr lang="ru-RU" dirty="0"/>
           </a:p>
           <a:p>
             <a:endParaRPr lang="en-US" dirty="0"/>
@@ -18565,7 +17734,7 @@
           </p:nvPr>
         </p:nvPicPr>
         <p:blipFill>
-          <a:blip r:embed="rId2">
+          <a:blip r:embed="rId3">
             <a:extLst>
               <a:ext uri="{28A0092B-C50C-407E-A947-70E740481C1C}">
                 <a14:useLocalDpi xmlns:a14="http://schemas.microsoft.com/office/drawing/2010/main" val="0"/>
@@ -18607,13 +17776,6 @@
   <p:clrMapOvr>
     <a:masterClrMapping/>
   </p:clrMapOvr>
-  <p:timing>
-    <p:tnLst>
-      <p:par>
-        <p:cTn id="1" dur="indefinite" restart="never" nodeType="tmRoot"/>
-      </p:par>
-    </p:tnLst>
-  </p:timing>
 </p:sld>
 </file>
 
@@ -18652,7 +17814,7 @@
           <a:lstStyle/>
           <a:p>
             <a:r>
-              <a:rPr lang="ru-RU" dirty="0" smtClean="0"/>
+              <a:rPr lang="ru-RU" dirty="0"/>
               <a:t>Пример – Действующие лица</a:t>
             </a:r>
             <a:endParaRPr lang="en-US" dirty="0"/>
@@ -18894,7 +18056,7 @@
           <a:lstStyle/>
           <a:p>
             <a:r>
-              <a:rPr lang="ru-RU" dirty="0" smtClean="0"/>
+              <a:rPr lang="ru-RU" dirty="0"/>
               <a:t>Варианты использования (ВИ)</a:t>
             </a:r>
             <a:endParaRPr lang="en-US" dirty="0"/>
@@ -18919,19 +18081,15 @@
           <a:lstStyle/>
           <a:p>
             <a:r>
-              <a:rPr lang="ru-RU" dirty="0" smtClean="0"/>
+              <a:rPr lang="ru-RU" dirty="0"/>
               <a:t>Выделение вариантов использования: </a:t>
             </a:r>
           </a:p>
           <a:p>
             <a:pPr lvl="1"/>
             <a:r>
-              <a:rPr lang="ru-RU" dirty="0" smtClean="0"/>
-              <a:t>Среди </a:t>
-            </a:r>
-            <a:r>
-              <a:rPr lang="ru-RU" dirty="0"/>
-              <a:t>всех последовательностей действий, которые могут произойти при работе приложения, выделяются такие, в результате которых получается </a:t>
+              <a:rPr lang="ru-RU" dirty="0"/>
+              <a:t>Среди всех последовательностей действий, которые могут произойти при работе приложения, выделяются такие, в результате которых получается </a:t>
             </a:r>
             <a:r>
               <a:rPr lang="ru-RU" b="1" dirty="0"/>
@@ -18954,14 +18112,14 @@
           <a:p>
             <a:pPr lvl="1"/>
             <a:r>
-              <a:rPr lang="ru-RU" dirty="0" smtClean="0"/>
+              <a:rPr lang="ru-RU" dirty="0"/>
               <a:t>Формальный методов нет</a:t>
             </a:r>
           </a:p>
           <a:p>
             <a:pPr lvl="1"/>
             <a:r>
-              <a:rPr lang="ru-RU" dirty="0" smtClean="0"/>
+              <a:rPr lang="ru-RU" dirty="0"/>
               <a:t>Неформальный метод:</a:t>
             </a:r>
           </a:p>
@@ -18969,35 +18127,19 @@
             <a:pPr lvl="2"/>
             <a:r>
               <a:rPr lang="ru-RU" dirty="0"/>
-              <a:t>поискать в тексте отглагольные существительные и глаголы с прямым дополнением: </a:t>
-            </a:r>
-            <a:r>
-              <a:rPr lang="ru-RU" dirty="0" smtClean="0"/>
-              <a:t>зачастую, в </a:t>
-            </a:r>
-            <a:r>
-              <a:rPr lang="ru-RU" dirty="0"/>
-              <a:t>них зашифрованы варианты </a:t>
-            </a:r>
-            <a:r>
-              <a:rPr lang="ru-RU" dirty="0" smtClean="0"/>
-              <a:t>использования</a:t>
-            </a:r>
-          </a:p>
-          <a:p>
-            <a:r>
-              <a:rPr lang="ru-RU" dirty="0"/>
-              <a:t>Вариант </a:t>
-            </a:r>
-            <a:r>
-              <a:rPr lang="ru-RU" dirty="0" smtClean="0"/>
-              <a:t>использования != сценарию</a:t>
+              <a:t>поискать в тексте отглагольные существительные и глаголы с прямым дополнением: зачастую, в них зашифрованы варианты использования</a:t>
+            </a:r>
+          </a:p>
+          <a:p>
+            <a:r>
+              <a:rPr lang="ru-RU" dirty="0"/>
+              <a:t>Вариант использования != сценарию</a:t>
             </a:r>
           </a:p>
           <a:p>
             <a:pPr lvl="2"/>
             <a:r>
-              <a:rPr lang="ru-RU" dirty="0" smtClean="0"/>
+              <a:rPr lang="ru-RU" dirty="0"/>
               <a:t>Вариант использования может содержать набор сценариев, направленных на достижение одного результата.</a:t>
             </a:r>
           </a:p>
@@ -19013,13 +18155,6 @@
   <p:clrMapOvr>
     <a:masterClrMapping/>
   </p:clrMapOvr>
-  <p:timing>
-    <p:tnLst>
-      <p:par>
-        <p:cTn id="1" dur="indefinite" restart="never" nodeType="tmRoot"/>
-      </p:par>
-    </p:tnLst>
-  </p:timing>
 </p:sld>
 </file>
 
@@ -19058,7 +18193,7 @@
           <a:lstStyle/>
           <a:p>
             <a:r>
-              <a:rPr lang="ru-RU" dirty="0" smtClean="0"/>
+              <a:rPr lang="ru-RU" dirty="0"/>
               <a:t>Пример – Варианты использования</a:t>
             </a:r>
             <a:endParaRPr lang="en-US" dirty="0"/>
@@ -19455,11 +18590,7 @@
           <a:p>
             <a:r>
               <a:rPr lang="ru-RU" dirty="0"/>
-              <a:t>Ассоциация между </a:t>
-            </a:r>
-            <a:r>
-              <a:rPr lang="ru-RU" dirty="0" smtClean="0"/>
-              <a:t>ДЛ и ВИ</a:t>
+              <a:t>Ассоциация между ДЛ и ВИ</a:t>
             </a:r>
             <a:endParaRPr lang="en-US" dirty="0"/>
           </a:p>
@@ -19489,27 +18620,11 @@
           <a:p>
             <a:r>
               <a:rPr lang="ru-RU" b="1" dirty="0"/>
-              <a:t>Ассоциация между </a:t>
-            </a:r>
-            <a:r>
-              <a:rPr lang="ru-RU" b="1" dirty="0" smtClean="0"/>
-              <a:t>ДЛ и ВИ</a:t>
-            </a:r>
-            <a:r>
-              <a:rPr lang="ru-RU" dirty="0"/>
-              <a:t> показывает, что </a:t>
-            </a:r>
-            <a:r>
-              <a:rPr lang="ru-RU" dirty="0" smtClean="0"/>
-              <a:t>ДЛ тем </a:t>
-            </a:r>
-            <a:r>
-              <a:rPr lang="ru-RU" dirty="0"/>
-              <a:t>или иным способом взаимодействует (предоставляет исходные данные, получает результат) с </a:t>
-            </a:r>
-            <a:r>
-              <a:rPr lang="ru-RU" dirty="0" smtClean="0"/>
-              <a:t>ВИ .</a:t>
+              <a:t>Ассоциация между ДЛ и ВИ</a:t>
+            </a:r>
+            <a:r>
+              <a:rPr lang="ru-RU" dirty="0"/>
+              <a:t> показывает, что ДЛ тем или иным способом взаимодействует (предоставляет исходные данные, получает результат) с ВИ .</a:t>
             </a:r>
           </a:p>
           <a:p>
@@ -19517,17 +18632,12 @@
               <a:rPr lang="ru-RU" dirty="0"/>
               <a:t>Ассоциация является наиболее важным и, фактически, обязательным отношением на диаграмме использования. </a:t>
             </a:r>
-            <a:endParaRPr lang="ru-RU" dirty="0" smtClean="0"/>
           </a:p>
           <a:p>
             <a:pPr lvl="1"/>
             <a:r>
-              <a:rPr lang="ru-RU" dirty="0" smtClean="0"/>
-              <a:t>если </a:t>
-            </a:r>
-            <a:r>
-              <a:rPr lang="ru-RU" dirty="0"/>
-              <a:t>на диаграмме использования нет ассоциаций между действующими лицами и вариантами использования, то это означает, что система не взаимодействует с внешним миром. </a:t>
+              <a:rPr lang="ru-RU" dirty="0"/>
+              <a:t>если на диаграмме использования нет ассоциаций между действующими лицами и вариантами использования, то это означает, что система не взаимодействует с внешним миром. </a:t>
             </a:r>
             <a:endParaRPr lang="en-US" dirty="0"/>
           </a:p>
@@ -19569,13 +18679,6 @@
   <p:clrMapOvr>
     <a:masterClrMapping/>
   </p:clrMapOvr>
-  <p:timing>
-    <p:tnLst>
-      <p:par>
-        <p:cTn id="1" dur="indefinite" restart="never" nodeType="tmRoot"/>
-      </p:par>
-    </p:tnLst>
-  </p:timing>
 </p:sld>
 </file>
 
